--- a/004 Reinforcement Learning/Introduction to RL-Part1.pptx
+++ b/004 Reinforcement Learning/Introduction to RL-Part1.pptx
@@ -5,28 +5,27 @@
     <p:sldMasterId id="2147483648" r:id="rId1"/>
   </p:sldMasterIdLst>
   <p:notesMasterIdLst>
-    <p:notesMasterId r:id="rId21"/>
+    <p:notesMasterId r:id="rId20"/>
   </p:notesMasterIdLst>
   <p:sldIdLst>
     <p:sldId id="256" r:id="rId2"/>
     <p:sldId id="306" r:id="rId3"/>
     <p:sldId id="309" r:id="rId4"/>
     <p:sldId id="325" r:id="rId5"/>
-    <p:sldId id="318" r:id="rId6"/>
-    <p:sldId id="324" r:id="rId7"/>
-    <p:sldId id="314" r:id="rId8"/>
-    <p:sldId id="317" r:id="rId9"/>
-    <p:sldId id="319" r:id="rId10"/>
-    <p:sldId id="326" r:id="rId11"/>
-    <p:sldId id="321" r:id="rId12"/>
-    <p:sldId id="320" r:id="rId13"/>
-    <p:sldId id="327" r:id="rId14"/>
-    <p:sldId id="322" r:id="rId15"/>
-    <p:sldId id="323" r:id="rId16"/>
-    <p:sldId id="311" r:id="rId17"/>
-    <p:sldId id="316" r:id="rId18"/>
-    <p:sldId id="315" r:id="rId19"/>
-    <p:sldId id="313" r:id="rId20"/>
+    <p:sldId id="324" r:id="rId6"/>
+    <p:sldId id="314" r:id="rId7"/>
+    <p:sldId id="317" r:id="rId8"/>
+    <p:sldId id="319" r:id="rId9"/>
+    <p:sldId id="326" r:id="rId10"/>
+    <p:sldId id="321" r:id="rId11"/>
+    <p:sldId id="320" r:id="rId12"/>
+    <p:sldId id="327" r:id="rId13"/>
+    <p:sldId id="322" r:id="rId14"/>
+    <p:sldId id="323" r:id="rId15"/>
+    <p:sldId id="311" r:id="rId16"/>
+    <p:sldId id="316" r:id="rId17"/>
+    <p:sldId id="315" r:id="rId18"/>
+    <p:sldId id="313" r:id="rId19"/>
   </p:sldIdLst>
   <p:sldSz cx="13004800" cy="9753600"/>
   <p:notesSz cx="13004800" cy="9753600"/>
@@ -561,7 +560,7 @@
     </p:spTree>
     <p:extLst>
       <p:ext uri="{BB962C8B-B14F-4D97-AF65-F5344CB8AC3E}">
-        <p14:creationId xmlns:p14="http://schemas.microsoft.com/office/powerpoint/2010/main" val="3189486819"/>
+        <p14:creationId xmlns:p14="http://schemas.microsoft.com/office/powerpoint/2010/main" val="446962246"/>
       </p:ext>
     </p:extLst>
   </p:cSld>
@@ -645,7 +644,7 @@
     </p:spTree>
     <p:extLst>
       <p:ext uri="{BB962C8B-B14F-4D97-AF65-F5344CB8AC3E}">
-        <p14:creationId xmlns:p14="http://schemas.microsoft.com/office/powerpoint/2010/main" val="446962246"/>
+        <p14:creationId xmlns:p14="http://schemas.microsoft.com/office/powerpoint/2010/main" val="825872304"/>
       </p:ext>
     </p:extLst>
   </p:cSld>
@@ -729,7 +728,7 @@
     </p:spTree>
     <p:extLst>
       <p:ext uri="{BB962C8B-B14F-4D97-AF65-F5344CB8AC3E}">
-        <p14:creationId xmlns:p14="http://schemas.microsoft.com/office/powerpoint/2010/main" val="825872304"/>
+        <p14:creationId xmlns:p14="http://schemas.microsoft.com/office/powerpoint/2010/main" val="1652059456"/>
       </p:ext>
     </p:extLst>
   </p:cSld>
@@ -813,7 +812,7 @@
     </p:spTree>
     <p:extLst>
       <p:ext uri="{BB962C8B-B14F-4D97-AF65-F5344CB8AC3E}">
-        <p14:creationId xmlns:p14="http://schemas.microsoft.com/office/powerpoint/2010/main" val="1652059456"/>
+        <p14:creationId xmlns:p14="http://schemas.microsoft.com/office/powerpoint/2010/main" val="479787932"/>
       </p:ext>
     </p:extLst>
   </p:cSld>
@@ -897,7 +896,7 @@
     </p:spTree>
     <p:extLst>
       <p:ext uri="{BB962C8B-B14F-4D97-AF65-F5344CB8AC3E}">
-        <p14:creationId xmlns:p14="http://schemas.microsoft.com/office/powerpoint/2010/main" val="479787932"/>
+        <p14:creationId xmlns:p14="http://schemas.microsoft.com/office/powerpoint/2010/main" val="2786272369"/>
       </p:ext>
     </p:extLst>
   </p:cSld>
@@ -981,7 +980,7 @@
     </p:spTree>
     <p:extLst>
       <p:ext uri="{BB962C8B-B14F-4D97-AF65-F5344CB8AC3E}">
-        <p14:creationId xmlns:p14="http://schemas.microsoft.com/office/powerpoint/2010/main" val="2786272369"/>
+        <p14:creationId xmlns:p14="http://schemas.microsoft.com/office/powerpoint/2010/main" val="1378212249"/>
       </p:ext>
     </p:extLst>
   </p:cSld>
@@ -1065,7 +1064,7 @@
     </p:spTree>
     <p:extLst>
       <p:ext uri="{BB962C8B-B14F-4D97-AF65-F5344CB8AC3E}">
-        <p14:creationId xmlns:p14="http://schemas.microsoft.com/office/powerpoint/2010/main" val="1378212249"/>
+        <p14:creationId xmlns:p14="http://schemas.microsoft.com/office/powerpoint/2010/main" val="2415500456"/>
       </p:ext>
     </p:extLst>
   </p:cSld>
@@ -1141,90 +1140,6 @@
             <a:fld id="{15E379A2-52E3-4F4A-8743-F07D02140E24}" type="slidenum">
               <a:rPr lang="ko-KR" altLang="en-US" smtClean="0"/>
               <a:t>18</a:t>
-            </a:fld>
-            <a:endParaRPr lang="ko-KR" altLang="en-US"/>
-          </a:p>
-        </p:txBody>
-      </p:sp>
-    </p:spTree>
-    <p:extLst>
-      <p:ext uri="{BB962C8B-B14F-4D97-AF65-F5344CB8AC3E}">
-        <p14:creationId xmlns:p14="http://schemas.microsoft.com/office/powerpoint/2010/main" val="2415500456"/>
-      </p:ext>
-    </p:extLst>
-  </p:cSld>
-  <p:clrMapOvr>
-    <a:masterClrMapping/>
-  </p:clrMapOvr>
-</p:notes>
-</file>
-
-<file path=ppt/notesSlides/notesSlide18.xml><?xml version="1.0" encoding="utf-8"?>
-<p:notes xmlns:a="http://schemas.openxmlformats.org/drawingml/2006/main" xmlns:r="http://schemas.openxmlformats.org/officeDocument/2006/relationships" xmlns:p="http://schemas.openxmlformats.org/presentationml/2006/main">
-  <p:cSld>
-    <p:spTree>
-      <p:nvGrpSpPr>
-        <p:cNvPr id="1" name=""/>
-        <p:cNvGrpSpPr/>
-        <p:nvPr/>
-      </p:nvGrpSpPr>
-      <p:grpSpPr>
-        <a:xfrm>
-          <a:off x="0" y="0"/>
-          <a:ext cx="0" cy="0"/>
-          <a:chOff x="0" y="0"/>
-          <a:chExt cx="0" cy="0"/>
-        </a:xfrm>
-      </p:grpSpPr>
-      <p:sp>
-        <p:nvSpPr>
-          <p:cNvPr id="2" name="슬라이드 이미지 개체 틀 1"/>
-          <p:cNvSpPr>
-            <a:spLocks noGrp="1" noRot="1" noChangeAspect="1"/>
-          </p:cNvSpPr>
-          <p:nvPr>
-            <p:ph type="sldImg"/>
-          </p:nvPr>
-        </p:nvSpPr>
-        <p:spPr/>
-      </p:sp>
-      <p:sp>
-        <p:nvSpPr>
-          <p:cNvPr id="3" name="슬라이드 노트 개체 틀 2"/>
-          <p:cNvSpPr>
-            <a:spLocks noGrp="1"/>
-          </p:cNvSpPr>
-          <p:nvPr>
-            <p:ph type="body" idx="1"/>
-          </p:nvPr>
-        </p:nvSpPr>
-        <p:spPr/>
-        <p:txBody>
-          <a:bodyPr/>
-          <a:lstStyle/>
-          <a:p>
-            <a:endParaRPr lang="ko-KR" altLang="en-US"/>
-          </a:p>
-        </p:txBody>
-      </p:sp>
-      <p:sp>
-        <p:nvSpPr>
-          <p:cNvPr id="4" name="슬라이드 번호 개체 틀 3"/>
-          <p:cNvSpPr>
-            <a:spLocks noGrp="1"/>
-          </p:cNvSpPr>
-          <p:nvPr>
-            <p:ph type="sldNum" sz="quarter" idx="5"/>
-          </p:nvPr>
-        </p:nvSpPr>
-        <p:spPr/>
-        <p:txBody>
-          <a:bodyPr/>
-          <a:lstStyle/>
-          <a:p>
-            <a:fld id="{15E379A2-52E3-4F4A-8743-F07D02140E24}" type="slidenum">
-              <a:rPr lang="ko-KR" altLang="en-US" smtClean="0"/>
-              <a:t>19</a:t>
             </a:fld>
             <a:endParaRPr lang="ko-KR" altLang="en-US"/>
           </a:p>
@@ -1485,7 +1400,7 @@
     </p:spTree>
     <p:extLst>
       <p:ext uri="{BB962C8B-B14F-4D97-AF65-F5344CB8AC3E}">
-        <p14:creationId xmlns:p14="http://schemas.microsoft.com/office/powerpoint/2010/main" val="153929599"/>
+        <p14:creationId xmlns:p14="http://schemas.microsoft.com/office/powerpoint/2010/main" val="523601364"/>
       </p:ext>
     </p:extLst>
   </p:cSld>
@@ -1569,7 +1484,7 @@
     </p:spTree>
     <p:extLst>
       <p:ext uri="{BB962C8B-B14F-4D97-AF65-F5344CB8AC3E}">
-        <p14:creationId xmlns:p14="http://schemas.microsoft.com/office/powerpoint/2010/main" val="523601364"/>
+        <p14:creationId xmlns:p14="http://schemas.microsoft.com/office/powerpoint/2010/main" val="2085288298"/>
       </p:ext>
     </p:extLst>
   </p:cSld>
@@ -1653,7 +1568,7 @@
     </p:spTree>
     <p:extLst>
       <p:ext uri="{BB962C8B-B14F-4D97-AF65-F5344CB8AC3E}">
-        <p14:creationId xmlns:p14="http://schemas.microsoft.com/office/powerpoint/2010/main" val="2085288298"/>
+        <p14:creationId xmlns:p14="http://schemas.microsoft.com/office/powerpoint/2010/main" val="1802600548"/>
       </p:ext>
     </p:extLst>
   </p:cSld>
@@ -1737,7 +1652,7 @@
     </p:spTree>
     <p:extLst>
       <p:ext uri="{BB962C8B-B14F-4D97-AF65-F5344CB8AC3E}">
-        <p14:creationId xmlns:p14="http://schemas.microsoft.com/office/powerpoint/2010/main" val="1802600548"/>
+        <p14:creationId xmlns:p14="http://schemas.microsoft.com/office/powerpoint/2010/main" val="2549160260"/>
       </p:ext>
     </p:extLst>
   </p:cSld>
@@ -1821,7 +1736,7 @@
     </p:spTree>
     <p:extLst>
       <p:ext uri="{BB962C8B-B14F-4D97-AF65-F5344CB8AC3E}">
-        <p14:creationId xmlns:p14="http://schemas.microsoft.com/office/powerpoint/2010/main" val="2549160260"/>
+        <p14:creationId xmlns:p14="http://schemas.microsoft.com/office/powerpoint/2010/main" val="1674934212"/>
       </p:ext>
     </p:extLst>
   </p:cSld>
@@ -1905,7 +1820,7 @@
     </p:spTree>
     <p:extLst>
       <p:ext uri="{BB962C8B-B14F-4D97-AF65-F5344CB8AC3E}">
-        <p14:creationId xmlns:p14="http://schemas.microsoft.com/office/powerpoint/2010/main" val="1674934212"/>
+        <p14:creationId xmlns:p14="http://schemas.microsoft.com/office/powerpoint/2010/main" val="3189486819"/>
       </p:ext>
     </p:extLst>
   </p:cSld>
@@ -3655,1209 +3570,6 @@
           </a:p>
         </p:txBody>
       </p:sp>
-      <mc:AlternateContent xmlns:mc="http://schemas.openxmlformats.org/markup-compatibility/2006" xmlns:a14="http://schemas.microsoft.com/office/drawing/2010/main">
-        <mc:Choice Requires="a14">
-          <p:sp>
-            <p:nvSpPr>
-              <p:cNvPr id="13" name="TextBox 12">
-                <a:extLst>
-                  <a:ext uri="{FF2B5EF4-FFF2-40B4-BE49-F238E27FC236}">
-                    <a16:creationId xmlns:a16="http://schemas.microsoft.com/office/drawing/2014/main" id="{8E14BF28-7753-814B-4A45-F6C00A45AE4A}"/>
-                  </a:ext>
-                </a:extLst>
-              </p:cNvPr>
-              <p:cNvSpPr txBox="1"/>
-              <p:nvPr/>
-            </p:nvSpPr>
-            <p:spPr>
-              <a:xfrm>
-                <a:off x="255953" y="990600"/>
-                <a:ext cx="12190047" cy="2423740"/>
-              </a:xfrm>
-              <a:prstGeom prst="rect">
-                <a:avLst/>
-              </a:prstGeom>
-              <a:noFill/>
-            </p:spPr>
-            <p:txBody>
-              <a:bodyPr wrap="square">
-                <a:spAutoFit/>
-              </a:bodyPr>
-              <a:lstStyle/>
-              <a:p>
-                <a:pPr marL="12065" marR="0" lvl="0" indent="0" defTabSz="914400" eaLnBrk="1" fontAlgn="auto" latinLnBrk="0" hangingPunct="1">
-                  <a:lnSpc>
-                    <a:spcPct val="100000"/>
-                  </a:lnSpc>
-                  <a:spcBef>
-                    <a:spcPts val="910"/>
-                  </a:spcBef>
-                  <a:spcAft>
-                    <a:spcPts val="0"/>
-                  </a:spcAft>
-                  <a:buClrTx/>
-                  <a:buSzTx/>
-                  <a:buFontTx/>
-                  <a:buNone/>
-                  <a:tabLst>
-                    <a:tab pos="335280" algn="l"/>
-                    <a:tab pos="335915" algn="l"/>
-                  </a:tabLst>
-                  <a:defRPr/>
-                </a:pPr>
-                <a:r>
-                  <a:rPr kumimoji="0" lang="en-US" altLang="ko-KR" sz="2400" b="1" i="0" u="none" strike="noStrike" kern="0" cap="none" spc="0" normalizeH="0" baseline="0" noProof="0">
-                    <a:ln>
-                      <a:noFill/>
-                    </a:ln>
-                    <a:solidFill>
-                      <a:sysClr val="windowText" lastClr="000000"/>
-                    </a:solidFill>
-                    <a:effectLst/>
-                    <a:uLnTx/>
-                    <a:uFillTx/>
-                    <a:latin typeface="Arial"/>
-                    <a:cs typeface="Arial"/>
-                  </a:rPr>
-                  <a:t>Policy Iteration</a:t>
-                </a:r>
-              </a:p>
-              <a:p>
-                <a:pPr marL="469265" marR="0" lvl="0" indent="-457200" defTabSz="914400" eaLnBrk="1" fontAlgn="auto" latinLnBrk="0" hangingPunct="1">
-                  <a:lnSpc>
-                    <a:spcPct val="100000"/>
-                  </a:lnSpc>
-                  <a:spcBef>
-                    <a:spcPts val="910"/>
-                  </a:spcBef>
-                  <a:spcAft>
-                    <a:spcPts val="0"/>
-                  </a:spcAft>
-                  <a:buClrTx/>
-                  <a:buSzTx/>
-                  <a:buAutoNum type="arabicParenR"/>
-                  <a:tabLst>
-                    <a:tab pos="335280" algn="l"/>
-                    <a:tab pos="335915" algn="l"/>
-                  </a:tabLst>
-                  <a:defRPr/>
-                </a:pPr>
-                <a:r>
-                  <a:rPr lang="en-US" altLang="ko-KR" sz="2100" b="1">
-                    <a:latin typeface="Arial"/>
-                    <a:cs typeface="Arial"/>
-                  </a:rPr>
-                  <a:t>Policy Evaluation</a:t>
-                </a:r>
-                <a:br>
-                  <a:rPr lang="en-US" altLang="ko-KR" sz="2100">
-                    <a:latin typeface="Arial"/>
-                    <a:cs typeface="Arial"/>
-                  </a:rPr>
-                </a:br>
-                <a:r>
-                  <a:rPr lang="en-US" altLang="ko-KR" sz="2100">
-                    <a:latin typeface="Arial"/>
-                    <a:cs typeface="Arial"/>
-                  </a:rPr>
-                  <a:t>-Given an arbitrary policy, we calculate value function </a:t>
-                </a:r>
-                <a14:m>
-                  <m:oMath xmlns:m="http://schemas.openxmlformats.org/officeDocument/2006/math">
-                    <m:r>
-                      <a:rPr lang="en-US" altLang="ko-KR" sz="2100" b="0" i="1" smtClean="0">
-                        <a:latin typeface="Cambria Math" panose="02040503050406030204" pitchFamily="18" charset="0"/>
-                        <a:cs typeface="Arial"/>
-                      </a:rPr>
-                      <m:t>𝑉</m:t>
-                    </m:r>
-                  </m:oMath>
-                </a14:m>
-                <a:r>
-                  <a:rPr lang="en-US" altLang="ko-KR" sz="2100">
-                    <a:latin typeface="Arial"/>
-                    <a:cs typeface="Arial"/>
-                  </a:rPr>
-                  <a:t> for </a:t>
-                </a:r>
-                <a:r>
-                  <a:rPr lang="en-US" altLang="ko-KR" sz="2100" b="1">
-                    <a:latin typeface="Arial"/>
-                    <a:cs typeface="Arial"/>
-                  </a:rPr>
-                  <a:t>all states </a:t>
-                </a:r>
-                <a:r>
-                  <a:rPr lang="en-US" altLang="ko-KR" sz="2100">
-                    <a:latin typeface="Arial"/>
-                    <a:cs typeface="Arial"/>
-                  </a:rPr>
-                  <a:t>under this policy. We iterate through each state and update V until it converges. </a:t>
-                </a:r>
-                <a:r>
-                  <a:rPr lang="en-US" altLang="ko-KR" sz="2100">
-                    <a:latin typeface="Arial"/>
-                    <a:cs typeface="Arial"/>
-                    <a:sym typeface="Wingdings" panose="05000000000000000000" pitchFamily="2" charset="2"/>
-                  </a:rPr>
-                  <a:t> We find true value function with iteration</a:t>
-                </a:r>
-                <a:endParaRPr lang="en-US" altLang="ko-KR" sz="2100">
-                  <a:latin typeface="Arial"/>
-                  <a:cs typeface="Arial"/>
-                </a:endParaRPr>
-              </a:p>
-              <a:p>
-                <a:pPr marL="469265" marR="0" lvl="0" indent="-457200" defTabSz="914400" eaLnBrk="1" fontAlgn="auto" latinLnBrk="0" hangingPunct="1">
-                  <a:lnSpc>
-                    <a:spcPct val="100000"/>
-                  </a:lnSpc>
-                  <a:spcBef>
-                    <a:spcPts val="910"/>
-                  </a:spcBef>
-                  <a:spcAft>
-                    <a:spcPts val="0"/>
-                  </a:spcAft>
-                  <a:buClrTx/>
-                  <a:buSzTx/>
-                  <a:buAutoNum type="arabicParenR"/>
-                  <a:tabLst>
-                    <a:tab pos="335280" algn="l"/>
-                    <a:tab pos="335915" algn="l"/>
-                  </a:tabLst>
-                  <a:defRPr/>
-                </a:pPr>
-                <a:endParaRPr lang="en-US" altLang="ko-KR" sz="2100">
-                  <a:latin typeface="Arial"/>
-                  <a:cs typeface="Arial"/>
-                </a:endParaRPr>
-              </a:p>
-              <a:p>
-                <a:pPr marL="354965" marR="0" lvl="0" indent="-342900" defTabSz="914400" eaLnBrk="1" fontAlgn="auto" latinLnBrk="0" hangingPunct="1">
-                  <a:lnSpc>
-                    <a:spcPct val="100000"/>
-                  </a:lnSpc>
-                  <a:spcBef>
-                    <a:spcPts val="910"/>
-                  </a:spcBef>
-                  <a:spcAft>
-                    <a:spcPts val="0"/>
-                  </a:spcAft>
-                  <a:buClrTx/>
-                  <a:buSzTx/>
-                  <a:buFontTx/>
-                  <a:buChar char="-"/>
-                  <a:tabLst>
-                    <a:tab pos="335280" algn="l"/>
-                    <a:tab pos="335915" algn="l"/>
-                  </a:tabLst>
-                  <a:defRPr/>
-                </a:pPr>
-                <a:endParaRPr lang="en-US" altLang="ko-KR" sz="2100">
-                  <a:latin typeface="Arial"/>
-                  <a:cs typeface="Arial"/>
-                </a:endParaRPr>
-              </a:p>
-            </p:txBody>
-          </p:sp>
-        </mc:Choice>
-        <mc:Fallback xmlns="">
-          <p:sp>
-            <p:nvSpPr>
-              <p:cNvPr id="13" name="TextBox 12">
-                <a:extLst>
-                  <a:ext uri="{FF2B5EF4-FFF2-40B4-BE49-F238E27FC236}">
-                    <a16:creationId xmlns:a16="http://schemas.microsoft.com/office/drawing/2014/main" id="{8E14BF28-7753-814B-4A45-F6C00A45AE4A}"/>
-                  </a:ext>
-                </a:extLst>
-              </p:cNvPr>
-              <p:cNvSpPr txBox="1">
-                <a:spLocks noRot="1" noChangeAspect="1" noMove="1" noResize="1" noEditPoints="1" noAdjustHandles="1" noChangeArrowheads="1" noChangeShapeType="1" noTextEdit="1"/>
-              </p:cNvSpPr>
-              <p:nvPr/>
-            </p:nvSpPr>
-            <p:spPr>
-              <a:xfrm>
-                <a:off x="255953" y="990600"/>
-                <a:ext cx="12190047" cy="2423740"/>
-              </a:xfrm>
-              <a:prstGeom prst="rect">
-                <a:avLst/>
-              </a:prstGeom>
-              <a:blipFill>
-                <a:blip r:embed="rId3"/>
-                <a:stretch>
-                  <a:fillRect l="-700" t="-1763" r="-900"/>
-                </a:stretch>
-              </a:blipFill>
-            </p:spPr>
-            <p:txBody>
-              <a:bodyPr/>
-              <a:lstStyle/>
-              <a:p>
-                <a:r>
-                  <a:rPr lang="ko-KR" altLang="en-US">
-                    <a:noFill/>
-                  </a:rPr>
-                  <a:t> </a:t>
-                </a:r>
-              </a:p>
-            </p:txBody>
-          </p:sp>
-        </mc:Fallback>
-      </mc:AlternateContent>
-      <p:pic>
-        <p:nvPicPr>
-          <p:cNvPr id="4" name="그림 3">
-            <a:extLst>
-              <a:ext uri="{FF2B5EF4-FFF2-40B4-BE49-F238E27FC236}">
-                <a16:creationId xmlns:a16="http://schemas.microsoft.com/office/drawing/2014/main" id="{F4932AD5-5503-1D38-B5F2-C5BD4867DFCC}"/>
-              </a:ext>
-            </a:extLst>
-          </p:cNvPr>
-          <p:cNvPicPr>
-            <a:picLocks noChangeAspect="1"/>
-          </p:cNvPicPr>
-          <p:nvPr/>
-        </p:nvPicPr>
-        <p:blipFill>
-          <a:blip r:embed="rId4"/>
-          <a:stretch>
-            <a:fillRect/>
-          </a:stretch>
-        </p:blipFill>
-        <p:spPr>
-          <a:xfrm>
-            <a:off x="2741955" y="7899508"/>
-            <a:ext cx="7258050" cy="923925"/>
-          </a:xfrm>
-          <a:prstGeom prst="rect">
-            <a:avLst/>
-          </a:prstGeom>
-        </p:spPr>
-      </p:pic>
-      <p:pic>
-        <p:nvPicPr>
-          <p:cNvPr id="10" name="그림 9">
-            <a:extLst>
-              <a:ext uri="{FF2B5EF4-FFF2-40B4-BE49-F238E27FC236}">
-                <a16:creationId xmlns:a16="http://schemas.microsoft.com/office/drawing/2014/main" id="{BF3D5990-7E96-CA09-121E-9BDDDA0C3578}"/>
-              </a:ext>
-            </a:extLst>
-          </p:cNvPr>
-          <p:cNvPicPr>
-            <a:picLocks noChangeAspect="1"/>
-          </p:cNvPicPr>
-          <p:nvPr/>
-        </p:nvPicPr>
-        <p:blipFill>
-          <a:blip r:embed="rId5"/>
-          <a:stretch>
-            <a:fillRect/>
-          </a:stretch>
-        </p:blipFill>
-        <p:spPr>
-          <a:xfrm>
-            <a:off x="255952" y="2608754"/>
-            <a:ext cx="7829550" cy="3581400"/>
-          </a:xfrm>
-          <a:prstGeom prst="rect">
-            <a:avLst/>
-          </a:prstGeom>
-        </p:spPr>
-      </p:pic>
-      <mc:AlternateContent xmlns:mc="http://schemas.openxmlformats.org/markup-compatibility/2006" xmlns:a14="http://schemas.microsoft.com/office/drawing/2010/main">
-        <mc:Choice Requires="a14">
-          <p:sp>
-            <p:nvSpPr>
-              <p:cNvPr id="15" name="TextBox 14">
-                <a:extLst>
-                  <a:ext uri="{FF2B5EF4-FFF2-40B4-BE49-F238E27FC236}">
-                    <a16:creationId xmlns:a16="http://schemas.microsoft.com/office/drawing/2014/main" id="{756E69E4-AAE1-8AC5-EA79-1B00D78DD749}"/>
-                  </a:ext>
-                </a:extLst>
-              </p:cNvPr>
-              <p:cNvSpPr txBox="1"/>
-              <p:nvPr/>
-            </p:nvSpPr>
-            <p:spPr>
-              <a:xfrm>
-                <a:off x="255952" y="6313861"/>
-                <a:ext cx="12342447" cy="2262158"/>
-              </a:xfrm>
-              <a:prstGeom prst="rect">
-                <a:avLst/>
-              </a:prstGeom>
-              <a:noFill/>
-            </p:spPr>
-            <p:txBody>
-              <a:bodyPr wrap="square">
-                <a:spAutoFit/>
-              </a:bodyPr>
-              <a:lstStyle/>
-              <a:p>
-                <a:pPr marL="469265" marR="0" lvl="0" indent="-457200" defTabSz="914400" eaLnBrk="1" fontAlgn="auto" latinLnBrk="0" hangingPunct="1">
-                  <a:lnSpc>
-                    <a:spcPct val="100000"/>
-                  </a:lnSpc>
-                  <a:spcBef>
-                    <a:spcPts val="910"/>
-                  </a:spcBef>
-                  <a:spcAft>
-                    <a:spcPts val="0"/>
-                  </a:spcAft>
-                  <a:buClrTx/>
-                  <a:buSzTx/>
-                  <a:buFont typeface="+mj-lt"/>
-                  <a:buAutoNum type="arabicParenR" startAt="2"/>
-                  <a:tabLst>
-                    <a:tab pos="335280" algn="l"/>
-                    <a:tab pos="335915" algn="l"/>
-                  </a:tabLst>
-                  <a:defRPr/>
-                </a:pPr>
-                <a:r>
-                  <a:rPr kumimoji="0" lang="en-US" altLang="ko-KR" sz="2100" b="1" i="0" u="none" strike="noStrike" kern="0" cap="none" spc="0" normalizeH="0" baseline="0" noProof="0">
-                    <a:ln>
-                      <a:noFill/>
-                    </a:ln>
-                    <a:solidFill>
-                      <a:sysClr val="windowText" lastClr="000000"/>
-                    </a:solidFill>
-                    <a:effectLst/>
-                    <a:uLnTx/>
-                    <a:uFillTx/>
-                    <a:latin typeface="Arial"/>
-                    <a:cs typeface="Arial"/>
-                  </a:rPr>
-                  <a:t>Policy Improvement</a:t>
-                </a:r>
-                <a:br>
-                  <a:rPr kumimoji="0" lang="en-US" altLang="ko-KR" sz="2100" b="0" i="0" u="none" strike="noStrike" kern="0" cap="none" spc="0" normalizeH="0" baseline="0" noProof="0">
-                    <a:ln>
-                      <a:noFill/>
-                    </a:ln>
-                    <a:solidFill>
-                      <a:sysClr val="windowText" lastClr="000000"/>
-                    </a:solidFill>
-                    <a:effectLst/>
-                    <a:uLnTx/>
-                    <a:uFillTx/>
-                    <a:latin typeface="Arial"/>
-                    <a:cs typeface="Arial"/>
-                  </a:rPr>
-                </a:br>
-                <a:r>
-                  <a:rPr kumimoji="0" lang="en-US" altLang="ko-KR" sz="2100" b="0" i="0" u="none" strike="noStrike" kern="0" cap="none" spc="0" normalizeH="0" baseline="0" noProof="0">
-                    <a:ln>
-                      <a:noFill/>
-                    </a:ln>
-                    <a:solidFill>
-                      <a:sysClr val="windowText" lastClr="000000"/>
-                    </a:solidFill>
-                    <a:effectLst/>
-                    <a:uLnTx/>
-                    <a:uFillTx/>
-                    <a:latin typeface="Arial"/>
-                    <a:cs typeface="Arial"/>
-                  </a:rPr>
-                  <a:t>-For each state, we choose the action that gives the highest expected return using </a:t>
-                </a:r>
-                <a14:m>
-                  <m:oMath xmlns:m="http://schemas.openxmlformats.org/officeDocument/2006/math">
-                    <m:r>
-                      <a:rPr kumimoji="0" lang="en-US" altLang="ko-KR" sz="2100" b="0" i="1" u="none" strike="noStrike" kern="0" cap="none" spc="0" normalizeH="0" baseline="0" noProof="0" smtClean="0">
-                        <a:ln>
-                          <a:noFill/>
-                        </a:ln>
-                        <a:solidFill>
-                          <a:sysClr val="windowText" lastClr="000000"/>
-                        </a:solidFill>
-                        <a:effectLst/>
-                        <a:uLnTx/>
-                        <a:uFillTx/>
-                        <a:latin typeface="Cambria Math" panose="02040503050406030204" pitchFamily="18" charset="0"/>
-                        <a:cs typeface="Arial"/>
-                      </a:rPr>
-                      <m:t>𝑉</m:t>
-                    </m:r>
-                  </m:oMath>
-                </a14:m>
-                <a:r>
-                  <a:rPr kumimoji="0" lang="en-US" altLang="ko-KR" sz="2100" b="0" i="0" u="none" strike="noStrike" kern="0" cap="none" spc="0" normalizeH="0" baseline="0" noProof="0">
-                    <a:ln>
-                      <a:noFill/>
-                    </a:ln>
-                    <a:solidFill>
-                      <a:sysClr val="windowText" lastClr="000000"/>
-                    </a:solidFill>
-                    <a:effectLst/>
-                    <a:uLnTx/>
-                    <a:uFillTx/>
-                    <a:latin typeface="Arial"/>
-                    <a:cs typeface="Arial"/>
-                  </a:rPr>
-                  <a:t>. If this results in an improved policy, we repeat the process with the new policy.</a:t>
-                </a:r>
-                <a:br>
-                  <a:rPr kumimoji="0" lang="en-US" altLang="ko-KR" sz="2100" b="0" i="0" u="none" strike="noStrike" kern="0" cap="none" spc="0" normalizeH="0" baseline="0" noProof="0">
-                    <a:ln>
-                      <a:noFill/>
-                    </a:ln>
-                    <a:solidFill>
-                      <a:sysClr val="windowText" lastClr="000000"/>
-                    </a:solidFill>
-                    <a:effectLst/>
-                    <a:uLnTx/>
-                    <a:uFillTx/>
-                    <a:latin typeface="Arial"/>
-                    <a:cs typeface="Arial"/>
-                  </a:rPr>
-                </a:br>
-                <a:r>
-                  <a:rPr kumimoji="0" lang="en-US" altLang="ko-KR" sz="2100" b="0" i="0" u="none" strike="noStrike" kern="0" cap="none" spc="0" normalizeH="0" baseline="0" noProof="0">
-                    <a:ln>
-                      <a:noFill/>
-                    </a:ln>
-                    <a:solidFill>
-                      <a:sysClr val="windowText" lastClr="000000"/>
-                    </a:solidFill>
-                    <a:effectLst/>
-                    <a:uLnTx/>
-                    <a:uFillTx/>
-                    <a:latin typeface="Arial"/>
-                    <a:cs typeface="Arial"/>
-                  </a:rPr>
-                  <a:t>-Greedy policy improvement (pick</a:t>
-                </a:r>
-                <a:r>
-                  <a:rPr kumimoji="0" lang="en-US" altLang="ko-KR" sz="2100" b="0" i="0" u="none" strike="noStrike" kern="0" cap="none" spc="0" normalizeH="0" noProof="0">
-                    <a:ln>
-                      <a:noFill/>
-                    </a:ln>
-                    <a:solidFill>
-                      <a:sysClr val="windowText" lastClr="000000"/>
-                    </a:solidFill>
-                    <a:effectLst/>
-                    <a:uLnTx/>
-                    <a:uFillTx/>
-                    <a:latin typeface="Arial"/>
-                    <a:cs typeface="Arial"/>
-                  </a:rPr>
-                  <a:t> next state with max value)</a:t>
-                </a:r>
-                <a:endParaRPr kumimoji="0" lang="en-US" altLang="ko-KR" sz="2100" b="0" i="0" u="none" strike="noStrike" kern="0" cap="none" spc="0" normalizeH="0" baseline="0" noProof="0">
-                  <a:ln>
-                    <a:noFill/>
-                  </a:ln>
-                  <a:solidFill>
-                    <a:sysClr val="windowText" lastClr="000000"/>
-                  </a:solidFill>
-                  <a:effectLst/>
-                  <a:uLnTx/>
-                  <a:uFillTx/>
-                  <a:latin typeface="Arial"/>
-                  <a:cs typeface="Arial"/>
-                </a:endParaRPr>
-              </a:p>
-              <a:p>
-                <a:pPr marL="469265" marR="0" lvl="0" indent="-457200" defTabSz="914400" eaLnBrk="1" fontAlgn="auto" latinLnBrk="0" hangingPunct="1">
-                  <a:lnSpc>
-                    <a:spcPct val="100000"/>
-                  </a:lnSpc>
-                  <a:spcBef>
-                    <a:spcPts val="910"/>
-                  </a:spcBef>
-                  <a:spcAft>
-                    <a:spcPts val="0"/>
-                  </a:spcAft>
-                  <a:buClrTx/>
-                  <a:buSzTx/>
-                  <a:buFontTx/>
-                  <a:buAutoNum type="arabicParenR" startAt="2"/>
-                  <a:tabLst>
-                    <a:tab pos="335280" algn="l"/>
-                    <a:tab pos="335915" algn="l"/>
-                  </a:tabLst>
-                  <a:defRPr/>
-                </a:pPr>
-                <a:endParaRPr kumimoji="0" lang="en-US" altLang="ko-KR" sz="2100" b="0" i="0" u="none" strike="noStrike" kern="0" cap="none" spc="0" normalizeH="0" baseline="0" noProof="0">
-                  <a:ln>
-                    <a:noFill/>
-                  </a:ln>
-                  <a:solidFill>
-                    <a:sysClr val="windowText" lastClr="000000"/>
-                  </a:solidFill>
-                  <a:effectLst/>
-                  <a:uLnTx/>
-                  <a:uFillTx/>
-                  <a:latin typeface="Arial"/>
-                  <a:cs typeface="Arial"/>
-                </a:endParaRPr>
-              </a:p>
-              <a:p>
-                <a:pPr marL="354965" marR="0" lvl="0" indent="-342900" defTabSz="914400" eaLnBrk="1" fontAlgn="auto" latinLnBrk="0" hangingPunct="1">
-                  <a:lnSpc>
-                    <a:spcPct val="100000"/>
-                  </a:lnSpc>
-                  <a:spcBef>
-                    <a:spcPts val="910"/>
-                  </a:spcBef>
-                  <a:spcAft>
-                    <a:spcPts val="0"/>
-                  </a:spcAft>
-                  <a:buClrTx/>
-                  <a:buSzTx/>
-                  <a:buFontTx/>
-                  <a:buChar char="-"/>
-                  <a:tabLst>
-                    <a:tab pos="335280" algn="l"/>
-                    <a:tab pos="335915" algn="l"/>
-                  </a:tabLst>
-                  <a:defRPr/>
-                </a:pPr>
-                <a:endParaRPr kumimoji="0" lang="en-US" altLang="ko-KR" sz="2100" b="0" i="0" u="none" strike="noStrike" kern="0" cap="none" spc="0" normalizeH="0" baseline="0" noProof="0">
-                  <a:ln>
-                    <a:noFill/>
-                  </a:ln>
-                  <a:solidFill>
-                    <a:sysClr val="windowText" lastClr="000000"/>
-                  </a:solidFill>
-                  <a:effectLst/>
-                  <a:uLnTx/>
-                  <a:uFillTx/>
-                  <a:latin typeface="Arial"/>
-                  <a:cs typeface="Arial"/>
-                </a:endParaRPr>
-              </a:p>
-            </p:txBody>
-          </p:sp>
-        </mc:Choice>
-        <mc:Fallback xmlns="">
-          <p:sp>
-            <p:nvSpPr>
-              <p:cNvPr id="15" name="TextBox 14">
-                <a:extLst>
-                  <a:ext uri="{FF2B5EF4-FFF2-40B4-BE49-F238E27FC236}">
-                    <a16:creationId xmlns:a16="http://schemas.microsoft.com/office/drawing/2014/main" id="{756E69E4-AAE1-8AC5-EA79-1B00D78DD749}"/>
-                  </a:ext>
-                </a:extLst>
-              </p:cNvPr>
-              <p:cNvSpPr txBox="1">
-                <a:spLocks noRot="1" noChangeAspect="1" noMove="1" noResize="1" noEditPoints="1" noAdjustHandles="1" noChangeArrowheads="1" noChangeShapeType="1" noTextEdit="1"/>
-              </p:cNvSpPr>
-              <p:nvPr/>
-            </p:nvSpPr>
-            <p:spPr>
-              <a:xfrm>
-                <a:off x="255952" y="6313861"/>
-                <a:ext cx="12342447" cy="2262158"/>
-              </a:xfrm>
-              <a:prstGeom prst="rect">
-                <a:avLst/>
-              </a:prstGeom>
-              <a:blipFill>
-                <a:blip r:embed="rId6"/>
-                <a:stretch>
-                  <a:fillRect l="-395" t="-1887" r="-148"/>
-                </a:stretch>
-              </a:blipFill>
-            </p:spPr>
-            <p:txBody>
-              <a:bodyPr/>
-              <a:lstStyle/>
-              <a:p>
-                <a:r>
-                  <a:rPr lang="ko-KR" altLang="en-US">
-                    <a:noFill/>
-                  </a:rPr>
-                  <a:t> </a:t>
-                </a:r>
-              </a:p>
-            </p:txBody>
-          </p:sp>
-        </mc:Fallback>
-      </mc:AlternateContent>
-      <p:sp>
-        <p:nvSpPr>
-          <p:cNvPr id="17" name="TextBox 16">
-            <a:extLst>
-              <a:ext uri="{FF2B5EF4-FFF2-40B4-BE49-F238E27FC236}">
-                <a16:creationId xmlns:a16="http://schemas.microsoft.com/office/drawing/2014/main" id="{AD1BAEA7-8F04-96E4-A76A-7B7513EE7285}"/>
-              </a:ext>
-            </a:extLst>
-          </p:cNvPr>
-          <p:cNvSpPr txBox="1"/>
-          <p:nvPr/>
-        </p:nvSpPr>
-        <p:spPr>
-          <a:xfrm>
-            <a:off x="2528887" y="9070848"/>
-            <a:ext cx="8156575" cy="400110"/>
-          </a:xfrm>
-          <a:prstGeom prst="rect">
-            <a:avLst/>
-          </a:prstGeom>
-          <a:noFill/>
-        </p:spPr>
-        <p:txBody>
-          <a:bodyPr wrap="square">
-            <a:spAutoFit/>
-          </a:bodyPr>
-          <a:lstStyle/>
-          <a:p>
-            <a:r>
-              <a:rPr lang="en-US" altLang="ko-KR" sz="2000">
-                <a:latin typeface="Arial"/>
-                <a:cs typeface="Arial"/>
-              </a:rPr>
-              <a:t>We repeat the process of Evaluation </a:t>
-            </a:r>
-            <a:r>
-              <a:rPr lang="en-US" altLang="ko-KR" sz="2000">
-                <a:latin typeface="Arial"/>
-                <a:cs typeface="Arial"/>
-                <a:sym typeface="Wingdings" panose="05000000000000000000" pitchFamily="2" charset="2"/>
-              </a:rPr>
-              <a:t> Improvement  Evaluation ….</a:t>
-            </a:r>
-            <a:endParaRPr lang="ko-KR" altLang="en-US" sz="2000"/>
-          </a:p>
-        </p:txBody>
-      </p:sp>
-      <mc:AlternateContent xmlns:mc="http://schemas.openxmlformats.org/markup-compatibility/2006" xmlns:a14="http://schemas.microsoft.com/office/drawing/2010/main">
-        <mc:Choice Requires="a14">
-          <p:sp>
-            <p:nvSpPr>
-              <p:cNvPr id="19" name="TextBox 18">
-                <a:extLst>
-                  <a:ext uri="{FF2B5EF4-FFF2-40B4-BE49-F238E27FC236}">
-                    <a16:creationId xmlns:a16="http://schemas.microsoft.com/office/drawing/2014/main" id="{7F682645-335B-B32A-8069-3C1E55A9DA03}"/>
-                  </a:ext>
-                </a:extLst>
-              </p:cNvPr>
-              <p:cNvSpPr txBox="1"/>
-              <p:nvPr/>
-            </p:nvSpPr>
-            <p:spPr>
-              <a:xfrm>
-                <a:off x="7077930" y="3661755"/>
-                <a:ext cx="5952270" cy="896592"/>
-              </a:xfrm>
-              <a:prstGeom prst="rect">
-                <a:avLst/>
-              </a:prstGeom>
-              <a:noFill/>
-            </p:spPr>
-            <p:txBody>
-              <a:bodyPr wrap="none" lIns="0" tIns="0" rIns="0" bIns="0" rtlCol="0">
-                <a:spAutoFit/>
-              </a:bodyPr>
-              <a:lstStyle/>
-              <a:p>
-                <a:pPr/>
-                <a14:m>
-                  <m:oMathPara xmlns:m="http://schemas.openxmlformats.org/officeDocument/2006/math">
-                    <m:oMathParaPr>
-                      <m:jc m:val="centerGroup"/>
-                    </m:oMathParaPr>
-                    <m:oMath xmlns:m="http://schemas.openxmlformats.org/officeDocument/2006/math">
-                      <m:sSub>
-                        <m:sSubPr>
-                          <m:ctrlPr>
-                            <a:rPr lang="en-US" altLang="ko-KR" sz="2400" b="0" i="1" smtClean="0">
-                              <a:latin typeface="Cambria Math" panose="02040503050406030204" pitchFamily="18" charset="0"/>
-                            </a:rPr>
-                          </m:ctrlPr>
-                        </m:sSubPr>
-                        <m:e>
-                          <m:r>
-                            <a:rPr lang="en-US" altLang="ko-KR" sz="2400" b="0" i="1" smtClean="0">
-                              <a:latin typeface="Cambria Math" panose="02040503050406030204" pitchFamily="18" charset="0"/>
-                            </a:rPr>
-                            <m:t>𝑉</m:t>
-                          </m:r>
-                        </m:e>
-                        <m:sub>
-                          <m:r>
-                            <a:rPr lang="en-US" altLang="ko-KR" sz="2400" b="0" i="1" smtClean="0">
-                              <a:latin typeface="Cambria Math" panose="02040503050406030204" pitchFamily="18" charset="0"/>
-                            </a:rPr>
-                            <m:t>𝑘</m:t>
-                          </m:r>
-                          <m:r>
-                            <a:rPr lang="en-US" altLang="ko-KR" sz="2400" b="0" i="1" smtClean="0">
-                              <a:latin typeface="Cambria Math" panose="02040503050406030204" pitchFamily="18" charset="0"/>
-                            </a:rPr>
-                            <m:t>+1</m:t>
-                          </m:r>
-                        </m:sub>
-                      </m:sSub>
-                      <m:d>
-                        <m:dPr>
-                          <m:ctrlPr>
-                            <a:rPr lang="en-US" altLang="ko-KR" sz="2400" b="0" i="1" smtClean="0">
-                              <a:latin typeface="Cambria Math" panose="02040503050406030204" pitchFamily="18" charset="0"/>
-                            </a:rPr>
-                          </m:ctrlPr>
-                        </m:dPr>
-                        <m:e>
-                          <m:r>
-                            <a:rPr lang="en-US" altLang="ko-KR" sz="2400" b="0" i="1" smtClean="0">
-                              <a:latin typeface="Cambria Math" panose="02040503050406030204" pitchFamily="18" charset="0"/>
-                            </a:rPr>
-                            <m:t>𝑠</m:t>
-                          </m:r>
-                        </m:e>
-                      </m:d>
-                      <m:r>
-                        <a:rPr lang="en-US" altLang="ko-KR" sz="2400" b="0" i="1" smtClean="0">
-                          <a:latin typeface="Cambria Math" panose="02040503050406030204" pitchFamily="18" charset="0"/>
-                        </a:rPr>
-                        <m:t>=</m:t>
-                      </m:r>
-                      <m:nary>
-                        <m:naryPr>
-                          <m:chr m:val="∑"/>
-                          <m:supHide m:val="on"/>
-                          <m:ctrlPr>
-                            <a:rPr lang="en-US" altLang="ko-KR" sz="2400" b="0" i="1" smtClean="0">
-                              <a:latin typeface="Cambria Math" panose="02040503050406030204" pitchFamily="18" charset="0"/>
-                            </a:rPr>
-                          </m:ctrlPr>
-                        </m:naryPr>
-                        <m:sub>
-                          <m:r>
-                            <m:rPr>
-                              <m:brk m:alnAt="7"/>
-                            </m:rPr>
-                            <a:rPr lang="en-US" altLang="ko-KR" sz="2400" b="0" i="1" smtClean="0">
-                              <a:latin typeface="Cambria Math" panose="02040503050406030204" pitchFamily="18" charset="0"/>
-                            </a:rPr>
-                            <m:t>𝑎</m:t>
-                          </m:r>
-                          <m:r>
-                            <a:rPr lang="en-US" altLang="ko-KR" sz="2400" b="0" i="1" smtClean="0">
-                              <a:latin typeface="Cambria Math" panose="02040503050406030204" pitchFamily="18" charset="0"/>
-                            </a:rPr>
-                            <m:t>∈</m:t>
-                          </m:r>
-                          <m:r>
-                            <a:rPr lang="en-US" altLang="ko-KR" sz="2400" b="0" i="1" smtClean="0">
-                              <a:latin typeface="Cambria Math" panose="02040503050406030204" pitchFamily="18" charset="0"/>
-                            </a:rPr>
-                            <m:t>𝐴</m:t>
-                          </m:r>
-                        </m:sub>
-                        <m:sup/>
-                        <m:e>
-                          <m:r>
-                            <a:rPr lang="en-US" altLang="ko-KR" sz="2400" b="0" i="1" smtClean="0">
-                              <a:latin typeface="Cambria Math" panose="02040503050406030204" pitchFamily="18" charset="0"/>
-                            </a:rPr>
-                            <m:t>𝜋</m:t>
-                          </m:r>
-                          <m:r>
-                            <a:rPr lang="en-US" altLang="ko-KR" sz="2400" b="0" i="1" smtClean="0">
-                              <a:latin typeface="Cambria Math" panose="02040503050406030204" pitchFamily="18" charset="0"/>
-                            </a:rPr>
-                            <m:t>(</m:t>
-                          </m:r>
-                          <m:r>
-                            <a:rPr lang="en-US" altLang="ko-KR" sz="2400" b="0" i="1" smtClean="0">
-                              <a:latin typeface="Cambria Math" panose="02040503050406030204" pitchFamily="18" charset="0"/>
-                            </a:rPr>
-                            <m:t>𝑎</m:t>
-                          </m:r>
-                          <m:r>
-                            <a:rPr lang="en-US" altLang="ko-KR" sz="2400" b="0" i="1" smtClean="0">
-                              <a:latin typeface="Cambria Math" panose="02040503050406030204" pitchFamily="18" charset="0"/>
-                            </a:rPr>
-                            <m:t>|</m:t>
-                          </m:r>
-                          <m:r>
-                            <a:rPr lang="en-US" altLang="ko-KR" sz="2400" b="0" i="1" smtClean="0">
-                              <a:latin typeface="Cambria Math" panose="02040503050406030204" pitchFamily="18" charset="0"/>
-                            </a:rPr>
-                            <m:t>𝑠</m:t>
-                          </m:r>
-                          <m:r>
-                            <a:rPr lang="en-US" altLang="ko-KR" sz="2400" b="0" i="1" smtClean="0">
-                              <a:latin typeface="Cambria Math" panose="02040503050406030204" pitchFamily="18" charset="0"/>
-                            </a:rPr>
-                            <m:t>)(</m:t>
-                          </m:r>
-                          <m:sSubSup>
-                            <m:sSubSupPr>
-                              <m:ctrlPr>
-                                <a:rPr lang="en-US" altLang="ko-KR" sz="2400" b="0" i="1" smtClean="0">
-                                  <a:latin typeface="Cambria Math" panose="02040503050406030204" pitchFamily="18" charset="0"/>
-                                </a:rPr>
-                              </m:ctrlPr>
-                            </m:sSubSupPr>
-                            <m:e>
-                              <m:r>
-                                <a:rPr lang="en-US" altLang="ko-KR" sz="2400" b="0" i="1" smtClean="0">
-                                  <a:latin typeface="Cambria Math" panose="02040503050406030204" pitchFamily="18" charset="0"/>
-                                </a:rPr>
-                                <m:t>𝑅</m:t>
-                              </m:r>
-                            </m:e>
-                            <m:sub>
-                              <m:r>
-                                <a:rPr lang="en-US" altLang="ko-KR" sz="2400" b="0" i="1" smtClean="0">
-                                  <a:latin typeface="Cambria Math" panose="02040503050406030204" pitchFamily="18" charset="0"/>
-                                </a:rPr>
-                                <m:t>𝑠</m:t>
-                              </m:r>
-                            </m:sub>
-                            <m:sup>
-                              <m:r>
-                                <a:rPr lang="en-US" altLang="ko-KR" sz="2400" b="0" i="1" smtClean="0">
-                                  <a:latin typeface="Cambria Math" panose="02040503050406030204" pitchFamily="18" charset="0"/>
-                                </a:rPr>
-                                <m:t>𝑎</m:t>
-                              </m:r>
-                            </m:sup>
-                          </m:sSubSup>
-                          <m:r>
-                            <a:rPr lang="en-US" altLang="ko-KR" sz="2400" b="0" i="1" smtClean="0">
-                              <a:latin typeface="Cambria Math" panose="02040503050406030204" pitchFamily="18" charset="0"/>
-                            </a:rPr>
-                            <m:t>+</m:t>
-                          </m:r>
-                          <m:r>
-                            <a:rPr lang="en-US" altLang="ko-KR" sz="2400" b="0" i="1" smtClean="0">
-                              <a:latin typeface="Cambria Math" panose="02040503050406030204" pitchFamily="18" charset="0"/>
-                            </a:rPr>
-                            <m:t>𝛾</m:t>
-                          </m:r>
-                          <m:nary>
-                            <m:naryPr>
-                              <m:chr m:val="∑"/>
-                              <m:supHide m:val="on"/>
-                              <m:ctrlPr>
-                                <a:rPr lang="en-US" altLang="ko-KR" sz="2400" b="0" i="1" smtClean="0">
-                                  <a:latin typeface="Cambria Math" panose="02040503050406030204" pitchFamily="18" charset="0"/>
-                                </a:rPr>
-                              </m:ctrlPr>
-                            </m:naryPr>
-                            <m:sub>
-                              <m:r>
-                                <m:rPr>
-                                  <m:brk m:alnAt="7"/>
-                                </m:rPr>
-                                <a:rPr lang="en-US" altLang="ko-KR" sz="2400" b="0" i="1" smtClean="0">
-                                  <a:latin typeface="Cambria Math" panose="02040503050406030204" pitchFamily="18" charset="0"/>
-                                </a:rPr>
-                                <m:t>𝑠</m:t>
-                              </m:r>
-                              <m:r>
-                                <a:rPr lang="en-US" altLang="ko-KR" sz="2400" b="0" i="1" smtClean="0">
-                                  <a:latin typeface="Cambria Math" panose="02040503050406030204" pitchFamily="18" charset="0"/>
-                                </a:rPr>
-                                <m:t>∈</m:t>
-                              </m:r>
-                              <m:r>
-                                <a:rPr lang="en-US" altLang="ko-KR" sz="2400" b="0" i="1" smtClean="0">
-                                  <a:latin typeface="Cambria Math" panose="02040503050406030204" pitchFamily="18" charset="0"/>
-                                </a:rPr>
-                                <m:t>𝑆</m:t>
-                              </m:r>
-                            </m:sub>
-                            <m:sup/>
-                            <m:e>
-                              <m:r>
-                                <a:rPr lang="en-US" altLang="ko-KR" sz="2400" b="0" i="1" smtClean="0">
-                                  <a:latin typeface="Cambria Math" panose="02040503050406030204" pitchFamily="18" charset="0"/>
-                                </a:rPr>
-                                <m:t>𝑃</m:t>
-                              </m:r>
-                              <m:sSubSup>
-                                <m:sSubSupPr>
-                                  <m:ctrlPr>
-                                    <a:rPr lang="en-US" altLang="ko-KR" sz="2400" b="0" i="1" smtClean="0">
-                                      <a:latin typeface="Cambria Math" panose="02040503050406030204" pitchFamily="18" charset="0"/>
-                                    </a:rPr>
-                                  </m:ctrlPr>
-                                </m:sSubSupPr>
-                                <m:e>
-                                  <m:r>
-                                    <a:rPr lang="en-US" altLang="ko-KR" sz="2400" b="0" i="1" smtClean="0">
-                                      <a:latin typeface="Cambria Math" panose="02040503050406030204" pitchFamily="18" charset="0"/>
-                                    </a:rPr>
-                                    <m:t>𝑟</m:t>
-                                  </m:r>
-                                </m:e>
-                                <m:sub>
-                                  <m:r>
-                                    <a:rPr lang="en-US" altLang="ko-KR" sz="2400" b="0" i="1" smtClean="0">
-                                      <a:latin typeface="Cambria Math" panose="02040503050406030204" pitchFamily="18" charset="0"/>
-                                    </a:rPr>
-                                    <m:t>𝑠</m:t>
-                                  </m:r>
-                                  <m:sSup>
-                                    <m:sSupPr>
-                                      <m:ctrlPr>
-                                        <a:rPr lang="en-US" altLang="ko-KR" sz="2400" b="0" i="1" smtClean="0">
-                                          <a:latin typeface="Cambria Math" panose="02040503050406030204" pitchFamily="18" charset="0"/>
-                                        </a:rPr>
-                                      </m:ctrlPr>
-                                    </m:sSupPr>
-                                    <m:e>
-                                      <m:r>
-                                        <a:rPr lang="en-US" altLang="ko-KR" sz="2400" b="0" i="1" smtClean="0">
-                                          <a:latin typeface="Cambria Math" panose="02040503050406030204" pitchFamily="18" charset="0"/>
-                                        </a:rPr>
-                                        <m:t>𝑠</m:t>
-                                      </m:r>
-                                    </m:e>
-                                    <m:sup>
-                                      <m:r>
-                                        <a:rPr lang="en-US" altLang="ko-KR" sz="2400" b="0" i="1" smtClean="0">
-                                          <a:latin typeface="Cambria Math" panose="02040503050406030204" pitchFamily="18" charset="0"/>
-                                        </a:rPr>
-                                        <m:t>′</m:t>
-                                      </m:r>
-                                    </m:sup>
-                                  </m:sSup>
-                                </m:sub>
-                                <m:sup>
-                                  <m:r>
-                                    <a:rPr lang="en-US" altLang="ko-KR" sz="2400" b="0" i="1" smtClean="0">
-                                      <a:latin typeface="Cambria Math" panose="02040503050406030204" pitchFamily="18" charset="0"/>
-                                    </a:rPr>
-                                    <m:t>𝑎</m:t>
-                                  </m:r>
-                                </m:sup>
-                              </m:sSubSup>
-                              <m:sSub>
-                                <m:sSubPr>
-                                  <m:ctrlPr>
-                                    <a:rPr lang="en-US" altLang="ko-KR" sz="2400" b="0" i="1" smtClean="0">
-                                      <a:latin typeface="Cambria Math" panose="02040503050406030204" pitchFamily="18" charset="0"/>
-                                    </a:rPr>
-                                  </m:ctrlPr>
-                                </m:sSubPr>
-                                <m:e>
-                                  <m:r>
-                                    <a:rPr lang="en-US" altLang="ko-KR" sz="2400" b="0" i="1" smtClean="0">
-                                      <a:latin typeface="Cambria Math" panose="02040503050406030204" pitchFamily="18" charset="0"/>
-                                    </a:rPr>
-                                    <m:t>𝑉</m:t>
-                                  </m:r>
-                                </m:e>
-                                <m:sub>
-                                  <m:r>
-                                    <a:rPr lang="en-US" altLang="ko-KR" sz="2400" b="0" i="1" smtClean="0">
-                                      <a:latin typeface="Cambria Math" panose="02040503050406030204" pitchFamily="18" charset="0"/>
-                                    </a:rPr>
-                                    <m:t>𝜋</m:t>
-                                  </m:r>
-                                </m:sub>
-                              </m:sSub>
-                              <m:r>
-                                <a:rPr lang="en-US" altLang="ko-KR" sz="2400" b="0" i="1" smtClean="0">
-                                  <a:latin typeface="Cambria Math" panose="02040503050406030204" pitchFamily="18" charset="0"/>
-                                </a:rPr>
-                                <m:t>(</m:t>
-                              </m:r>
-                              <m:sSup>
-                                <m:sSupPr>
-                                  <m:ctrlPr>
-                                    <a:rPr lang="en-US" altLang="ko-KR" sz="2400" b="0" i="1" smtClean="0">
-                                      <a:latin typeface="Cambria Math" panose="02040503050406030204" pitchFamily="18" charset="0"/>
-                                    </a:rPr>
-                                  </m:ctrlPr>
-                                </m:sSupPr>
-                                <m:e>
-                                  <m:r>
-                                    <a:rPr lang="en-US" altLang="ko-KR" sz="2400" b="0" i="1" smtClean="0">
-                                      <a:latin typeface="Cambria Math" panose="02040503050406030204" pitchFamily="18" charset="0"/>
-                                    </a:rPr>
-                                    <m:t>𝑠</m:t>
-                                  </m:r>
-                                </m:e>
-                                <m:sup>
-                                  <m:r>
-                                    <a:rPr lang="en-US" altLang="ko-KR" sz="2400" b="0" i="1" smtClean="0">
-                                      <a:latin typeface="Cambria Math" panose="02040503050406030204" pitchFamily="18" charset="0"/>
-                                    </a:rPr>
-                                    <m:t>′</m:t>
-                                  </m:r>
-                                </m:sup>
-                              </m:sSup>
-                              <m:r>
-                                <a:rPr lang="en-US" altLang="ko-KR" sz="2400" b="0" i="1" smtClean="0">
-                                  <a:latin typeface="Cambria Math" panose="02040503050406030204" pitchFamily="18" charset="0"/>
-                                </a:rPr>
-                                <m:t>)</m:t>
-                              </m:r>
-                            </m:e>
-                          </m:nary>
-                          <m:r>
-                            <a:rPr lang="en-US" altLang="ko-KR" sz="2400" b="0" i="1" smtClean="0">
-                              <a:latin typeface="Cambria Math" panose="02040503050406030204" pitchFamily="18" charset="0"/>
-                            </a:rPr>
-                            <m:t>)</m:t>
-                          </m:r>
-                        </m:e>
-                      </m:nary>
-                    </m:oMath>
-                  </m:oMathPara>
-                </a14:m>
-                <a:endParaRPr lang="ko-KR" altLang="en-US" sz="2400"/>
-              </a:p>
-            </p:txBody>
-          </p:sp>
-        </mc:Choice>
-        <mc:Fallback xmlns="">
-          <p:sp>
-            <p:nvSpPr>
-              <p:cNvPr id="19" name="TextBox 18">
-                <a:extLst>
-                  <a:ext uri="{FF2B5EF4-FFF2-40B4-BE49-F238E27FC236}">
-                    <a16:creationId xmlns:a16="http://schemas.microsoft.com/office/drawing/2014/main" id="{7F682645-335B-B32A-8069-3C1E55A9DA03}"/>
-                  </a:ext>
-                </a:extLst>
-              </p:cNvPr>
-              <p:cNvSpPr txBox="1">
-                <a:spLocks noRot="1" noChangeAspect="1" noMove="1" noResize="1" noEditPoints="1" noAdjustHandles="1" noChangeArrowheads="1" noChangeShapeType="1" noTextEdit="1"/>
-              </p:cNvSpPr>
-              <p:nvPr/>
-            </p:nvSpPr>
-            <p:spPr>
-              <a:xfrm>
-                <a:off x="7077930" y="3661755"/>
-                <a:ext cx="5952270" cy="896592"/>
-              </a:xfrm>
-              <a:prstGeom prst="rect">
-                <a:avLst/>
-              </a:prstGeom>
-              <a:blipFill>
-                <a:blip r:embed="rId7"/>
-                <a:stretch>
-                  <a:fillRect/>
-                </a:stretch>
-              </a:blipFill>
-            </p:spPr>
-            <p:txBody>
-              <a:bodyPr/>
-              <a:lstStyle/>
-              <a:p>
-                <a:r>
-                  <a:rPr lang="ko-KR" altLang="en-US">
-                    <a:noFill/>
-                  </a:rPr>
-                  <a:t> </a:t>
-                </a:r>
-              </a:p>
-            </p:txBody>
-          </p:sp>
-        </mc:Fallback>
-      </mc:AlternateContent>
-    </p:spTree>
-    <p:extLst>
-      <p:ext uri="{BB962C8B-B14F-4D97-AF65-F5344CB8AC3E}">
-        <p14:creationId xmlns:p14="http://schemas.microsoft.com/office/powerpoint/2010/main" val="2404218619"/>
-      </p:ext>
-    </p:extLst>
-  </p:cSld>
-  <p:clrMapOvr>
-    <a:masterClrMapping/>
-  </p:clrMapOvr>
-</p:sld>
-</file>
-
-<file path=ppt/slides/slide11.xml><?xml version="1.0" encoding="utf-8"?>
-<p:sld xmlns:a="http://schemas.openxmlformats.org/drawingml/2006/main" xmlns:r="http://schemas.openxmlformats.org/officeDocument/2006/relationships" xmlns:p="http://schemas.openxmlformats.org/presentationml/2006/main">
-  <p:cSld>
-    <p:spTree>
-      <p:nvGrpSpPr>
-        <p:cNvPr id="1" name=""/>
-        <p:cNvGrpSpPr/>
-        <p:nvPr/>
-      </p:nvGrpSpPr>
-      <p:grpSpPr>
-        <a:xfrm>
-          <a:off x="0" y="0"/>
-          <a:ext cx="0" cy="0"/>
-          <a:chOff x="0" y="0"/>
-          <a:chExt cx="0" cy="0"/>
-        </a:xfrm>
-      </p:grpSpPr>
-      <p:sp>
-        <p:nvSpPr>
-          <p:cNvPr id="2" name="object 2"/>
-          <p:cNvSpPr txBox="1"/>
-          <p:nvPr/>
-        </p:nvSpPr>
-        <p:spPr>
-          <a:xfrm>
-            <a:off x="143560" y="381000"/>
-            <a:ext cx="12454840" cy="382156"/>
-          </a:xfrm>
-          <a:prstGeom prst="rect">
-            <a:avLst/>
-          </a:prstGeom>
-        </p:spPr>
-        <p:txBody>
-          <a:bodyPr vert="horz" wrap="square" lIns="0" tIns="12700" rIns="0" bIns="0" rtlCol="0">
-            <a:spAutoFit/>
-          </a:bodyPr>
-          <a:lstStyle/>
-          <a:p>
-            <a:pPr marL="12700">
-              <a:lnSpc>
-                <a:spcPct val="100000"/>
-              </a:lnSpc>
-              <a:spcBef>
-                <a:spcPts val="100"/>
-              </a:spcBef>
-            </a:pPr>
-            <a:r>
-              <a:rPr lang="en-US" altLang="ko-KR" sz="2400" b="1" spc="95">
-                <a:latin typeface="Calibri"/>
-                <a:cs typeface="Calibri"/>
-              </a:rPr>
-              <a:t>Key Concepts in Reinforcement Learning</a:t>
-            </a:r>
-            <a:endParaRPr lang="en-US" altLang="ko-KR" sz="2400">
-              <a:latin typeface="Calibri"/>
-              <a:cs typeface="Calibri"/>
-            </a:endParaRPr>
-          </a:p>
-        </p:txBody>
-      </p:sp>
-      <p:sp>
-        <p:nvSpPr>
-          <p:cNvPr id="8" name="슬라이드 번호 개체 틀 7">
-            <a:extLst>
-              <a:ext uri="{FF2B5EF4-FFF2-40B4-BE49-F238E27FC236}">
-                <a16:creationId xmlns:a16="http://schemas.microsoft.com/office/drawing/2014/main" id="{ED6717D9-A3EE-6F93-BC15-282AAA9A66A6}"/>
-              </a:ext>
-            </a:extLst>
-          </p:cNvPr>
-          <p:cNvSpPr>
-            <a:spLocks noGrp="1"/>
-          </p:cNvSpPr>
-          <p:nvPr>
-            <p:ph type="sldNum" sz="quarter" idx="7"/>
-          </p:nvPr>
-        </p:nvSpPr>
-        <p:spPr/>
-        <p:txBody>
-          <a:bodyPr/>
-          <a:lstStyle/>
-          <a:p>
-            <a:fld id="{B6F15528-21DE-4FAA-801E-634DDDAF4B2B}" type="slidenum">
-              <a:rPr lang="en-US" altLang="ko-KR" smtClean="0"/>
-              <a:t>11</a:t>
-            </a:fld>
-            <a:endParaRPr lang="ko-KR" altLang="en-US"/>
-          </a:p>
-        </p:txBody>
-      </p:sp>
       <p:sp>
         <p:nvSpPr>
           <p:cNvPr id="13" name="TextBox 12">
@@ -5123,7 +3835,7 @@
 </p:sld>
 </file>
 
-<file path=ppt/slides/slide12.xml><?xml version="1.0" encoding="utf-8"?>
+<file path=ppt/slides/slide11.xml><?xml version="1.0" encoding="utf-8"?>
 <p:sld xmlns:a="http://schemas.openxmlformats.org/drawingml/2006/main" xmlns:r="http://schemas.openxmlformats.org/officeDocument/2006/relationships" xmlns:p="http://schemas.openxmlformats.org/presentationml/2006/main">
   <p:cSld>
     <p:spTree>
@@ -5211,7 +3923,7 @@
           <a:p>
             <a:fld id="{B6F15528-21DE-4FAA-801E-634DDDAF4B2B}" type="slidenum">
               <a:rPr lang="en-US" altLang="ko-KR" smtClean="0"/>
-              <a:t>12</a:t>
+              <a:t>11</a:t>
             </a:fld>
             <a:endParaRPr lang="ko-KR" altLang="en-US"/>
           </a:p>
@@ -5518,7 +4230,7 @@
 </p:sld>
 </file>
 
-<file path=ppt/slides/slide13.xml><?xml version="1.0" encoding="utf-8"?>
+<file path=ppt/slides/slide12.xml><?xml version="1.0" encoding="utf-8"?>
 <p:sld xmlns:a="http://schemas.openxmlformats.org/drawingml/2006/main" xmlns:r="http://schemas.openxmlformats.org/officeDocument/2006/relationships" xmlns:p="http://schemas.openxmlformats.org/presentationml/2006/main">
   <p:cSld>
     <p:spTree>
@@ -5606,7 +4318,7 @@
           <a:p>
             <a:fld id="{B6F15528-21DE-4FAA-801E-634DDDAF4B2B}" type="slidenum">
               <a:rPr lang="en-US" altLang="ko-KR" smtClean="0"/>
-              <a:t>13</a:t>
+              <a:t>12</a:t>
             </a:fld>
             <a:endParaRPr lang="ko-KR" altLang="en-US"/>
           </a:p>
@@ -5800,7 +4512,7 @@
 </p:sld>
 </file>
 
-<file path=ppt/slides/slide14.xml><?xml version="1.0" encoding="utf-8"?>
+<file path=ppt/slides/slide13.xml><?xml version="1.0" encoding="utf-8"?>
 <p:sld xmlns:a="http://schemas.openxmlformats.org/drawingml/2006/main" xmlns:r="http://schemas.openxmlformats.org/officeDocument/2006/relationships" xmlns:p="http://schemas.openxmlformats.org/presentationml/2006/main">
   <p:cSld>
     <p:spTree>
@@ -5883,7 +4595,7 @@
           <a:p>
             <a:fld id="{B6F15528-21DE-4FAA-801E-634DDDAF4B2B}" type="slidenum">
               <a:rPr lang="en-US" altLang="ko-KR" smtClean="0"/>
-              <a:t>14</a:t>
+              <a:t>13</a:t>
             </a:fld>
             <a:endParaRPr lang="ko-KR" altLang="en-US"/>
           </a:p>
@@ -7330,7 +6042,7 @@
 </p:sld>
 </file>
 
-<file path=ppt/slides/slide15.xml><?xml version="1.0" encoding="utf-8"?>
+<file path=ppt/slides/slide14.xml><?xml version="1.0" encoding="utf-8"?>
 <p:sld xmlns:a="http://schemas.openxmlformats.org/drawingml/2006/main" xmlns:r="http://schemas.openxmlformats.org/officeDocument/2006/relationships" xmlns:p="http://schemas.openxmlformats.org/presentationml/2006/main">
   <p:cSld>
     <p:spTree>
@@ -7413,7 +6125,7 @@
           <a:p>
             <a:fld id="{B6F15528-21DE-4FAA-801E-634DDDAF4B2B}" type="slidenum">
               <a:rPr lang="en-US" altLang="ko-KR" smtClean="0"/>
-              <a:t>15</a:t>
+              <a:t>14</a:t>
             </a:fld>
             <a:endParaRPr lang="ko-KR" altLang="en-US"/>
           </a:p>
@@ -7605,6 +6317,465 @@
 </p:sld>
 </file>
 
+<file path=ppt/slides/slide15.xml><?xml version="1.0" encoding="utf-8"?>
+<p:sld xmlns:a="http://schemas.openxmlformats.org/drawingml/2006/main" xmlns:r="http://schemas.openxmlformats.org/officeDocument/2006/relationships" xmlns:p="http://schemas.openxmlformats.org/presentationml/2006/main">
+  <p:cSld>
+    <p:spTree>
+      <p:nvGrpSpPr>
+        <p:cNvPr id="1" name=""/>
+        <p:cNvGrpSpPr/>
+        <p:nvPr/>
+      </p:nvGrpSpPr>
+      <p:grpSpPr>
+        <a:xfrm>
+          <a:off x="0" y="0"/>
+          <a:ext cx="0" cy="0"/>
+          <a:chOff x="0" y="0"/>
+          <a:chExt cx="0" cy="0"/>
+        </a:xfrm>
+      </p:grpSpPr>
+      <p:sp>
+        <p:nvSpPr>
+          <p:cNvPr id="2" name="object 2"/>
+          <p:cNvSpPr txBox="1"/>
+          <p:nvPr/>
+        </p:nvSpPr>
+        <p:spPr>
+          <a:xfrm>
+            <a:off x="143560" y="381000"/>
+            <a:ext cx="12454840" cy="382156"/>
+          </a:xfrm>
+          <a:prstGeom prst="rect">
+            <a:avLst/>
+          </a:prstGeom>
+        </p:spPr>
+        <p:txBody>
+          <a:bodyPr vert="horz" wrap="square" lIns="0" tIns="12700" rIns="0" bIns="0" rtlCol="0">
+            <a:spAutoFit/>
+          </a:bodyPr>
+          <a:lstStyle/>
+          <a:p>
+            <a:pPr marL="12700">
+              <a:lnSpc>
+                <a:spcPct val="100000"/>
+              </a:lnSpc>
+              <a:spcBef>
+                <a:spcPts val="100"/>
+              </a:spcBef>
+            </a:pPr>
+            <a:r>
+              <a:rPr lang="en-US" altLang="ko-KR" sz="2400" b="1" spc="95">
+                <a:latin typeface="Calibri"/>
+                <a:cs typeface="Calibri"/>
+              </a:rPr>
+              <a:t>Types of Reinforcement Learning</a:t>
+            </a:r>
+            <a:endParaRPr lang="en-US" altLang="ko-KR" sz="2400">
+              <a:latin typeface="Calibri"/>
+              <a:cs typeface="Calibri"/>
+            </a:endParaRPr>
+          </a:p>
+        </p:txBody>
+      </p:sp>
+      <p:sp>
+        <p:nvSpPr>
+          <p:cNvPr id="4" name="object 4"/>
+          <p:cNvSpPr txBox="1"/>
+          <p:nvPr/>
+        </p:nvSpPr>
+        <p:spPr>
+          <a:xfrm>
+            <a:off x="255953" y="988014"/>
+            <a:ext cx="12098607" cy="452688"/>
+          </a:xfrm>
+          <a:prstGeom prst="rect">
+            <a:avLst/>
+          </a:prstGeom>
+        </p:spPr>
+        <p:txBody>
+          <a:bodyPr vert="horz" wrap="square" lIns="0" tIns="128270" rIns="0" bIns="0" rtlCol="0">
+            <a:spAutoFit/>
+          </a:bodyPr>
+          <a:lstStyle/>
+          <a:p>
+            <a:pPr marL="12065" marR="0" lvl="0" indent="0" defTabSz="914400" eaLnBrk="1" fontAlgn="auto" latinLnBrk="0" hangingPunct="1">
+              <a:lnSpc>
+                <a:spcPct val="100000"/>
+              </a:lnSpc>
+              <a:spcBef>
+                <a:spcPts val="910"/>
+              </a:spcBef>
+              <a:spcAft>
+                <a:spcPts val="0"/>
+              </a:spcAft>
+              <a:buClrTx/>
+              <a:buSzTx/>
+              <a:buFontTx/>
+              <a:buNone/>
+              <a:tabLst>
+                <a:tab pos="335280" algn="l"/>
+                <a:tab pos="335915" algn="l"/>
+              </a:tabLst>
+              <a:defRPr/>
+            </a:pPr>
+            <a:r>
+              <a:rPr lang="en-US" altLang="ko-KR" sz="2100" b="1">
+                <a:latin typeface="Arial"/>
+                <a:cs typeface="Arial"/>
+              </a:rPr>
+              <a:t>Taxonomy of RL algorithms</a:t>
+            </a:r>
+          </a:p>
+        </p:txBody>
+      </p:sp>
+      <p:sp>
+        <p:nvSpPr>
+          <p:cNvPr id="8" name="슬라이드 번호 개체 틀 7">
+            <a:extLst>
+              <a:ext uri="{FF2B5EF4-FFF2-40B4-BE49-F238E27FC236}">
+                <a16:creationId xmlns:a16="http://schemas.microsoft.com/office/drawing/2014/main" id="{ED6717D9-A3EE-6F93-BC15-282AAA9A66A6}"/>
+              </a:ext>
+            </a:extLst>
+          </p:cNvPr>
+          <p:cNvSpPr>
+            <a:spLocks noGrp="1"/>
+          </p:cNvSpPr>
+          <p:nvPr>
+            <p:ph type="sldNum" sz="quarter" idx="7"/>
+          </p:nvPr>
+        </p:nvSpPr>
+        <p:spPr/>
+        <p:txBody>
+          <a:bodyPr/>
+          <a:lstStyle/>
+          <a:p>
+            <a:fld id="{B6F15528-21DE-4FAA-801E-634DDDAF4B2B}" type="slidenum">
+              <a:rPr lang="en-US" altLang="ko-KR" smtClean="0"/>
+              <a:t>15</a:t>
+            </a:fld>
+            <a:endParaRPr lang="ko-KR" altLang="en-US"/>
+          </a:p>
+        </p:txBody>
+      </p:sp>
+      <p:pic>
+        <p:nvPicPr>
+          <p:cNvPr id="5" name="그림 4">
+            <a:extLst>
+              <a:ext uri="{FF2B5EF4-FFF2-40B4-BE49-F238E27FC236}">
+                <a16:creationId xmlns:a16="http://schemas.microsoft.com/office/drawing/2014/main" id="{55C61BBA-6EB4-6B12-6FDD-3259B00BCF6D}"/>
+              </a:ext>
+            </a:extLst>
+          </p:cNvPr>
+          <p:cNvPicPr>
+            <a:picLocks noChangeAspect="1"/>
+          </p:cNvPicPr>
+          <p:nvPr/>
+        </p:nvPicPr>
+        <p:blipFill>
+          <a:blip r:embed="rId3"/>
+          <a:stretch>
+            <a:fillRect/>
+          </a:stretch>
+        </p:blipFill>
+        <p:spPr>
+          <a:xfrm>
+            <a:off x="1780381" y="1755591"/>
+            <a:ext cx="9444038" cy="5051150"/>
+          </a:xfrm>
+          <a:prstGeom prst="rect">
+            <a:avLst/>
+          </a:prstGeom>
+        </p:spPr>
+      </p:pic>
+      <mc:AlternateContent xmlns:mc="http://schemas.openxmlformats.org/markup-compatibility/2006">
+        <mc:Choice xmlns:a14="http://schemas.microsoft.com/office/drawing/2010/main" Requires="a14">
+          <p:sp>
+            <p:nvSpPr>
+              <p:cNvPr id="6" name="TextBox 5">
+                <a:extLst>
+                  <a:ext uri="{FF2B5EF4-FFF2-40B4-BE49-F238E27FC236}">
+                    <a16:creationId xmlns:a16="http://schemas.microsoft.com/office/drawing/2014/main" id="{B2D8509C-4ED3-4DFD-0D63-DE6339C56F99}"/>
+                  </a:ext>
+                </a:extLst>
+              </p:cNvPr>
+              <p:cNvSpPr txBox="1"/>
+              <p:nvPr/>
+            </p:nvSpPr>
+            <p:spPr>
+              <a:xfrm>
+                <a:off x="255953" y="6934200"/>
+                <a:ext cx="11811000" cy="1965410"/>
+              </a:xfrm>
+              <a:prstGeom prst="rect">
+                <a:avLst/>
+              </a:prstGeom>
+              <a:noFill/>
+            </p:spPr>
+            <p:txBody>
+              <a:bodyPr wrap="square">
+                <a:spAutoFit/>
+              </a:bodyPr>
+              <a:lstStyle/>
+              <a:p>
+                <a:pPr marL="12065">
+                  <a:spcBef>
+                    <a:spcPts val="910"/>
+                  </a:spcBef>
+                  <a:tabLst>
+                    <a:tab pos="335280" algn="l"/>
+                    <a:tab pos="335915" algn="l"/>
+                  </a:tabLst>
+                  <a:defRPr/>
+                </a:pPr>
+                <a:r>
+                  <a:rPr lang="en-US" altLang="ko-KR" sz="2100" b="1">
+                    <a:latin typeface="Arial"/>
+                    <a:cs typeface="Arial"/>
+                  </a:rPr>
+                  <a:t>Model-free vs Model-based</a:t>
+                </a:r>
+              </a:p>
+              <a:p>
+                <a:pPr marL="354965" indent="-342900">
+                  <a:spcBef>
+                    <a:spcPts val="910"/>
+                  </a:spcBef>
+                  <a:buFontTx/>
+                  <a:buChar char="-"/>
+                  <a:tabLst>
+                    <a:tab pos="335280" algn="l"/>
+                    <a:tab pos="335915" algn="l"/>
+                  </a:tabLst>
+                  <a:defRPr/>
+                </a:pPr>
+                <a:r>
+                  <a:rPr lang="en-US" altLang="ko-KR" sz="2100">
+                    <a:latin typeface="Arial"/>
+                    <a:cs typeface="Arial"/>
+                  </a:rPr>
+                  <a:t>Do the agent have access to (or learns) a model of the environment? Can we know the function which predicts state transitions (</a:t>
+                </a:r>
+                <a14:m>
+                  <m:oMath xmlns:m="http://schemas.openxmlformats.org/officeDocument/2006/math">
+                    <m:sSubSup>
+                      <m:sSubSupPr>
+                        <m:ctrlPr>
+                          <a:rPr lang="en-US" altLang="ko-KR" sz="2100" b="0" i="1" smtClean="0">
+                            <a:latin typeface="Cambria Math" panose="02040503050406030204" pitchFamily="18" charset="0"/>
+                            <a:cs typeface="Arial"/>
+                          </a:rPr>
+                        </m:ctrlPr>
+                      </m:sSubSupPr>
+                      <m:e>
+                        <m:r>
+                          <a:rPr lang="en-US" altLang="ko-KR" sz="2100" b="0" i="1" smtClean="0">
+                            <a:latin typeface="Cambria Math" panose="02040503050406030204" pitchFamily="18" charset="0"/>
+                            <a:cs typeface="Arial"/>
+                          </a:rPr>
+                          <m:t>𝑃</m:t>
+                        </m:r>
+                      </m:e>
+                      <m:sub>
+                        <m:r>
+                          <a:rPr lang="en-US" altLang="ko-KR" sz="2100" b="0" i="1" smtClean="0">
+                            <a:latin typeface="Cambria Math" panose="02040503050406030204" pitchFamily="18" charset="0"/>
+                            <a:cs typeface="Arial"/>
+                          </a:rPr>
+                          <m:t>𝑠</m:t>
+                        </m:r>
+                        <m:sSup>
+                          <m:sSupPr>
+                            <m:ctrlPr>
+                              <a:rPr lang="en-US" altLang="ko-KR" sz="2100" b="0" i="1" smtClean="0">
+                                <a:latin typeface="Cambria Math" panose="02040503050406030204" pitchFamily="18" charset="0"/>
+                                <a:cs typeface="Arial"/>
+                              </a:rPr>
+                            </m:ctrlPr>
+                          </m:sSupPr>
+                          <m:e>
+                            <m:r>
+                              <a:rPr lang="en-US" altLang="ko-KR" sz="2100" b="0" i="1" smtClean="0">
+                                <a:latin typeface="Cambria Math" panose="02040503050406030204" pitchFamily="18" charset="0"/>
+                                <a:cs typeface="Arial"/>
+                              </a:rPr>
+                              <m:t>𝑠</m:t>
+                            </m:r>
+                          </m:e>
+                          <m:sup>
+                            <m:r>
+                              <a:rPr lang="en-US" altLang="ko-KR" sz="2100" b="0" i="1" smtClean="0">
+                                <a:latin typeface="Cambria Math" panose="02040503050406030204" pitchFamily="18" charset="0"/>
+                                <a:cs typeface="Arial"/>
+                              </a:rPr>
+                              <m:t>′</m:t>
+                            </m:r>
+                          </m:sup>
+                        </m:sSup>
+                      </m:sub>
+                      <m:sup>
+                        <m:r>
+                          <a:rPr lang="en-US" altLang="ko-KR" sz="2100" b="0" i="1" smtClean="0">
+                            <a:latin typeface="Cambria Math" panose="02040503050406030204" pitchFamily="18" charset="0"/>
+                            <a:cs typeface="Arial"/>
+                          </a:rPr>
+                          <m:t>𝑎</m:t>
+                        </m:r>
+                      </m:sup>
+                    </m:sSubSup>
+                  </m:oMath>
+                </a14:m>
+                <a:r>
+                  <a:rPr lang="en-US" altLang="ko-KR" sz="2100">
+                    <a:latin typeface="Arial"/>
+                    <a:cs typeface="Arial"/>
+                  </a:rPr>
+                  <a:t>) and rewards </a:t>
+                </a:r>
+                <a14:m>
+                  <m:oMath xmlns:m="http://schemas.openxmlformats.org/officeDocument/2006/math">
+                    <m:r>
+                      <a:rPr lang="en-US" altLang="ko-KR" sz="2100" b="0" i="1" smtClean="0">
+                        <a:latin typeface="Cambria Math" panose="02040503050406030204" pitchFamily="18" charset="0"/>
+                        <a:cs typeface="Arial"/>
+                      </a:rPr>
+                      <m:t>(</m:t>
+                    </m:r>
+                    <m:sSubSup>
+                      <m:sSubSupPr>
+                        <m:ctrlPr>
+                          <a:rPr lang="en-US" altLang="ko-KR" sz="2100" b="0" i="1" smtClean="0">
+                            <a:latin typeface="Cambria Math" panose="02040503050406030204" pitchFamily="18" charset="0"/>
+                            <a:cs typeface="Arial"/>
+                          </a:rPr>
+                        </m:ctrlPr>
+                      </m:sSubSupPr>
+                      <m:e>
+                        <m:r>
+                          <a:rPr lang="en-US" altLang="ko-KR" sz="2100" b="0" i="1" smtClean="0">
+                            <a:latin typeface="Cambria Math" panose="02040503050406030204" pitchFamily="18" charset="0"/>
+                            <a:cs typeface="Arial"/>
+                          </a:rPr>
+                          <m:t>𝑅</m:t>
+                        </m:r>
+                      </m:e>
+                      <m:sub>
+                        <m:r>
+                          <a:rPr lang="en-US" altLang="ko-KR" sz="2100" b="0" i="1" smtClean="0">
+                            <a:latin typeface="Cambria Math" panose="02040503050406030204" pitchFamily="18" charset="0"/>
+                            <a:cs typeface="Arial"/>
+                          </a:rPr>
+                          <m:t>𝑠</m:t>
+                        </m:r>
+                      </m:sub>
+                      <m:sup>
+                        <m:r>
+                          <a:rPr lang="en-US" altLang="ko-KR" sz="2100" b="0" i="1" smtClean="0">
+                            <a:latin typeface="Cambria Math" panose="02040503050406030204" pitchFamily="18" charset="0"/>
+                            <a:cs typeface="Arial"/>
+                          </a:rPr>
+                          <m:t>𝑎</m:t>
+                        </m:r>
+                      </m:sup>
+                    </m:sSubSup>
+                    <m:r>
+                      <a:rPr lang="en-US" altLang="ko-KR" sz="2100" b="0" i="1" smtClean="0">
+                        <a:latin typeface="Cambria Math" panose="02040503050406030204" pitchFamily="18" charset="0"/>
+                        <a:cs typeface="Arial"/>
+                      </a:rPr>
+                      <m:t>)</m:t>
+                    </m:r>
+                  </m:oMath>
+                </a14:m>
+                <a:r>
+                  <a:rPr lang="en-US" altLang="ko-KR" sz="2100">
+                    <a:latin typeface="Arial"/>
+                    <a:cs typeface="Arial"/>
+                  </a:rPr>
+                  <a:t>?</a:t>
+                </a:r>
+              </a:p>
+              <a:p>
+                <a:pPr marL="354965" indent="-342900">
+                  <a:spcBef>
+                    <a:spcPts val="910"/>
+                  </a:spcBef>
+                  <a:buFontTx/>
+                  <a:buChar char="-"/>
+                  <a:tabLst>
+                    <a:tab pos="335280" algn="l"/>
+                    <a:tab pos="335915" algn="l"/>
+                  </a:tabLst>
+                  <a:defRPr/>
+                </a:pPr>
+                <a:r>
+                  <a:rPr lang="en-US" altLang="ko-KR" sz="2100">
+                    <a:latin typeface="Arial"/>
+                    <a:cs typeface="Arial"/>
+                  </a:rPr>
+                  <a:t>While model-free methods forego the potential gains in sample efficiency from using a model, they tend to be easier to implement and tune.</a:t>
+                </a:r>
+              </a:p>
+            </p:txBody>
+          </p:sp>
+        </mc:Choice>
+        <mc:Fallback>
+          <p:sp>
+            <p:nvSpPr>
+              <p:cNvPr id="6" name="TextBox 5">
+                <a:extLst>
+                  <a:ext uri="{FF2B5EF4-FFF2-40B4-BE49-F238E27FC236}">
+                    <a16:creationId xmlns:a16="http://schemas.microsoft.com/office/drawing/2014/main" id="{B2D8509C-4ED3-4DFD-0D63-DE6339C56F99}"/>
+                  </a:ext>
+                </a:extLst>
+              </p:cNvPr>
+              <p:cNvSpPr txBox="1">
+                <a:spLocks noRot="1" noChangeAspect="1" noMove="1" noResize="1" noEditPoints="1" noAdjustHandles="1" noChangeArrowheads="1" noChangeShapeType="1" noTextEdit="1"/>
+              </p:cNvSpPr>
+              <p:nvPr/>
+            </p:nvSpPr>
+            <p:spPr>
+              <a:xfrm>
+                <a:off x="255953" y="6934200"/>
+                <a:ext cx="11811000" cy="1965410"/>
+              </a:xfrm>
+              <a:prstGeom prst="rect">
+                <a:avLst/>
+              </a:prstGeom>
+              <a:blipFill>
+                <a:blip r:embed="rId4"/>
+                <a:stretch>
+                  <a:fillRect l="-516" t="-2174" r="-929" b="-4969"/>
+                </a:stretch>
+              </a:blipFill>
+            </p:spPr>
+            <p:txBody>
+              <a:bodyPr/>
+              <a:lstStyle/>
+              <a:p>
+                <a:r>
+                  <a:rPr lang="ko-KR" altLang="en-US">
+                    <a:noFill/>
+                  </a:rPr>
+                  <a:t> </a:t>
+                </a:r>
+              </a:p>
+            </p:txBody>
+          </p:sp>
+        </mc:Fallback>
+      </mc:AlternateContent>
+    </p:spTree>
+    <p:extLst>
+      <p:ext uri="{BB962C8B-B14F-4D97-AF65-F5344CB8AC3E}">
+        <p14:creationId xmlns:p14="http://schemas.microsoft.com/office/powerpoint/2010/main" val="3500927743"/>
+      </p:ext>
+    </p:extLst>
+  </p:cSld>
+  <p:clrMapOvr>
+    <a:masterClrMapping/>
+  </p:clrMapOvr>
+</p:sld>
+</file>
+
 <file path=ppt/slides/slide16.xml><?xml version="1.0" encoding="utf-8"?>
 <p:sld xmlns:a="http://schemas.openxmlformats.org/drawingml/2006/main" xmlns:r="http://schemas.openxmlformats.org/officeDocument/2006/relationships" xmlns:p="http://schemas.openxmlformats.org/presentationml/2006/main">
   <p:cSld>
@@ -7740,279 +6911,6 @@
             <a:fld id="{B6F15528-21DE-4FAA-801E-634DDDAF4B2B}" type="slidenum">
               <a:rPr lang="en-US" altLang="ko-KR" smtClean="0"/>
               <a:t>16</a:t>
-            </a:fld>
-            <a:endParaRPr lang="ko-KR" altLang="en-US"/>
-          </a:p>
-        </p:txBody>
-      </p:sp>
-      <p:pic>
-        <p:nvPicPr>
-          <p:cNvPr id="5" name="그림 4">
-            <a:extLst>
-              <a:ext uri="{FF2B5EF4-FFF2-40B4-BE49-F238E27FC236}">
-                <a16:creationId xmlns:a16="http://schemas.microsoft.com/office/drawing/2014/main" id="{55C61BBA-6EB4-6B12-6FDD-3259B00BCF6D}"/>
-              </a:ext>
-            </a:extLst>
-          </p:cNvPr>
-          <p:cNvPicPr>
-            <a:picLocks noChangeAspect="1"/>
-          </p:cNvPicPr>
-          <p:nvPr/>
-        </p:nvPicPr>
-        <p:blipFill>
-          <a:blip r:embed="rId3"/>
-          <a:stretch>
-            <a:fillRect/>
-          </a:stretch>
-        </p:blipFill>
-        <p:spPr>
-          <a:xfrm>
-            <a:off x="1780381" y="1755591"/>
-            <a:ext cx="9444038" cy="5051150"/>
-          </a:xfrm>
-          <a:prstGeom prst="rect">
-            <a:avLst/>
-          </a:prstGeom>
-        </p:spPr>
-      </p:pic>
-      <p:sp>
-        <p:nvSpPr>
-          <p:cNvPr id="6" name="TextBox 5">
-            <a:extLst>
-              <a:ext uri="{FF2B5EF4-FFF2-40B4-BE49-F238E27FC236}">
-                <a16:creationId xmlns:a16="http://schemas.microsoft.com/office/drawing/2014/main" id="{B2D8509C-4ED3-4DFD-0D63-DE6339C56F99}"/>
-              </a:ext>
-            </a:extLst>
-          </p:cNvPr>
-          <p:cNvSpPr txBox="1"/>
-          <p:nvPr/>
-        </p:nvSpPr>
-        <p:spPr>
-          <a:xfrm>
-            <a:off x="255953" y="6934200"/>
-            <a:ext cx="11811000" cy="1938992"/>
-          </a:xfrm>
-          <a:prstGeom prst="rect">
-            <a:avLst/>
-          </a:prstGeom>
-          <a:noFill/>
-        </p:spPr>
-        <p:txBody>
-          <a:bodyPr wrap="square">
-            <a:spAutoFit/>
-          </a:bodyPr>
-          <a:lstStyle/>
-          <a:p>
-            <a:pPr marL="12065">
-              <a:spcBef>
-                <a:spcPts val="910"/>
-              </a:spcBef>
-              <a:tabLst>
-                <a:tab pos="335280" algn="l"/>
-                <a:tab pos="335915" algn="l"/>
-              </a:tabLst>
-              <a:defRPr/>
-            </a:pPr>
-            <a:r>
-              <a:rPr lang="en-US" altLang="ko-KR" sz="2100" b="1">
-                <a:latin typeface="Arial"/>
-                <a:cs typeface="Arial"/>
-              </a:rPr>
-              <a:t>Model-free vs Model-based</a:t>
-            </a:r>
-          </a:p>
-          <a:p>
-            <a:pPr marL="354965" indent="-342900">
-              <a:spcBef>
-                <a:spcPts val="910"/>
-              </a:spcBef>
-              <a:buFontTx/>
-              <a:buChar char="-"/>
-              <a:tabLst>
-                <a:tab pos="335280" algn="l"/>
-                <a:tab pos="335915" algn="l"/>
-              </a:tabLst>
-              <a:defRPr/>
-            </a:pPr>
-            <a:r>
-              <a:rPr lang="en-US" altLang="ko-KR" sz="2100">
-                <a:latin typeface="Arial"/>
-                <a:cs typeface="Arial"/>
-              </a:rPr>
-              <a:t>Do the agent have access to (or learns) a model of the environment? Can we know the function which predicts state transitions and rewards?</a:t>
-            </a:r>
-          </a:p>
-          <a:p>
-            <a:pPr marL="354965" indent="-342900">
-              <a:spcBef>
-                <a:spcPts val="910"/>
-              </a:spcBef>
-              <a:buFontTx/>
-              <a:buChar char="-"/>
-              <a:tabLst>
-                <a:tab pos="335280" algn="l"/>
-                <a:tab pos="335915" algn="l"/>
-              </a:tabLst>
-              <a:defRPr/>
-            </a:pPr>
-            <a:r>
-              <a:rPr lang="en-US" altLang="ko-KR" sz="2100">
-                <a:latin typeface="Arial"/>
-                <a:cs typeface="Arial"/>
-              </a:rPr>
-              <a:t>While model-free methods forego the potential gains in sample efficiency from using a model, they tend to be easier to implement and tune.</a:t>
-            </a:r>
-          </a:p>
-        </p:txBody>
-      </p:sp>
-    </p:spTree>
-    <p:extLst>
-      <p:ext uri="{BB962C8B-B14F-4D97-AF65-F5344CB8AC3E}">
-        <p14:creationId xmlns:p14="http://schemas.microsoft.com/office/powerpoint/2010/main" val="3500927743"/>
-      </p:ext>
-    </p:extLst>
-  </p:cSld>
-  <p:clrMapOvr>
-    <a:masterClrMapping/>
-  </p:clrMapOvr>
-</p:sld>
-</file>
-
-<file path=ppt/slides/slide17.xml><?xml version="1.0" encoding="utf-8"?>
-<p:sld xmlns:a="http://schemas.openxmlformats.org/drawingml/2006/main" xmlns:r="http://schemas.openxmlformats.org/officeDocument/2006/relationships" xmlns:p="http://schemas.openxmlformats.org/presentationml/2006/main">
-  <p:cSld>
-    <p:spTree>
-      <p:nvGrpSpPr>
-        <p:cNvPr id="1" name=""/>
-        <p:cNvGrpSpPr/>
-        <p:nvPr/>
-      </p:nvGrpSpPr>
-      <p:grpSpPr>
-        <a:xfrm>
-          <a:off x="0" y="0"/>
-          <a:ext cx="0" cy="0"/>
-          <a:chOff x="0" y="0"/>
-          <a:chExt cx="0" cy="0"/>
-        </a:xfrm>
-      </p:grpSpPr>
-      <p:sp>
-        <p:nvSpPr>
-          <p:cNvPr id="2" name="object 2"/>
-          <p:cNvSpPr txBox="1"/>
-          <p:nvPr/>
-        </p:nvSpPr>
-        <p:spPr>
-          <a:xfrm>
-            <a:off x="143560" y="381000"/>
-            <a:ext cx="12454840" cy="382156"/>
-          </a:xfrm>
-          <a:prstGeom prst="rect">
-            <a:avLst/>
-          </a:prstGeom>
-        </p:spPr>
-        <p:txBody>
-          <a:bodyPr vert="horz" wrap="square" lIns="0" tIns="12700" rIns="0" bIns="0" rtlCol="0">
-            <a:spAutoFit/>
-          </a:bodyPr>
-          <a:lstStyle/>
-          <a:p>
-            <a:pPr marL="12700">
-              <a:lnSpc>
-                <a:spcPct val="100000"/>
-              </a:lnSpc>
-              <a:spcBef>
-                <a:spcPts val="100"/>
-              </a:spcBef>
-            </a:pPr>
-            <a:r>
-              <a:rPr lang="en-US" altLang="ko-KR" sz="2400" b="1" spc="95">
-                <a:latin typeface="Calibri"/>
-                <a:cs typeface="Calibri"/>
-              </a:rPr>
-              <a:t>Types of Reinforcement Learning</a:t>
-            </a:r>
-            <a:endParaRPr lang="en-US" altLang="ko-KR" sz="2400">
-              <a:latin typeface="Calibri"/>
-              <a:cs typeface="Calibri"/>
-            </a:endParaRPr>
-          </a:p>
-        </p:txBody>
-      </p:sp>
-      <p:sp>
-        <p:nvSpPr>
-          <p:cNvPr id="4" name="object 4"/>
-          <p:cNvSpPr txBox="1"/>
-          <p:nvPr/>
-        </p:nvSpPr>
-        <p:spPr>
-          <a:xfrm>
-            <a:off x="255953" y="988014"/>
-            <a:ext cx="12098607" cy="452688"/>
-          </a:xfrm>
-          <a:prstGeom prst="rect">
-            <a:avLst/>
-          </a:prstGeom>
-        </p:spPr>
-        <p:txBody>
-          <a:bodyPr vert="horz" wrap="square" lIns="0" tIns="128270" rIns="0" bIns="0" rtlCol="0">
-            <a:spAutoFit/>
-          </a:bodyPr>
-          <a:lstStyle/>
-          <a:p>
-            <a:pPr marL="12065" marR="0" lvl="0" indent="0" defTabSz="914400" eaLnBrk="1" fontAlgn="auto" latinLnBrk="0" hangingPunct="1">
-              <a:lnSpc>
-                <a:spcPct val="100000"/>
-              </a:lnSpc>
-              <a:spcBef>
-                <a:spcPts val="910"/>
-              </a:spcBef>
-              <a:spcAft>
-                <a:spcPts val="0"/>
-              </a:spcAft>
-              <a:buClrTx/>
-              <a:buSzTx/>
-              <a:buFontTx/>
-              <a:buNone/>
-              <a:tabLst>
-                <a:tab pos="335280" algn="l"/>
-                <a:tab pos="335915" algn="l"/>
-              </a:tabLst>
-              <a:defRPr/>
-            </a:pPr>
-            <a:r>
-              <a:rPr lang="en-US" altLang="ko-KR" sz="2100" b="1">
-                <a:latin typeface="Arial"/>
-                <a:cs typeface="Arial"/>
-              </a:rPr>
-              <a:t>Taxonomy of RL algorithms</a:t>
-            </a:r>
-          </a:p>
-        </p:txBody>
-      </p:sp>
-      <p:sp>
-        <p:nvSpPr>
-          <p:cNvPr id="8" name="슬라이드 번호 개체 틀 7">
-            <a:extLst>
-              <a:ext uri="{FF2B5EF4-FFF2-40B4-BE49-F238E27FC236}">
-                <a16:creationId xmlns:a16="http://schemas.microsoft.com/office/drawing/2014/main" id="{ED6717D9-A3EE-6F93-BC15-282AAA9A66A6}"/>
-              </a:ext>
-            </a:extLst>
-          </p:cNvPr>
-          <p:cNvSpPr>
-            <a:spLocks noGrp="1"/>
-          </p:cNvSpPr>
-          <p:nvPr>
-            <p:ph type="sldNum" sz="quarter" idx="7"/>
-          </p:nvPr>
-        </p:nvSpPr>
-        <p:spPr/>
-        <p:txBody>
-          <a:bodyPr/>
-          <a:lstStyle/>
-          <a:p>
-            <a:fld id="{B6F15528-21DE-4FAA-801E-634DDDAF4B2B}" type="slidenum">
-              <a:rPr lang="en-US" altLang="ko-KR" smtClean="0"/>
-              <a:t>17</a:t>
             </a:fld>
             <a:endParaRPr lang="ko-KR" altLang="en-US"/>
           </a:p>
@@ -9084,7 +7982,7 @@
 </p:sld>
 </file>
 
-<file path=ppt/slides/slide18.xml><?xml version="1.0" encoding="utf-8"?>
+<file path=ppt/slides/slide17.xml><?xml version="1.0" encoding="utf-8"?>
 <p:sld xmlns:a="http://schemas.openxmlformats.org/drawingml/2006/main" xmlns:r="http://schemas.openxmlformats.org/officeDocument/2006/relationships" xmlns:p="http://schemas.openxmlformats.org/presentationml/2006/main">
   <p:cSld>
     <p:spTree>
@@ -9708,7 +8606,7 @@
           <a:p>
             <a:fld id="{B6F15528-21DE-4FAA-801E-634DDDAF4B2B}" type="slidenum">
               <a:rPr lang="en-US" altLang="ko-KR" smtClean="0"/>
-              <a:t>18</a:t>
+              <a:t>17</a:t>
             </a:fld>
             <a:endParaRPr lang="ko-KR" altLang="en-US"/>
           </a:p>
@@ -9727,7 +8625,7 @@
 </p:sld>
 </file>
 
-<file path=ppt/slides/slide19.xml><?xml version="1.0" encoding="utf-8"?>
+<file path=ppt/slides/slide18.xml><?xml version="1.0" encoding="utf-8"?>
 <p:sld xmlns:a="http://schemas.openxmlformats.org/drawingml/2006/main" xmlns:r="http://schemas.openxmlformats.org/officeDocument/2006/relationships" xmlns:p="http://schemas.openxmlformats.org/presentationml/2006/main">
   <p:cSld>
     <p:spTree>
@@ -10042,7 +8940,7 @@
           <a:p>
             <a:fld id="{B6F15528-21DE-4FAA-801E-634DDDAF4B2B}" type="slidenum">
               <a:rPr lang="en-US" altLang="ko-KR" smtClean="0"/>
-              <a:t>19</a:t>
+              <a:t>18</a:t>
             </a:fld>
             <a:endParaRPr lang="ko-KR" altLang="en-US"/>
           </a:p>
@@ -11449,6 +10347,36 @@
           <a:chExt cx="0" cy="0"/>
         </a:xfrm>
       </p:grpSpPr>
+      <p:pic>
+        <p:nvPicPr>
+          <p:cNvPr id="9" name="그림 8">
+            <a:extLst>
+              <a:ext uri="{FF2B5EF4-FFF2-40B4-BE49-F238E27FC236}">
+                <a16:creationId xmlns:a16="http://schemas.microsoft.com/office/drawing/2014/main" id="{EA829B5A-1AEE-5C17-5F40-DB1B58688CF3}"/>
+              </a:ext>
+            </a:extLst>
+          </p:cNvPr>
+          <p:cNvPicPr>
+            <a:picLocks noChangeAspect="1"/>
+          </p:cNvPicPr>
+          <p:nvPr/>
+        </p:nvPicPr>
+        <p:blipFill>
+          <a:blip r:embed="rId3"/>
+          <a:stretch>
+            <a:fillRect/>
+          </a:stretch>
+        </p:blipFill>
+        <p:spPr>
+          <a:xfrm>
+            <a:off x="1016000" y="2578169"/>
+            <a:ext cx="5627380" cy="4513403"/>
+          </a:xfrm>
+          <a:prstGeom prst="rect">
+            <a:avLst/>
+          </a:prstGeom>
+        </p:spPr>
+      </p:pic>
       <p:sp>
         <p:nvSpPr>
           <p:cNvPr id="2" name="object 2"/>
@@ -11640,36 +10568,6 @@
           </a:p>
         </p:txBody>
       </p:sp>
-      <p:pic>
-        <p:nvPicPr>
-          <p:cNvPr id="3" name="그림 2">
-            <a:extLst>
-              <a:ext uri="{FF2B5EF4-FFF2-40B4-BE49-F238E27FC236}">
-                <a16:creationId xmlns:a16="http://schemas.microsoft.com/office/drawing/2014/main" id="{6CA02770-BAA7-3758-E4A7-D5652DD3B0EC}"/>
-              </a:ext>
-            </a:extLst>
-          </p:cNvPr>
-          <p:cNvPicPr>
-            <a:picLocks noChangeAspect="1"/>
-          </p:cNvPicPr>
-          <p:nvPr/>
-        </p:nvPicPr>
-        <p:blipFill>
-          <a:blip r:embed="rId3"/>
-          <a:stretch>
-            <a:fillRect/>
-          </a:stretch>
-        </p:blipFill>
-        <p:spPr>
-          <a:xfrm>
-            <a:off x="1016000" y="2827505"/>
-            <a:ext cx="6038659" cy="4074742"/>
-          </a:xfrm>
-          <a:prstGeom prst="rect">
-            <a:avLst/>
-          </a:prstGeom>
-        </p:spPr>
-      </p:pic>
       <p:sp>
         <p:nvSpPr>
           <p:cNvPr id="6" name="TextBox 5">
@@ -11684,7 +10582,7 @@
         </p:nvSpPr>
         <p:spPr>
           <a:xfrm>
-            <a:off x="4490108" y="6388876"/>
+            <a:off x="10056846" y="6743903"/>
             <a:ext cx="2974975" cy="307777"/>
           </a:xfrm>
           <a:prstGeom prst="rect">
@@ -12933,257 +11831,6 @@
 </file>
 
 <file path=ppt/slides/slide5.xml><?xml version="1.0" encoding="utf-8"?>
-<p:sld xmlns:a="http://schemas.openxmlformats.org/drawingml/2006/main" xmlns:r="http://schemas.openxmlformats.org/officeDocument/2006/relationships" xmlns:p="http://schemas.openxmlformats.org/presentationml/2006/main">
-  <p:cSld>
-    <p:spTree>
-      <p:nvGrpSpPr>
-        <p:cNvPr id="1" name=""/>
-        <p:cNvGrpSpPr/>
-        <p:nvPr/>
-      </p:nvGrpSpPr>
-      <p:grpSpPr>
-        <a:xfrm>
-          <a:off x="0" y="0"/>
-          <a:ext cx="0" cy="0"/>
-          <a:chOff x="0" y="0"/>
-          <a:chExt cx="0" cy="0"/>
-        </a:xfrm>
-      </p:grpSpPr>
-      <p:sp>
-        <p:nvSpPr>
-          <p:cNvPr id="2" name="object 2"/>
-          <p:cNvSpPr txBox="1"/>
-          <p:nvPr/>
-        </p:nvSpPr>
-        <p:spPr>
-          <a:xfrm>
-            <a:off x="143560" y="381000"/>
-            <a:ext cx="12454840" cy="382156"/>
-          </a:xfrm>
-          <a:prstGeom prst="rect">
-            <a:avLst/>
-          </a:prstGeom>
-        </p:spPr>
-        <p:txBody>
-          <a:bodyPr vert="horz" wrap="square" lIns="0" tIns="12700" rIns="0" bIns="0" rtlCol="0">
-            <a:spAutoFit/>
-          </a:bodyPr>
-          <a:lstStyle/>
-          <a:p>
-            <a:pPr marL="12700">
-              <a:lnSpc>
-                <a:spcPct val="100000"/>
-              </a:lnSpc>
-              <a:spcBef>
-                <a:spcPts val="100"/>
-              </a:spcBef>
-            </a:pPr>
-            <a:r>
-              <a:rPr lang="en-US" altLang="ko-KR" sz="2400" b="1" spc="95">
-                <a:latin typeface="Calibri"/>
-                <a:cs typeface="Calibri"/>
-              </a:rPr>
-              <a:t>Key Concepts in Reinforcement Learning</a:t>
-            </a:r>
-            <a:endParaRPr lang="en-US" altLang="ko-KR" sz="2400">
-              <a:latin typeface="Calibri"/>
-              <a:cs typeface="Calibri"/>
-            </a:endParaRPr>
-          </a:p>
-        </p:txBody>
-      </p:sp>
-      <p:sp>
-        <p:nvSpPr>
-          <p:cNvPr id="4" name="object 4"/>
-          <p:cNvSpPr txBox="1"/>
-          <p:nvPr/>
-        </p:nvSpPr>
-        <p:spPr>
-          <a:xfrm>
-            <a:off x="254502" y="963907"/>
-            <a:ext cx="12098607" cy="498855"/>
-          </a:xfrm>
-          <a:prstGeom prst="rect">
-            <a:avLst/>
-          </a:prstGeom>
-        </p:spPr>
-        <p:txBody>
-          <a:bodyPr vert="horz" wrap="square" lIns="0" tIns="128270" rIns="0" bIns="0" rtlCol="0">
-            <a:spAutoFit/>
-          </a:bodyPr>
-          <a:lstStyle/>
-          <a:p>
-            <a:pPr marL="12065" marR="0" lvl="0" indent="0" defTabSz="914400" eaLnBrk="1" fontAlgn="auto" latinLnBrk="0" hangingPunct="1">
-              <a:lnSpc>
-                <a:spcPct val="100000"/>
-              </a:lnSpc>
-              <a:spcBef>
-                <a:spcPts val="910"/>
-              </a:spcBef>
-              <a:spcAft>
-                <a:spcPts val="0"/>
-              </a:spcAft>
-              <a:buClrTx/>
-              <a:buSzTx/>
-              <a:buFontTx/>
-              <a:buNone/>
-              <a:tabLst>
-                <a:tab pos="335280" algn="l"/>
-                <a:tab pos="335915" algn="l"/>
-              </a:tabLst>
-              <a:defRPr/>
-            </a:pPr>
-            <a:r>
-              <a:rPr lang="en-US" altLang="ko-KR" sz="2400" b="1">
-                <a:latin typeface="Arial"/>
-                <a:cs typeface="Arial"/>
-              </a:rPr>
-              <a:t>Markov Decision Process</a:t>
-            </a:r>
-            <a:endParaRPr lang="en-US" altLang="ko-KR" sz="2100">
-              <a:latin typeface="Arial"/>
-              <a:cs typeface="Arial"/>
-            </a:endParaRPr>
-          </a:p>
-        </p:txBody>
-      </p:sp>
-      <p:sp>
-        <p:nvSpPr>
-          <p:cNvPr id="8" name="슬라이드 번호 개체 틀 7">
-            <a:extLst>
-              <a:ext uri="{FF2B5EF4-FFF2-40B4-BE49-F238E27FC236}">
-                <a16:creationId xmlns:a16="http://schemas.microsoft.com/office/drawing/2014/main" id="{ED6717D9-A3EE-6F93-BC15-282AAA9A66A6}"/>
-              </a:ext>
-            </a:extLst>
-          </p:cNvPr>
-          <p:cNvSpPr>
-            <a:spLocks noGrp="1"/>
-          </p:cNvSpPr>
-          <p:nvPr>
-            <p:ph type="sldNum" sz="quarter" idx="7"/>
-          </p:nvPr>
-        </p:nvSpPr>
-        <p:spPr/>
-        <p:txBody>
-          <a:bodyPr/>
-          <a:lstStyle/>
-          <a:p>
-            <a:fld id="{B6F15528-21DE-4FAA-801E-634DDDAF4B2B}" type="slidenum">
-              <a:rPr lang="en-US" altLang="ko-KR" smtClean="0"/>
-              <a:t>5</a:t>
-            </a:fld>
-            <a:endParaRPr lang="ko-KR" altLang="en-US"/>
-          </a:p>
-        </p:txBody>
-      </p:sp>
-      <p:sp>
-        <p:nvSpPr>
-          <p:cNvPr id="5" name="TextBox 4">
-            <a:extLst>
-              <a:ext uri="{FF2B5EF4-FFF2-40B4-BE49-F238E27FC236}">
-                <a16:creationId xmlns:a16="http://schemas.microsoft.com/office/drawing/2014/main" id="{C412542D-5097-6EC1-1AD4-96E8D726CC48}"/>
-              </a:ext>
-            </a:extLst>
-          </p:cNvPr>
-          <p:cNvSpPr txBox="1"/>
-          <p:nvPr/>
-        </p:nvSpPr>
-        <p:spPr>
-          <a:xfrm>
-            <a:off x="143560" y="1600200"/>
-            <a:ext cx="12302440" cy="1061829"/>
-          </a:xfrm>
-          <a:prstGeom prst="rect">
-            <a:avLst/>
-          </a:prstGeom>
-          <a:noFill/>
-        </p:spPr>
-        <p:txBody>
-          <a:bodyPr wrap="square">
-            <a:spAutoFit/>
-          </a:bodyPr>
-          <a:lstStyle/>
-          <a:p>
-            <a:pPr marL="354965" indent="-342900">
-              <a:spcBef>
-                <a:spcPts val="910"/>
-              </a:spcBef>
-              <a:buFontTx/>
-              <a:buChar char="-"/>
-              <a:tabLst>
-                <a:tab pos="335280" algn="l"/>
-                <a:tab pos="335915" algn="l"/>
-              </a:tabLst>
-              <a:defRPr/>
-            </a:pPr>
-            <a:r>
-              <a:rPr lang="en-US" altLang="ko-KR" sz="2100">
-                <a:latin typeface="Arial"/>
-                <a:cs typeface="Arial"/>
-              </a:rPr>
-              <a:t>The process of RL is usually given as </a:t>
-            </a:r>
-            <a:r>
-              <a:rPr lang="en-US" altLang="ko-KR" sz="2100" b="1">
-                <a:latin typeface="Arial"/>
-                <a:cs typeface="Arial"/>
-              </a:rPr>
-              <a:t>Markov Decision Processes (MDPs)</a:t>
-            </a:r>
-            <a:r>
-              <a:rPr lang="en-US" altLang="ko-KR" sz="2100">
-                <a:latin typeface="Arial"/>
-                <a:cs typeface="Arial"/>
-              </a:rPr>
-              <a:t>, which is a mathematical framework used for modeling decision making in situations where the outcomes are partly random and partly under the control of a decision maker. </a:t>
-            </a:r>
-          </a:p>
-        </p:txBody>
-      </p:sp>
-      <p:pic>
-        <p:nvPicPr>
-          <p:cNvPr id="10" name="그림 9">
-            <a:extLst>
-              <a:ext uri="{FF2B5EF4-FFF2-40B4-BE49-F238E27FC236}">
-                <a16:creationId xmlns:a16="http://schemas.microsoft.com/office/drawing/2014/main" id="{EA829B5A-1AEE-5C17-5F40-DB1B58688CF3}"/>
-              </a:ext>
-            </a:extLst>
-          </p:cNvPr>
-          <p:cNvPicPr>
-            <a:picLocks noChangeAspect="1"/>
-          </p:cNvPicPr>
-          <p:nvPr/>
-        </p:nvPicPr>
-        <p:blipFill>
-          <a:blip r:embed="rId3"/>
-          <a:stretch>
-            <a:fillRect/>
-          </a:stretch>
-        </p:blipFill>
-        <p:spPr>
-          <a:xfrm>
-            <a:off x="2349500" y="2683866"/>
-            <a:ext cx="8305800" cy="6661612"/>
-          </a:xfrm>
-          <a:prstGeom prst="rect">
-            <a:avLst/>
-          </a:prstGeom>
-        </p:spPr>
-      </p:pic>
-    </p:spTree>
-    <p:extLst>
-      <p:ext uri="{BB962C8B-B14F-4D97-AF65-F5344CB8AC3E}">
-        <p14:creationId xmlns:p14="http://schemas.microsoft.com/office/powerpoint/2010/main" val="2642245303"/>
-      </p:ext>
-    </p:extLst>
-  </p:cSld>
-  <p:clrMapOvr>
-    <a:masterClrMapping/>
-  </p:clrMapOvr>
-</p:sld>
-</file>
-
-<file path=ppt/slides/slide6.xml><?xml version="1.0" encoding="utf-8"?>
 <p:sld xmlns:a="http://schemas.openxmlformats.org/drawingml/2006/main" xmlns:r="http://schemas.openxmlformats.org/officeDocument/2006/relationships" xmlns:p="http://schemas.openxmlformats.org/presentationml/2006/main">
   <p:cSld>
     <p:spTree>
@@ -15540,7 +14187,7 @@
 </p:sld>
 </file>
 
-<file path=ppt/slides/slide7.xml><?xml version="1.0" encoding="utf-8"?>
+<file path=ppt/slides/slide6.xml><?xml version="1.0" encoding="utf-8"?>
 <p:sld xmlns:a="http://schemas.openxmlformats.org/drawingml/2006/main" xmlns:r="http://schemas.openxmlformats.org/officeDocument/2006/relationships" xmlns:p="http://schemas.openxmlformats.org/presentationml/2006/main">
   <p:cSld>
     <p:spTree>
@@ -16885,7 +15532,7 @@
         </p:nvSpPr>
         <p:spPr>
           <a:xfrm>
-            <a:off x="254501" y="4201808"/>
+            <a:off x="253613" y="4015472"/>
             <a:ext cx="12098607" cy="498855"/>
           </a:xfrm>
           <a:prstGeom prst="rect">
@@ -16928,8 +15575,8 @@
           </a:p>
         </p:txBody>
       </p:sp>
-      <mc:AlternateContent xmlns:mc="http://schemas.openxmlformats.org/markup-compatibility/2006" xmlns:a14="http://schemas.microsoft.com/office/drawing/2010/main">
-        <mc:Choice Requires="a14">
+      <mc:AlternateContent xmlns:mc="http://schemas.openxmlformats.org/markup-compatibility/2006">
+        <mc:Choice xmlns:a14="http://schemas.microsoft.com/office/drawing/2010/main" Requires="a14">
           <p:sp>
             <p:nvSpPr>
               <p:cNvPr id="17" name="TextBox 16">
@@ -16944,7 +15591,7 @@
             </p:nvSpPr>
             <p:spPr>
               <a:xfrm>
-                <a:off x="666205" y="5106239"/>
+                <a:off x="432590" y="5316329"/>
                 <a:ext cx="5870132" cy="994759"/>
               </a:xfrm>
               <a:prstGeom prst="rect">
@@ -17326,7 +15973,7 @@
             </p:txBody>
           </p:sp>
         </mc:Choice>
-        <mc:Fallback xmlns="">
+        <mc:Fallback>
           <p:sp>
             <p:nvSpPr>
               <p:cNvPr id="17" name="TextBox 16">
@@ -17343,7 +15990,7 @@
             </p:nvSpPr>
             <p:spPr>
               <a:xfrm>
-                <a:off x="666205" y="5106239"/>
+                <a:off x="432590" y="5316329"/>
                 <a:ext cx="5870132" cy="994759"/>
               </a:xfrm>
               <a:prstGeom prst="rect">
@@ -17385,7 +16032,7 @@
         </p:nvSpPr>
         <p:spPr>
           <a:xfrm>
-            <a:off x="254501" y="6577260"/>
+            <a:off x="282041" y="6917881"/>
             <a:ext cx="12098607" cy="498855"/>
           </a:xfrm>
           <a:prstGeom prst="rect">
@@ -17428,8 +16075,8 @@
           </a:p>
         </p:txBody>
       </p:sp>
-      <mc:AlternateContent xmlns:mc="http://schemas.openxmlformats.org/markup-compatibility/2006" xmlns:a14="http://schemas.microsoft.com/office/drawing/2010/main">
-        <mc:Choice Requires="a14">
+      <mc:AlternateContent xmlns:mc="http://schemas.openxmlformats.org/markup-compatibility/2006">
+        <mc:Choice xmlns:a14="http://schemas.microsoft.com/office/drawing/2010/main" Requires="a14">
           <p:sp>
             <p:nvSpPr>
               <p:cNvPr id="19" name="TextBox 18">
@@ -17444,7 +16091,7 @@
             </p:nvSpPr>
             <p:spPr>
               <a:xfrm>
-                <a:off x="7039474" y="5125924"/>
+                <a:off x="6805859" y="5336014"/>
                 <a:ext cx="5870131" cy="887294"/>
               </a:xfrm>
               <a:prstGeom prst="rect">
@@ -18401,7 +17048,7 @@
             </p:txBody>
           </p:sp>
         </mc:Choice>
-        <mc:Fallback xmlns="">
+        <mc:Fallback>
           <p:sp>
             <p:nvSpPr>
               <p:cNvPr id="19" name="TextBox 18">
@@ -18418,7 +17065,7 @@
             </p:nvSpPr>
             <p:spPr>
               <a:xfrm>
-                <a:off x="7039474" y="5125924"/>
+                <a:off x="6805859" y="5336014"/>
                 <a:ext cx="5870131" cy="887294"/>
               </a:xfrm>
               <a:prstGeom prst="rect">
@@ -18446,8 +17093,8 @@
           </p:sp>
         </mc:Fallback>
       </mc:AlternateContent>
-      <mc:AlternateContent xmlns:mc="http://schemas.openxmlformats.org/markup-compatibility/2006" xmlns:a14="http://schemas.microsoft.com/office/drawing/2010/main">
-        <mc:Choice Requires="a14">
+      <mc:AlternateContent xmlns:mc="http://schemas.openxmlformats.org/markup-compatibility/2006">
+        <mc:Choice xmlns:a14="http://schemas.microsoft.com/office/drawing/2010/main" Requires="a14">
           <p:sp>
             <p:nvSpPr>
               <p:cNvPr id="20" name="TextBox 19">
@@ -18462,7 +17109,7 @@
             </p:nvSpPr>
             <p:spPr>
               <a:xfrm>
-                <a:off x="691605" y="7413931"/>
+                <a:off x="412270" y="8093101"/>
                 <a:ext cx="5087867" cy="982320"/>
               </a:xfrm>
               <a:prstGeom prst="rect">
@@ -18798,7 +17445,7 @@
             </p:txBody>
           </p:sp>
         </mc:Choice>
-        <mc:Fallback xmlns="">
+        <mc:Fallback>
           <p:sp>
             <p:nvSpPr>
               <p:cNvPr id="20" name="TextBox 19">
@@ -18815,7 +17462,7 @@
             </p:nvSpPr>
             <p:spPr>
               <a:xfrm>
-                <a:off x="691605" y="7413931"/>
+                <a:off x="412270" y="8093101"/>
                 <a:ext cx="5087867" cy="982320"/>
               </a:xfrm>
               <a:prstGeom prst="rect">
@@ -18843,8 +17490,8 @@
           </p:sp>
         </mc:Fallback>
       </mc:AlternateContent>
-      <mc:AlternateContent xmlns:mc="http://schemas.openxmlformats.org/markup-compatibility/2006" xmlns:a14="http://schemas.microsoft.com/office/drawing/2010/main">
-        <mc:Choice Requires="a14">
+      <mc:AlternateContent xmlns:mc="http://schemas.openxmlformats.org/markup-compatibility/2006">
+        <mc:Choice xmlns:a14="http://schemas.microsoft.com/office/drawing/2010/main" Requires="a14">
           <p:sp>
             <p:nvSpPr>
               <p:cNvPr id="21" name="TextBox 20">
@@ -18859,8 +17506,8 @@
             </p:nvSpPr>
             <p:spPr>
               <a:xfrm>
-                <a:off x="6912475" y="7413931"/>
-                <a:ext cx="4853531" cy="876907"/>
+                <a:off x="6918844" y="8069640"/>
+                <a:ext cx="4853531" cy="887744"/>
               </a:xfrm>
               <a:prstGeom prst="rect">
                 <a:avLst/>
@@ -19220,25 +17867,64 @@
                           </m:ctrlPr>
                         </m:naryPr>
                         <m:sub>
-                          <m:r>
-                            <m:rPr>
-                              <m:brk m:alnAt="7"/>
-                            </m:rPr>
-                            <a:rPr kumimoji="0" lang="en-US" altLang="ko-KR" sz="2100" b="0" i="1" u="none" strike="noStrike" kern="0" cap="none" spc="0" normalizeH="0" baseline="0" noProof="0" smtClean="0">
-                              <a:ln>
-                                <a:noFill/>
-                              </a:ln>
-                              <a:solidFill>
-                                <a:sysClr val="windowText" lastClr="000000"/>
-                              </a:solidFill>
-                              <a:effectLst/>
-                              <a:uLnTx/>
-                              <a:uFillTx/>
-                              <a:latin typeface="Cambria Math" panose="02040503050406030204" pitchFamily="18" charset="0"/>
-                              <a:cs typeface="Arial"/>
-                            </a:rPr>
-                            <m:t>𝑠</m:t>
-                          </m:r>
+                          <m:sSup>
+                            <m:sSupPr>
+                              <m:ctrlPr>
+                                <a:rPr kumimoji="0" lang="en-US" altLang="ko-KR" sz="2100" b="0" i="1" u="none" strike="noStrike" kern="0" cap="none" spc="0" normalizeH="0" baseline="0" noProof="0" smtClean="0">
+                                  <a:ln>
+                                    <a:noFill/>
+                                  </a:ln>
+                                  <a:solidFill>
+                                    <a:sysClr val="windowText" lastClr="000000"/>
+                                  </a:solidFill>
+                                  <a:effectLst/>
+                                  <a:uLnTx/>
+                                  <a:uFillTx/>
+                                  <a:latin typeface="Cambria Math" panose="02040503050406030204" pitchFamily="18" charset="0"/>
+                                  <a:cs typeface="Arial"/>
+                                </a:rPr>
+                              </m:ctrlPr>
+                            </m:sSupPr>
+                            <m:e>
+                              <m:r>
+                                <m:rPr>
+                                  <m:brk m:alnAt="7"/>
+                                </m:rPr>
+                                <a:rPr kumimoji="0" lang="en-US" altLang="ko-KR" sz="2100" b="0" i="1" u="none" strike="noStrike" kern="0" cap="none" spc="0" normalizeH="0" baseline="0" noProof="0" smtClean="0">
+                                  <a:ln>
+                                    <a:noFill/>
+                                  </a:ln>
+                                  <a:solidFill>
+                                    <a:sysClr val="windowText" lastClr="000000"/>
+                                  </a:solidFill>
+                                  <a:effectLst/>
+                                  <a:uLnTx/>
+                                  <a:uFillTx/>
+                                  <a:latin typeface="Cambria Math" panose="02040503050406030204" pitchFamily="18" charset="0"/>
+                                  <a:cs typeface="Arial"/>
+                                </a:rPr>
+                                <m:t>𝑠</m:t>
+                              </m:r>
+                            </m:e>
+                            <m:sup>
+                              <m:r>
+                                <a:rPr kumimoji="0" lang="en-US" altLang="ko-KR" sz="2100" b="0" i="1" u="none" strike="noStrike" kern="0" cap="none" spc="0" normalizeH="0" baseline="0" noProof="0" smtClean="0">
+                                  <a:ln>
+                                    <a:noFill/>
+                                  </a:ln>
+                                  <a:solidFill>
+                                    <a:sysClr val="windowText" lastClr="000000"/>
+                                  </a:solidFill>
+                                  <a:effectLst/>
+                                  <a:uLnTx/>
+                                  <a:uFillTx/>
+                                  <a:latin typeface="Cambria Math" panose="02040503050406030204" pitchFamily="18" charset="0"/>
+                                  <a:cs typeface="Arial"/>
+                                </a:rPr>
+                                <m:t>′</m:t>
+                              </m:r>
+                            </m:sup>
+                          </m:sSup>
                           <m:r>
                             <a:rPr kumimoji="0" lang="en-US" altLang="ko-KR" sz="2100" b="0" i="1" u="none" strike="noStrike" kern="0" cap="none" spc="0" normalizeH="0" baseline="0" noProof="0" smtClean="0">
                               <a:ln>
@@ -19253,7 +17939,7 @@
                               <a:latin typeface="Cambria Math" panose="02040503050406030204" pitchFamily="18" charset="0"/>
                               <a:cs typeface="Arial"/>
                             </a:rPr>
-                            <m:t>′∈</m:t>
+                            <m:t>∈</m:t>
                           </m:r>
                           <m:r>
                             <a:rPr kumimoji="0" lang="en-US" altLang="ko-KR" sz="2100" b="0" i="1" u="none" strike="noStrike" kern="0" cap="none" spc="0" normalizeH="0" baseline="0" noProof="0" smtClean="0">
@@ -19457,24 +18143,8 @@
                               </m:r>
                             </m:sub>
                           </m:sSub>
-                          <m:r>
-                            <a:rPr kumimoji="0" lang="en-US" altLang="ko-KR" sz="2100" b="0" i="1" u="none" strike="noStrike" kern="0" cap="none" spc="0" normalizeH="0" baseline="0" noProof="0" smtClean="0">
-                              <a:ln>
-                                <a:noFill/>
-                              </a:ln>
-                              <a:solidFill>
-                                <a:sysClr val="windowText" lastClr="000000"/>
-                              </a:solidFill>
-                              <a:effectLst/>
-                              <a:uLnTx/>
-                              <a:uFillTx/>
-                              <a:latin typeface="Cambria Math" panose="02040503050406030204" pitchFamily="18" charset="0"/>
-                              <a:cs typeface="Arial"/>
-                            </a:rPr>
-                            <m:t>(</m:t>
-                          </m:r>
-                          <m:sSup>
-                            <m:sSupPr>
+                          <m:d>
+                            <m:dPr>
                               <m:ctrlPr>
                                 <a:rPr kumimoji="0" lang="en-US" altLang="ko-KR" sz="2100" b="0" i="1" u="none" strike="noStrike" kern="0" cap="none" spc="0" normalizeH="0" baseline="0" noProof="0" smtClean="0">
                                   <a:ln>
@@ -19490,62 +18160,83 @@
                                   <a:cs typeface="Arial"/>
                                 </a:rPr>
                               </m:ctrlPr>
-                            </m:sSupPr>
+                            </m:dPr>
                             <m:e>
-                              <m:r>
-                                <a:rPr kumimoji="0" lang="en-US" altLang="ko-KR" sz="2100" b="0" i="1" u="none" strike="noStrike" kern="0" cap="none" spc="0" normalizeH="0" baseline="0" noProof="0" smtClean="0">
-                                  <a:ln>
-                                    <a:noFill/>
-                                  </a:ln>
-                                  <a:solidFill>
-                                    <a:sysClr val="windowText" lastClr="000000"/>
-                                  </a:solidFill>
-                                  <a:effectLst/>
-                                  <a:uLnTx/>
-                                  <a:uFillTx/>
-                                  <a:latin typeface="Cambria Math" panose="02040503050406030204" pitchFamily="18" charset="0"/>
-                                  <a:cs typeface="Arial"/>
-                                </a:rPr>
-                                <m:t>𝑠</m:t>
-                              </m:r>
+                              <m:sSup>
+                                <m:sSupPr>
+                                  <m:ctrlPr>
+                                    <a:rPr kumimoji="0" lang="en-US" altLang="ko-KR" sz="2100" b="0" i="1" u="none" strike="noStrike" kern="0" cap="none" spc="0" normalizeH="0" baseline="0" noProof="0" smtClean="0">
+                                      <a:ln>
+                                        <a:noFill/>
+                                      </a:ln>
+                                      <a:solidFill>
+                                        <a:sysClr val="windowText" lastClr="000000"/>
+                                      </a:solidFill>
+                                      <a:effectLst/>
+                                      <a:uLnTx/>
+                                      <a:uFillTx/>
+                                      <a:latin typeface="Cambria Math" panose="02040503050406030204" pitchFamily="18" charset="0"/>
+                                      <a:cs typeface="Arial"/>
+                                    </a:rPr>
+                                  </m:ctrlPr>
+                                </m:sSupPr>
+                                <m:e>
+                                  <m:r>
+                                    <a:rPr kumimoji="0" lang="en-US" altLang="ko-KR" sz="2100" b="0" i="1" u="none" strike="noStrike" kern="0" cap="none" spc="0" normalizeH="0" baseline="0" noProof="0" smtClean="0">
+                                      <a:ln>
+                                        <a:noFill/>
+                                      </a:ln>
+                                      <a:solidFill>
+                                        <a:sysClr val="windowText" lastClr="000000"/>
+                                      </a:solidFill>
+                                      <a:effectLst/>
+                                      <a:uLnTx/>
+                                      <a:uFillTx/>
+                                      <a:latin typeface="Cambria Math" panose="02040503050406030204" pitchFamily="18" charset="0"/>
+                                      <a:cs typeface="Arial"/>
+                                    </a:rPr>
+                                    <m:t>𝑠</m:t>
+                                  </m:r>
+                                </m:e>
+                                <m:sup>
+                                  <m:r>
+                                    <a:rPr kumimoji="0" lang="en-US" altLang="ko-KR" sz="2100" b="0" i="1" u="none" strike="noStrike" kern="0" cap="none" spc="0" normalizeH="0" baseline="0" noProof="0" smtClean="0">
+                                      <a:ln>
+                                        <a:noFill/>
+                                      </a:ln>
+                                      <a:solidFill>
+                                        <a:sysClr val="windowText" lastClr="000000"/>
+                                      </a:solidFill>
+                                      <a:effectLst/>
+                                      <a:uLnTx/>
+                                      <a:uFillTx/>
+                                      <a:latin typeface="Cambria Math" panose="02040503050406030204" pitchFamily="18" charset="0"/>
+                                      <a:cs typeface="Arial"/>
+                                    </a:rPr>
+                                    <m:t>′</m:t>
+                                  </m:r>
+                                </m:sup>
+                              </m:sSup>
                             </m:e>
-                            <m:sup>
-                              <m:r>
-                                <a:rPr kumimoji="0" lang="en-US" altLang="ko-KR" sz="2100" b="0" i="1" u="none" strike="noStrike" kern="0" cap="none" spc="0" normalizeH="0" baseline="0" noProof="0" smtClean="0">
-                                  <a:ln>
-                                    <a:noFill/>
-                                  </a:ln>
-                                  <a:solidFill>
-                                    <a:sysClr val="windowText" lastClr="000000"/>
-                                  </a:solidFill>
-                                  <a:effectLst/>
-                                  <a:uLnTx/>
-                                  <a:uFillTx/>
-                                  <a:latin typeface="Cambria Math" panose="02040503050406030204" pitchFamily="18" charset="0"/>
-                                  <a:cs typeface="Arial"/>
-                                </a:rPr>
-                                <m:t>′</m:t>
-                              </m:r>
-                            </m:sup>
-                          </m:sSup>
-                          <m:r>
-                            <a:rPr kumimoji="0" lang="en-US" altLang="ko-KR" sz="2100" b="0" i="1" u="none" strike="noStrike" kern="0" cap="none" spc="0" normalizeH="0" baseline="0" noProof="0" smtClean="0">
-                              <a:ln>
-                                <a:noFill/>
-                              </a:ln>
-                              <a:solidFill>
-                                <a:sysClr val="windowText" lastClr="000000"/>
-                              </a:solidFill>
-                              <a:effectLst/>
-                              <a:uLnTx/>
-                              <a:uFillTx/>
-                              <a:latin typeface="Cambria Math" panose="02040503050406030204" pitchFamily="18" charset="0"/>
-                              <a:cs typeface="Arial"/>
-                            </a:rPr>
-                            <m:t>)</m:t>
-                          </m:r>
+                          </m:d>
                         </m:e>
                       </m:nary>
+                      <m:r>
+                        <a:rPr kumimoji="0" lang="en-US" altLang="ko-KR" sz="2100" b="0" i="1" u="none" strike="noStrike" kern="0" cap="none" spc="0" normalizeH="0" baseline="0" noProof="0" smtClean="0">
+                          <a:ln>
+                            <a:noFill/>
+                          </a:ln>
+                          <a:solidFill>
+                            <a:sysClr val="windowText" lastClr="000000"/>
+                          </a:solidFill>
+                          <a:effectLst/>
+                          <a:uLnTx/>
+                          <a:uFillTx/>
+                          <a:latin typeface="Cambria Math" panose="02040503050406030204" pitchFamily="18" charset="0"/>
+                          <a:cs typeface="Arial"/>
+                        </a:rPr>
+                        <m:t>)</m:t>
+                      </m:r>
                     </m:oMath>
                   </m:oMathPara>
                 </a14:m>
@@ -19554,7 +18245,7 @@
             </p:txBody>
           </p:sp>
         </mc:Choice>
-        <mc:Fallback xmlns="">
+        <mc:Fallback>
           <p:sp>
             <p:nvSpPr>
               <p:cNvPr id="21" name="TextBox 20">
@@ -19571,8 +18262,8 @@
             </p:nvSpPr>
             <p:spPr>
               <a:xfrm>
-                <a:off x="6912475" y="7413931"/>
-                <a:ext cx="4853531" cy="876907"/>
+                <a:off x="6918844" y="8069640"/>
+                <a:ext cx="4853531" cy="887744"/>
               </a:xfrm>
               <a:prstGeom prst="rect">
                 <a:avLst/>
@@ -19599,6 +18290,1735 @@
           </p:sp>
         </mc:Fallback>
       </mc:AlternateContent>
+      <p:sp>
+        <p:nvSpPr>
+          <p:cNvPr id="6" name="직사각형 5">
+            <a:extLst>
+              <a:ext uri="{FF2B5EF4-FFF2-40B4-BE49-F238E27FC236}">
+                <a16:creationId xmlns:a16="http://schemas.microsoft.com/office/drawing/2014/main" id="{E2A5CB1E-B66C-6001-9C0F-B989DBA49772}"/>
+              </a:ext>
+            </a:extLst>
+          </p:cNvPr>
+          <p:cNvSpPr/>
+          <p:nvPr/>
+        </p:nvSpPr>
+        <p:spPr>
+          <a:xfrm>
+            <a:off x="5201985" y="5544090"/>
+            <a:ext cx="914400" cy="483281"/>
+          </a:xfrm>
+          <a:prstGeom prst="rect">
+            <a:avLst/>
+          </a:prstGeom>
+          <a:noFill/>
+          <a:ln w="28575" cap="flat" cmpd="sng" algn="ctr">
+            <a:solidFill>
+              <a:schemeClr val="accent6"/>
+            </a:solidFill>
+            <a:prstDash val="dash"/>
+            <a:round/>
+            <a:headEnd type="none" w="med" len="med"/>
+            <a:tailEnd type="none" w="med" len="med"/>
+          </a:ln>
+        </p:spPr>
+        <p:style>
+          <a:lnRef idx="0">
+            <a:scrgbClr r="0" g="0" b="0"/>
+          </a:lnRef>
+          <a:fillRef idx="0">
+            <a:scrgbClr r="0" g="0" b="0"/>
+          </a:fillRef>
+          <a:effectRef idx="0">
+            <a:scrgbClr r="0" g="0" b="0"/>
+          </a:effectRef>
+          <a:fontRef idx="minor">
+            <a:schemeClr val="accent2"/>
+          </a:fontRef>
+        </p:style>
+        <p:txBody>
+          <a:bodyPr rtlCol="0" anchor="ctr"/>
+          <a:lstStyle/>
+          <a:p>
+            <a:pPr algn="ctr"/>
+            <a:endParaRPr lang="ko-KR" altLang="en-US"/>
+          </a:p>
+        </p:txBody>
+      </p:sp>
+      <p:sp>
+        <p:nvSpPr>
+          <p:cNvPr id="7" name="직사각형 6">
+            <a:extLst>
+              <a:ext uri="{FF2B5EF4-FFF2-40B4-BE49-F238E27FC236}">
+                <a16:creationId xmlns:a16="http://schemas.microsoft.com/office/drawing/2014/main" id="{BBE1313B-43F8-A0C5-C3DC-0F965342459C}"/>
+              </a:ext>
+            </a:extLst>
+          </p:cNvPr>
+          <p:cNvSpPr/>
+          <p:nvPr/>
+        </p:nvSpPr>
+        <p:spPr>
+          <a:xfrm>
+            <a:off x="10479379" y="5538020"/>
+            <a:ext cx="2140005" cy="483281"/>
+          </a:xfrm>
+          <a:prstGeom prst="rect">
+            <a:avLst/>
+          </a:prstGeom>
+          <a:noFill/>
+          <a:ln w="28575" cap="flat" cmpd="sng" algn="ctr">
+            <a:solidFill>
+              <a:schemeClr val="accent6"/>
+            </a:solidFill>
+            <a:prstDash val="dash"/>
+            <a:round/>
+            <a:headEnd type="none" w="med" len="med"/>
+            <a:tailEnd type="none" w="med" len="med"/>
+          </a:ln>
+        </p:spPr>
+        <p:style>
+          <a:lnRef idx="0">
+            <a:scrgbClr r="0" g="0" b="0"/>
+          </a:lnRef>
+          <a:fillRef idx="0">
+            <a:scrgbClr r="0" g="0" b="0"/>
+          </a:fillRef>
+          <a:effectRef idx="0">
+            <a:scrgbClr r="0" g="0" b="0"/>
+          </a:effectRef>
+          <a:fontRef idx="minor">
+            <a:schemeClr val="accent2"/>
+          </a:fontRef>
+        </p:style>
+        <p:txBody>
+          <a:bodyPr rtlCol="0" anchor="ctr"/>
+          <a:lstStyle/>
+          <a:p>
+            <a:pPr algn="ctr"/>
+            <a:endParaRPr lang="ko-KR" altLang="en-US"/>
+          </a:p>
+        </p:txBody>
+      </p:sp>
+      <mc:AlternateContent xmlns:mc="http://schemas.openxmlformats.org/markup-compatibility/2006">
+        <mc:Choice xmlns:a14="http://schemas.microsoft.com/office/drawing/2010/main" Requires="a14">
+          <p:sp>
+            <p:nvSpPr>
+              <p:cNvPr id="9" name="TextBox 8">
+                <a:extLst>
+                  <a:ext uri="{FF2B5EF4-FFF2-40B4-BE49-F238E27FC236}">
+                    <a16:creationId xmlns:a16="http://schemas.microsoft.com/office/drawing/2014/main" id="{17545D1B-9D84-6D6E-7136-3C7B3E703EA9}"/>
+                  </a:ext>
+                </a:extLst>
+              </p:cNvPr>
+              <p:cNvSpPr txBox="1"/>
+              <p:nvPr/>
+            </p:nvSpPr>
+            <p:spPr>
+              <a:xfrm>
+                <a:off x="8971215" y="2154554"/>
+                <a:ext cx="3938389" cy="646331"/>
+              </a:xfrm>
+              <a:prstGeom prst="rect">
+                <a:avLst/>
+              </a:prstGeom>
+              <a:noFill/>
+            </p:spPr>
+            <p:txBody>
+              <a:bodyPr wrap="square">
+                <a:spAutoFit/>
+              </a:bodyPr>
+              <a:lstStyle/>
+              <a:p>
+                <a:r>
+                  <a:rPr kumimoji="0" lang="en-US" altLang="ko-KR" sz="1800" b="0" i="0" u="none" strike="noStrike" kern="0" cap="none" spc="0" normalizeH="0" baseline="0" noProof="0">
+                    <a:ln>
+                      <a:noFill/>
+                    </a:ln>
+                    <a:solidFill>
+                      <a:sysClr val="windowText" lastClr="000000"/>
+                    </a:solidFill>
+                    <a:effectLst/>
+                    <a:uLnTx/>
+                    <a:uFillTx/>
+                    <a:latin typeface="Arial"/>
+                    <a:cs typeface="Arial"/>
+                  </a:rPr>
+                  <a:t>Probability of choosing action </a:t>
+                </a:r>
+                <a14:m>
+                  <m:oMath xmlns:m="http://schemas.openxmlformats.org/officeDocument/2006/math">
+                    <m:r>
+                      <a:rPr kumimoji="0" lang="en-US" altLang="ko-KR" sz="1800" b="0" i="1" u="none" strike="noStrike" kern="0" cap="none" spc="0" normalizeH="0" baseline="0" noProof="0" smtClean="0">
+                        <a:ln>
+                          <a:noFill/>
+                        </a:ln>
+                        <a:solidFill>
+                          <a:sysClr val="windowText" lastClr="000000"/>
+                        </a:solidFill>
+                        <a:effectLst/>
+                        <a:uLnTx/>
+                        <a:uFillTx/>
+                        <a:latin typeface="Cambria Math" panose="02040503050406030204" pitchFamily="18" charset="0"/>
+                        <a:cs typeface="Arial"/>
+                      </a:rPr>
+                      <m:t>𝑎</m:t>
+                    </m:r>
+                  </m:oMath>
+                </a14:m>
+                <a:r>
+                  <a:rPr lang="ko-KR" altLang="en-US"/>
+                  <a:t> </a:t>
+                </a:r>
+                <a:r>
+                  <a:rPr lang="en-US" altLang="ko-KR"/>
+                  <a:t>at state </a:t>
+                </a:r>
+                <a14:m>
+                  <m:oMath xmlns:m="http://schemas.openxmlformats.org/officeDocument/2006/math">
+                    <m:r>
+                      <a:rPr lang="en-US" altLang="ko-KR" b="0" i="1" smtClean="0">
+                        <a:latin typeface="Cambria Math" panose="02040503050406030204" pitchFamily="18" charset="0"/>
+                      </a:rPr>
+                      <m:t>𝑠</m:t>
+                    </m:r>
+                  </m:oMath>
+                </a14:m>
+                <a:endParaRPr lang="ko-KR" altLang="en-US"/>
+              </a:p>
+            </p:txBody>
+          </p:sp>
+        </mc:Choice>
+        <mc:Fallback>
+          <p:sp>
+            <p:nvSpPr>
+              <p:cNvPr id="9" name="TextBox 8">
+                <a:extLst>
+                  <a:ext uri="{FF2B5EF4-FFF2-40B4-BE49-F238E27FC236}">
+                    <a16:creationId xmlns:a16="http://schemas.microsoft.com/office/drawing/2014/main" id="{17545D1B-9D84-6D6E-7136-3C7B3E703EA9}"/>
+                  </a:ext>
+                </a:extLst>
+              </p:cNvPr>
+              <p:cNvSpPr txBox="1">
+                <a:spLocks noRot="1" noChangeAspect="1" noMove="1" noResize="1" noEditPoints="1" noAdjustHandles="1" noChangeArrowheads="1" noChangeShapeType="1" noTextEdit="1"/>
+              </p:cNvSpPr>
+              <p:nvPr/>
+            </p:nvSpPr>
+            <p:spPr>
+              <a:xfrm>
+                <a:off x="8971215" y="2154554"/>
+                <a:ext cx="3938389" cy="646331"/>
+              </a:xfrm>
+              <a:prstGeom prst="rect">
+                <a:avLst/>
+              </a:prstGeom>
+              <a:blipFill>
+                <a:blip r:embed="rId9"/>
+                <a:stretch>
+                  <a:fillRect l="-1393" t="-4717" b="-14151"/>
+                </a:stretch>
+              </a:blipFill>
+            </p:spPr>
+            <p:txBody>
+              <a:bodyPr/>
+              <a:lstStyle/>
+              <a:p>
+                <a:r>
+                  <a:rPr lang="ko-KR" altLang="en-US">
+                    <a:noFill/>
+                  </a:rPr>
+                  <a:t> </a:t>
+                </a:r>
+              </a:p>
+            </p:txBody>
+          </p:sp>
+        </mc:Fallback>
+      </mc:AlternateContent>
+      <mc:AlternateContent xmlns:mc="http://schemas.openxmlformats.org/markup-compatibility/2006">
+        <mc:Choice xmlns:a14="http://schemas.microsoft.com/office/drawing/2010/main" Requires="a14">
+          <p:sp>
+            <p:nvSpPr>
+              <p:cNvPr id="10" name="TextBox 9">
+                <a:extLst>
+                  <a:ext uri="{FF2B5EF4-FFF2-40B4-BE49-F238E27FC236}">
+                    <a16:creationId xmlns:a16="http://schemas.microsoft.com/office/drawing/2014/main" id="{7A039372-359E-3D04-5781-6DE7D708B5F4}"/>
+                  </a:ext>
+                </a:extLst>
+              </p:cNvPr>
+              <p:cNvSpPr txBox="1"/>
+              <p:nvPr/>
+            </p:nvSpPr>
+            <p:spPr>
+              <a:xfrm>
+                <a:off x="9281523" y="1354554"/>
+                <a:ext cx="3279140" cy="646331"/>
+              </a:xfrm>
+              <a:prstGeom prst="rect">
+                <a:avLst/>
+              </a:prstGeom>
+              <a:noFill/>
+            </p:spPr>
+            <p:txBody>
+              <a:bodyPr wrap="square">
+                <a:spAutoFit/>
+              </a:bodyPr>
+              <a:lstStyle/>
+              <a:p>
+                <a:r>
+                  <a:rPr kumimoji="0" lang="en-US" altLang="ko-KR" sz="1800" b="0" i="0" u="none" strike="noStrike" kern="0" cap="none" spc="0" normalizeH="0" baseline="0" noProof="0">
+                    <a:ln>
+                      <a:noFill/>
+                    </a:ln>
+                    <a:solidFill>
+                      <a:sysClr val="windowText" lastClr="000000"/>
+                    </a:solidFill>
+                    <a:effectLst/>
+                    <a:uLnTx/>
+                    <a:uFillTx/>
+                    <a:latin typeface="Arial"/>
+                    <a:cs typeface="Arial"/>
+                  </a:rPr>
+                  <a:t>Value when action </a:t>
+                </a:r>
+                <a14:m>
+                  <m:oMath xmlns:m="http://schemas.openxmlformats.org/officeDocument/2006/math">
+                    <m:r>
+                      <a:rPr kumimoji="0" lang="en-US" altLang="ko-KR" sz="1800" b="0" i="1" u="none" strike="noStrike" kern="0" cap="none" spc="0" normalizeH="0" baseline="0" noProof="0" smtClean="0">
+                        <a:ln>
+                          <a:noFill/>
+                        </a:ln>
+                        <a:solidFill>
+                          <a:sysClr val="windowText" lastClr="000000"/>
+                        </a:solidFill>
+                        <a:effectLst/>
+                        <a:uLnTx/>
+                        <a:uFillTx/>
+                        <a:latin typeface="Cambria Math" panose="02040503050406030204" pitchFamily="18" charset="0"/>
+                        <a:cs typeface="Arial"/>
+                      </a:rPr>
+                      <m:t>𝑎</m:t>
+                    </m:r>
+                  </m:oMath>
+                </a14:m>
+                <a:r>
+                  <a:rPr kumimoji="0" lang="en-US" altLang="ko-KR" sz="1800" b="0" i="0" u="none" strike="noStrike" kern="0" cap="none" spc="0" normalizeH="0" baseline="0" noProof="0">
+                    <a:ln>
+                      <a:noFill/>
+                    </a:ln>
+                    <a:solidFill>
+                      <a:sysClr val="windowText" lastClr="000000"/>
+                    </a:solidFill>
+                    <a:effectLst/>
+                    <a:uLnTx/>
+                    <a:uFillTx/>
+                    <a:latin typeface="Arial"/>
+                    <a:cs typeface="Arial"/>
+                  </a:rPr>
+                  <a:t> is done at state </a:t>
+                </a:r>
+                <a14:m>
+                  <m:oMath xmlns:m="http://schemas.openxmlformats.org/officeDocument/2006/math">
+                    <m:r>
+                      <a:rPr kumimoji="0" lang="en-US" altLang="ko-KR" sz="1800" b="0" i="1" u="none" strike="noStrike" kern="0" cap="none" spc="0" normalizeH="0" baseline="0" noProof="0" smtClean="0">
+                        <a:ln>
+                          <a:noFill/>
+                        </a:ln>
+                        <a:solidFill>
+                          <a:sysClr val="windowText" lastClr="000000"/>
+                        </a:solidFill>
+                        <a:effectLst/>
+                        <a:uLnTx/>
+                        <a:uFillTx/>
+                        <a:latin typeface="Cambria Math" panose="02040503050406030204" pitchFamily="18" charset="0"/>
+                        <a:cs typeface="Arial"/>
+                      </a:rPr>
+                      <m:t>𝑠</m:t>
+                    </m:r>
+                  </m:oMath>
+                </a14:m>
+                <a:r>
+                  <a:rPr lang="ko-KR" altLang="en-US"/>
+                  <a:t> </a:t>
+                </a:r>
+              </a:p>
+            </p:txBody>
+          </p:sp>
+        </mc:Choice>
+        <mc:Fallback>
+          <p:sp>
+            <p:nvSpPr>
+              <p:cNvPr id="10" name="TextBox 9">
+                <a:extLst>
+                  <a:ext uri="{FF2B5EF4-FFF2-40B4-BE49-F238E27FC236}">
+                    <a16:creationId xmlns:a16="http://schemas.microsoft.com/office/drawing/2014/main" id="{7A039372-359E-3D04-5781-6DE7D708B5F4}"/>
+                  </a:ext>
+                </a:extLst>
+              </p:cNvPr>
+              <p:cNvSpPr txBox="1">
+                <a:spLocks noRot="1" noChangeAspect="1" noMove="1" noResize="1" noEditPoints="1" noAdjustHandles="1" noChangeArrowheads="1" noChangeShapeType="1" noTextEdit="1"/>
+              </p:cNvSpPr>
+              <p:nvPr/>
+            </p:nvSpPr>
+            <p:spPr>
+              <a:xfrm>
+                <a:off x="9281523" y="1354554"/>
+                <a:ext cx="3279140" cy="646331"/>
+              </a:xfrm>
+              <a:prstGeom prst="rect">
+                <a:avLst/>
+              </a:prstGeom>
+              <a:blipFill>
+                <a:blip r:embed="rId10"/>
+                <a:stretch>
+                  <a:fillRect l="-1676" t="-4717" b="-14151"/>
+                </a:stretch>
+              </a:blipFill>
+            </p:spPr>
+            <p:txBody>
+              <a:bodyPr/>
+              <a:lstStyle/>
+              <a:p>
+                <a:r>
+                  <a:rPr lang="ko-KR" altLang="en-US">
+                    <a:noFill/>
+                  </a:rPr>
+                  <a:t> </a:t>
+                </a:r>
+              </a:p>
+            </p:txBody>
+          </p:sp>
+        </mc:Fallback>
+      </mc:AlternateContent>
+      <p:sp>
+        <p:nvSpPr>
+          <p:cNvPr id="16" name="직사각형 15">
+            <a:extLst>
+              <a:ext uri="{FF2B5EF4-FFF2-40B4-BE49-F238E27FC236}">
+                <a16:creationId xmlns:a16="http://schemas.microsoft.com/office/drawing/2014/main" id="{C61E7824-8EB9-4233-9CF1-D3DFE415854F}"/>
+              </a:ext>
+            </a:extLst>
+          </p:cNvPr>
+          <p:cNvSpPr/>
+          <p:nvPr/>
+        </p:nvSpPr>
+        <p:spPr>
+          <a:xfrm>
+            <a:off x="6344444" y="1618208"/>
+            <a:ext cx="767556" cy="483281"/>
+          </a:xfrm>
+          <a:prstGeom prst="rect">
+            <a:avLst/>
+          </a:prstGeom>
+          <a:noFill/>
+          <a:ln w="28575" cap="flat" cmpd="sng" algn="ctr">
+            <a:solidFill>
+              <a:schemeClr val="accent2"/>
+            </a:solidFill>
+            <a:prstDash val="dash"/>
+            <a:round/>
+            <a:headEnd type="none" w="med" len="med"/>
+            <a:tailEnd type="none" w="med" len="med"/>
+          </a:ln>
+        </p:spPr>
+        <p:style>
+          <a:lnRef idx="0">
+            <a:scrgbClr r="0" g="0" b="0"/>
+          </a:lnRef>
+          <a:fillRef idx="0">
+            <a:scrgbClr r="0" g="0" b="0"/>
+          </a:fillRef>
+          <a:effectRef idx="0">
+            <a:scrgbClr r="0" g="0" b="0"/>
+          </a:effectRef>
+          <a:fontRef idx="minor">
+            <a:schemeClr val="accent2"/>
+          </a:fontRef>
+        </p:style>
+        <p:txBody>
+          <a:bodyPr rtlCol="0" anchor="ctr"/>
+          <a:lstStyle/>
+          <a:p>
+            <a:pPr algn="ctr"/>
+            <a:endParaRPr lang="ko-KR" altLang="en-US"/>
+          </a:p>
+        </p:txBody>
+      </p:sp>
+      <p:sp>
+        <p:nvSpPr>
+          <p:cNvPr id="22" name="직사각형 21">
+            <a:extLst>
+              <a:ext uri="{FF2B5EF4-FFF2-40B4-BE49-F238E27FC236}">
+                <a16:creationId xmlns:a16="http://schemas.microsoft.com/office/drawing/2014/main" id="{134AC281-F27F-60FD-AC0C-768E17F36903}"/>
+              </a:ext>
+            </a:extLst>
+          </p:cNvPr>
+          <p:cNvSpPr/>
+          <p:nvPr/>
+        </p:nvSpPr>
+        <p:spPr>
+          <a:xfrm>
+            <a:off x="7148286" y="1626999"/>
+            <a:ext cx="938371" cy="483281"/>
+          </a:xfrm>
+          <a:prstGeom prst="rect">
+            <a:avLst/>
+          </a:prstGeom>
+          <a:noFill/>
+          <a:ln w="28575" cap="flat" cmpd="sng" algn="ctr">
+            <a:solidFill>
+              <a:schemeClr val="accent1"/>
+            </a:solidFill>
+            <a:prstDash val="dash"/>
+            <a:round/>
+            <a:headEnd type="none" w="med" len="med"/>
+            <a:tailEnd type="none" w="med" len="med"/>
+          </a:ln>
+        </p:spPr>
+        <p:style>
+          <a:lnRef idx="0">
+            <a:scrgbClr r="0" g="0" b="0"/>
+          </a:lnRef>
+          <a:fillRef idx="0">
+            <a:scrgbClr r="0" g="0" b="0"/>
+          </a:fillRef>
+          <a:effectRef idx="0">
+            <a:scrgbClr r="0" g="0" b="0"/>
+          </a:effectRef>
+          <a:fontRef idx="minor">
+            <a:schemeClr val="accent2"/>
+          </a:fontRef>
+        </p:style>
+        <p:txBody>
+          <a:bodyPr rtlCol="0" anchor="ctr"/>
+          <a:lstStyle/>
+          <a:p>
+            <a:pPr algn="ctr"/>
+            <a:endParaRPr lang="ko-KR" altLang="en-US"/>
+          </a:p>
+        </p:txBody>
+      </p:sp>
+      <p:cxnSp>
+        <p:nvCxnSpPr>
+          <p:cNvPr id="24" name="연결선: 꺾임 23">
+            <a:extLst>
+              <a:ext uri="{FF2B5EF4-FFF2-40B4-BE49-F238E27FC236}">
+                <a16:creationId xmlns:a16="http://schemas.microsoft.com/office/drawing/2014/main" id="{F8A0EABC-5854-B4D1-649D-2C2550F8F5B4}"/>
+              </a:ext>
+            </a:extLst>
+          </p:cNvPr>
+          <p:cNvCxnSpPr>
+            <a:cxnSpLocks/>
+            <a:stCxn id="16" idx="2"/>
+            <a:endCxn id="9" idx="1"/>
+          </p:cNvCxnSpPr>
+          <p:nvPr/>
+        </p:nvCxnSpPr>
+        <p:spPr>
+          <a:xfrm rot="16200000" flipH="1">
+            <a:off x="7661603" y="1168107"/>
+            <a:ext cx="376231" cy="2242993"/>
+          </a:xfrm>
+          <a:prstGeom prst="bentConnector2">
+            <a:avLst/>
+          </a:prstGeom>
+          <a:ln>
+            <a:tailEnd type="triangle"/>
+          </a:ln>
+        </p:spPr>
+        <p:style>
+          <a:lnRef idx="1">
+            <a:schemeClr val="accent1"/>
+          </a:lnRef>
+          <a:fillRef idx="0">
+            <a:schemeClr val="accent1"/>
+          </a:fillRef>
+          <a:effectRef idx="0">
+            <a:schemeClr val="accent1"/>
+          </a:effectRef>
+          <a:fontRef idx="minor">
+            <a:schemeClr val="tx1"/>
+          </a:fontRef>
+        </p:style>
+      </p:cxnSp>
+      <p:cxnSp>
+        <p:nvCxnSpPr>
+          <p:cNvPr id="25" name="연결선: 꺾임 24">
+            <a:extLst>
+              <a:ext uri="{FF2B5EF4-FFF2-40B4-BE49-F238E27FC236}">
+                <a16:creationId xmlns:a16="http://schemas.microsoft.com/office/drawing/2014/main" id="{0EE471D9-9CB9-1D95-6D31-E5521F158E2E}"/>
+              </a:ext>
+            </a:extLst>
+          </p:cNvPr>
+          <p:cNvCxnSpPr>
+            <a:cxnSpLocks/>
+            <a:stCxn id="22" idx="3"/>
+            <a:endCxn id="10" idx="1"/>
+          </p:cNvCxnSpPr>
+          <p:nvPr/>
+        </p:nvCxnSpPr>
+        <p:spPr>
+          <a:xfrm flipV="1">
+            <a:off x="8086657" y="1677720"/>
+            <a:ext cx="1194866" cy="190920"/>
+          </a:xfrm>
+          <a:prstGeom prst="bentConnector3">
+            <a:avLst>
+              <a:gd name="adj1" fmla="val 50000"/>
+            </a:avLst>
+          </a:prstGeom>
+          <a:ln>
+            <a:tailEnd type="triangle"/>
+          </a:ln>
+        </p:spPr>
+        <p:style>
+          <a:lnRef idx="1">
+            <a:schemeClr val="accent1"/>
+          </a:lnRef>
+          <a:fillRef idx="0">
+            <a:schemeClr val="accent1"/>
+          </a:fillRef>
+          <a:effectRef idx="0">
+            <a:schemeClr val="accent1"/>
+          </a:effectRef>
+          <a:fontRef idx="minor">
+            <a:schemeClr val="tx1"/>
+          </a:fontRef>
+        </p:style>
+      </p:cxnSp>
+      <p:cxnSp>
+        <p:nvCxnSpPr>
+          <p:cNvPr id="30" name="직선 연결선 29">
+            <a:extLst>
+              <a:ext uri="{FF2B5EF4-FFF2-40B4-BE49-F238E27FC236}">
+                <a16:creationId xmlns:a16="http://schemas.microsoft.com/office/drawing/2014/main" id="{3B6413F9-50BE-C515-01A9-F28C64C95C8B}"/>
+              </a:ext>
+            </a:extLst>
+          </p:cNvPr>
+          <p:cNvCxnSpPr/>
+          <p:nvPr/>
+        </p:nvCxnSpPr>
+        <p:spPr>
+          <a:xfrm>
+            <a:off x="5789882" y="3985194"/>
+            <a:ext cx="2590800" cy="0"/>
+          </a:xfrm>
+          <a:prstGeom prst="line">
+            <a:avLst/>
+          </a:prstGeom>
+          <a:ln w="28575"/>
+        </p:spPr>
+        <p:style>
+          <a:lnRef idx="1">
+            <a:schemeClr val="accent2"/>
+          </a:lnRef>
+          <a:fillRef idx="0">
+            <a:schemeClr val="accent2"/>
+          </a:fillRef>
+          <a:effectRef idx="0">
+            <a:schemeClr val="accent2"/>
+          </a:effectRef>
+          <a:fontRef idx="minor">
+            <a:schemeClr val="tx1"/>
+          </a:fontRef>
+        </p:style>
+      </p:cxnSp>
+      <p:cxnSp>
+        <p:nvCxnSpPr>
+          <p:cNvPr id="31" name="직선 연결선 30">
+            <a:extLst>
+              <a:ext uri="{FF2B5EF4-FFF2-40B4-BE49-F238E27FC236}">
+                <a16:creationId xmlns:a16="http://schemas.microsoft.com/office/drawing/2014/main" id="{EC715BEC-A28E-C8DB-0F40-93064979DA1E}"/>
+              </a:ext>
+            </a:extLst>
+          </p:cNvPr>
+          <p:cNvCxnSpPr/>
+          <p:nvPr/>
+        </p:nvCxnSpPr>
+        <p:spPr>
+          <a:xfrm>
+            <a:off x="3310839" y="6400800"/>
+            <a:ext cx="2590800" cy="0"/>
+          </a:xfrm>
+          <a:prstGeom prst="line">
+            <a:avLst/>
+          </a:prstGeom>
+          <a:ln w="28575"/>
+        </p:spPr>
+        <p:style>
+          <a:lnRef idx="1">
+            <a:schemeClr val="accent2"/>
+          </a:lnRef>
+          <a:fillRef idx="0">
+            <a:schemeClr val="accent2"/>
+          </a:fillRef>
+          <a:effectRef idx="0">
+            <a:schemeClr val="accent2"/>
+          </a:effectRef>
+          <a:fontRef idx="minor">
+            <a:schemeClr val="tx1"/>
+          </a:fontRef>
+        </p:style>
+      </p:cxnSp>
+      <p:sp>
+        <p:nvSpPr>
+          <p:cNvPr id="37" name="직사각형 36">
+            <a:extLst>
+              <a:ext uri="{FF2B5EF4-FFF2-40B4-BE49-F238E27FC236}">
+                <a16:creationId xmlns:a16="http://schemas.microsoft.com/office/drawing/2014/main" id="{60DED7D5-19A8-8C3E-CE68-94D4AF61D01D}"/>
+              </a:ext>
+            </a:extLst>
+          </p:cNvPr>
+          <p:cNvSpPr/>
+          <p:nvPr/>
+        </p:nvSpPr>
+        <p:spPr>
+          <a:xfrm>
+            <a:off x="7584088" y="3201291"/>
+            <a:ext cx="914400" cy="483281"/>
+          </a:xfrm>
+          <a:prstGeom prst="rect">
+            <a:avLst/>
+          </a:prstGeom>
+          <a:noFill/>
+          <a:ln w="28575" cap="flat" cmpd="sng" algn="ctr">
+            <a:solidFill>
+              <a:schemeClr val="accent6"/>
+            </a:solidFill>
+            <a:prstDash val="dash"/>
+            <a:round/>
+            <a:headEnd type="none" w="med" len="med"/>
+            <a:tailEnd type="none" w="med" len="med"/>
+          </a:ln>
+        </p:spPr>
+        <p:style>
+          <a:lnRef idx="0">
+            <a:scrgbClr r="0" g="0" b="0"/>
+          </a:lnRef>
+          <a:fillRef idx="0">
+            <a:scrgbClr r="0" g="0" b="0"/>
+          </a:fillRef>
+          <a:effectRef idx="0">
+            <a:scrgbClr r="0" g="0" b="0"/>
+          </a:effectRef>
+          <a:fontRef idx="minor">
+            <a:schemeClr val="accent2"/>
+          </a:fontRef>
+        </p:style>
+        <p:txBody>
+          <a:bodyPr rtlCol="0" anchor="ctr"/>
+          <a:lstStyle/>
+          <a:p>
+            <a:pPr algn="ctr"/>
+            <a:endParaRPr lang="ko-KR" altLang="en-US"/>
+          </a:p>
+        </p:txBody>
+      </p:sp>
+      <mc:AlternateContent xmlns:mc="http://schemas.openxmlformats.org/markup-compatibility/2006">
+        <mc:Choice xmlns:a14="http://schemas.microsoft.com/office/drawing/2010/main" Requires="a14">
+          <p:sp>
+            <p:nvSpPr>
+              <p:cNvPr id="38" name="TextBox 37">
+                <a:extLst>
+                  <a:ext uri="{FF2B5EF4-FFF2-40B4-BE49-F238E27FC236}">
+                    <a16:creationId xmlns:a16="http://schemas.microsoft.com/office/drawing/2014/main" id="{3E616058-6B6F-6E9E-D1E5-AA1C94D40A8A}"/>
+                  </a:ext>
+                </a:extLst>
+              </p:cNvPr>
+              <p:cNvSpPr txBox="1"/>
+              <p:nvPr/>
+            </p:nvSpPr>
+            <p:spPr>
+              <a:xfrm>
+                <a:off x="432590" y="4793847"/>
+                <a:ext cx="3287375" cy="369332"/>
+              </a:xfrm>
+              <a:prstGeom prst="rect">
+                <a:avLst/>
+              </a:prstGeom>
+              <a:noFill/>
+            </p:spPr>
+            <p:txBody>
+              <a:bodyPr wrap="none" lIns="0" tIns="0" rIns="0" bIns="0" rtlCol="0">
+                <a:spAutoFit/>
+              </a:bodyPr>
+              <a:lstStyle/>
+              <a:p>
+                <a:pPr/>
+                <a14:m>
+                  <m:oMathPara xmlns:m="http://schemas.openxmlformats.org/officeDocument/2006/math">
+                    <m:oMathParaPr>
+                      <m:jc m:val="centerGroup"/>
+                    </m:oMathParaPr>
+                    <m:oMath xmlns:m="http://schemas.openxmlformats.org/officeDocument/2006/math">
+                      <m:sSub>
+                        <m:sSubPr>
+                          <m:ctrlPr>
+                            <a:rPr lang="en-US" altLang="ko-KR" sz="2400" b="0" i="1" smtClean="0">
+                              <a:latin typeface="Cambria Math" panose="02040503050406030204" pitchFamily="18" charset="0"/>
+                            </a:rPr>
+                          </m:ctrlPr>
+                        </m:sSubPr>
+                        <m:e>
+                          <m:r>
+                            <a:rPr lang="en-US" altLang="ko-KR" sz="2400" b="0" i="1" smtClean="0">
+                              <a:latin typeface="Cambria Math" panose="02040503050406030204" pitchFamily="18" charset="0"/>
+                            </a:rPr>
+                            <m:t>𝑉</m:t>
+                          </m:r>
+                        </m:e>
+                        <m:sub>
+                          <m:r>
+                            <a:rPr lang="en-US" altLang="ko-KR" sz="2400" b="0" i="1" smtClean="0">
+                              <a:latin typeface="Cambria Math" panose="02040503050406030204" pitchFamily="18" charset="0"/>
+                            </a:rPr>
+                            <m:t>𝜋</m:t>
+                          </m:r>
+                        </m:sub>
+                      </m:sSub>
+                      <m:d>
+                        <m:dPr>
+                          <m:ctrlPr>
+                            <a:rPr lang="en-US" altLang="ko-KR" sz="2400" b="0" i="1" smtClean="0">
+                              <a:latin typeface="Cambria Math" panose="02040503050406030204" pitchFamily="18" charset="0"/>
+                            </a:rPr>
+                          </m:ctrlPr>
+                        </m:dPr>
+                        <m:e>
+                          <m:r>
+                            <a:rPr lang="en-US" altLang="ko-KR" sz="2400" b="0" i="1" smtClean="0">
+                              <a:latin typeface="Cambria Math" panose="02040503050406030204" pitchFamily="18" charset="0"/>
+                            </a:rPr>
+                            <m:t>𝑠</m:t>
+                          </m:r>
+                        </m:e>
+                      </m:d>
+                      <m:r>
+                        <a:rPr lang="en-US" altLang="ko-KR" sz="2400" b="0" i="1" smtClean="0">
+                          <a:latin typeface="Cambria Math" panose="02040503050406030204" pitchFamily="18" charset="0"/>
+                        </a:rPr>
+                        <m:t>=</m:t>
+                      </m:r>
+                      <m:sSub>
+                        <m:sSubPr>
+                          <m:ctrlPr>
+                            <a:rPr lang="en-US" altLang="ko-KR" sz="2400" b="0" i="1" smtClean="0">
+                              <a:latin typeface="Cambria Math" panose="02040503050406030204" pitchFamily="18" charset="0"/>
+                            </a:rPr>
+                          </m:ctrlPr>
+                        </m:sSubPr>
+                        <m:e>
+                          <m:r>
+                            <a:rPr lang="ko-KR" altLang="en-US" sz="2400" b="0" i="1" smtClean="0">
+                              <a:latin typeface="Cambria Math" panose="02040503050406030204" pitchFamily="18" charset="0"/>
+                            </a:rPr>
+                            <m:t>𝔼</m:t>
+                          </m:r>
+                        </m:e>
+                        <m:sub>
+                          <m:r>
+                            <a:rPr lang="en-US" altLang="ko-KR" sz="2400" b="0" i="1" smtClean="0">
+                              <a:latin typeface="Cambria Math" panose="02040503050406030204" pitchFamily="18" charset="0"/>
+                            </a:rPr>
+                            <m:t>𝜋</m:t>
+                          </m:r>
+                        </m:sub>
+                      </m:sSub>
+                      <m:d>
+                        <m:dPr>
+                          <m:begChr m:val="["/>
+                          <m:endChr m:val="]"/>
+                          <m:ctrlPr>
+                            <a:rPr lang="en-US" altLang="ko-KR" sz="2400" b="0" i="1" smtClean="0">
+                              <a:latin typeface="Cambria Math" panose="02040503050406030204" pitchFamily="18" charset="0"/>
+                            </a:rPr>
+                          </m:ctrlPr>
+                        </m:dPr>
+                        <m:e>
+                          <m:r>
+                            <a:rPr lang="en-US" altLang="ko-KR" sz="2400" b="0" i="1" smtClean="0">
+                              <a:latin typeface="Cambria Math" panose="02040503050406030204" pitchFamily="18" charset="0"/>
+                            </a:rPr>
+                            <m:t>𝑅</m:t>
+                          </m:r>
+                          <m:r>
+                            <a:rPr lang="en-US" altLang="ko-KR" sz="2400" b="0" i="1" smtClean="0">
+                              <a:latin typeface="Cambria Math" panose="02040503050406030204" pitchFamily="18" charset="0"/>
+                            </a:rPr>
+                            <m:t>+</m:t>
+                          </m:r>
+                          <m:r>
+                            <a:rPr lang="en-US" altLang="ko-KR" sz="2400" b="0" i="1" smtClean="0">
+                              <a:latin typeface="Cambria Math" panose="02040503050406030204" pitchFamily="18" charset="0"/>
+                            </a:rPr>
+                            <m:t>𝛾</m:t>
+                          </m:r>
+                          <m:sSub>
+                            <m:sSubPr>
+                              <m:ctrlPr>
+                                <a:rPr lang="en-US" altLang="ko-KR" sz="2400" b="0" i="1" smtClean="0">
+                                  <a:latin typeface="Cambria Math" panose="02040503050406030204" pitchFamily="18" charset="0"/>
+                                </a:rPr>
+                              </m:ctrlPr>
+                            </m:sSubPr>
+                            <m:e>
+                              <m:r>
+                                <a:rPr lang="en-US" altLang="ko-KR" sz="2400" b="0" i="1" smtClean="0">
+                                  <a:latin typeface="Cambria Math" panose="02040503050406030204" pitchFamily="18" charset="0"/>
+                                </a:rPr>
+                                <m:t>𝑉</m:t>
+                              </m:r>
+                            </m:e>
+                            <m:sub>
+                              <m:r>
+                                <a:rPr lang="en-US" altLang="ko-KR" sz="2400" b="0" i="1" smtClean="0">
+                                  <a:latin typeface="Cambria Math" panose="02040503050406030204" pitchFamily="18" charset="0"/>
+                                </a:rPr>
+                                <m:t>𝜋</m:t>
+                              </m:r>
+                            </m:sub>
+                          </m:sSub>
+                          <m:d>
+                            <m:dPr>
+                              <m:ctrlPr>
+                                <a:rPr lang="en-US" altLang="ko-KR" sz="2400" b="0" i="1" smtClean="0">
+                                  <a:latin typeface="Cambria Math" panose="02040503050406030204" pitchFamily="18" charset="0"/>
+                                </a:rPr>
+                              </m:ctrlPr>
+                            </m:dPr>
+                            <m:e>
+                              <m:sSup>
+                                <m:sSupPr>
+                                  <m:ctrlPr>
+                                    <a:rPr lang="en-US" altLang="ko-KR" sz="2400" b="0" i="1" smtClean="0">
+                                      <a:latin typeface="Cambria Math" panose="02040503050406030204" pitchFamily="18" charset="0"/>
+                                    </a:rPr>
+                                  </m:ctrlPr>
+                                </m:sSupPr>
+                                <m:e>
+                                  <m:r>
+                                    <a:rPr lang="en-US" altLang="ko-KR" sz="2400" b="0" i="1" smtClean="0">
+                                      <a:latin typeface="Cambria Math" panose="02040503050406030204" pitchFamily="18" charset="0"/>
+                                    </a:rPr>
+                                    <m:t>𝑠</m:t>
+                                  </m:r>
+                                </m:e>
+                                <m:sup>
+                                  <m:r>
+                                    <a:rPr lang="en-US" altLang="ko-KR" sz="2400" b="0" i="1" smtClean="0">
+                                      <a:latin typeface="Cambria Math" panose="02040503050406030204" pitchFamily="18" charset="0"/>
+                                    </a:rPr>
+                                    <m:t>′</m:t>
+                                  </m:r>
+                                </m:sup>
+                              </m:sSup>
+                            </m:e>
+                          </m:d>
+                        </m:e>
+                      </m:d>
+                    </m:oMath>
+                  </m:oMathPara>
+                </a14:m>
+                <a:endParaRPr lang="ko-KR" altLang="en-US" sz="2400"/>
+              </a:p>
+            </p:txBody>
+          </p:sp>
+        </mc:Choice>
+        <mc:Fallback>
+          <p:sp>
+            <p:nvSpPr>
+              <p:cNvPr id="38" name="TextBox 37">
+                <a:extLst>
+                  <a:ext uri="{FF2B5EF4-FFF2-40B4-BE49-F238E27FC236}">
+                    <a16:creationId xmlns:a16="http://schemas.microsoft.com/office/drawing/2014/main" id="{3E616058-6B6F-6E9E-D1E5-AA1C94D40A8A}"/>
+                  </a:ext>
+                </a:extLst>
+              </p:cNvPr>
+              <p:cNvSpPr txBox="1">
+                <a:spLocks noRot="1" noChangeAspect="1" noMove="1" noResize="1" noEditPoints="1" noAdjustHandles="1" noChangeArrowheads="1" noChangeShapeType="1" noTextEdit="1"/>
+              </p:cNvSpPr>
+              <p:nvPr/>
+            </p:nvSpPr>
+            <p:spPr>
+              <a:xfrm>
+                <a:off x="432590" y="4793847"/>
+                <a:ext cx="3287375" cy="369332"/>
+              </a:xfrm>
+              <a:prstGeom prst="rect">
+                <a:avLst/>
+              </a:prstGeom>
+              <a:blipFill>
+                <a:blip r:embed="rId11"/>
+                <a:stretch>
+                  <a:fillRect l="-1670" b="-26230"/>
+                </a:stretch>
+              </a:blipFill>
+            </p:spPr>
+            <p:txBody>
+              <a:bodyPr/>
+              <a:lstStyle/>
+              <a:p>
+                <a:r>
+                  <a:rPr lang="ko-KR" altLang="en-US">
+                    <a:noFill/>
+                  </a:rPr>
+                  <a:t> </a:t>
+                </a:r>
+              </a:p>
+            </p:txBody>
+          </p:sp>
+        </mc:Fallback>
+      </mc:AlternateContent>
+      <p:sp>
+        <p:nvSpPr>
+          <p:cNvPr id="39" name="화살표: 오른쪽 38">
+            <a:extLst>
+              <a:ext uri="{FF2B5EF4-FFF2-40B4-BE49-F238E27FC236}">
+                <a16:creationId xmlns:a16="http://schemas.microsoft.com/office/drawing/2014/main" id="{025991F3-464E-C225-9126-AEC0302692D8}"/>
+              </a:ext>
+            </a:extLst>
+          </p:cNvPr>
+          <p:cNvSpPr/>
+          <p:nvPr/>
+        </p:nvSpPr>
+        <p:spPr>
+          <a:xfrm>
+            <a:off x="137083" y="5678858"/>
+            <a:ext cx="330557" cy="275877"/>
+          </a:xfrm>
+          <a:prstGeom prst="rightArrow">
+            <a:avLst/>
+          </a:prstGeom>
+        </p:spPr>
+        <p:style>
+          <a:lnRef idx="2">
+            <a:schemeClr val="dk1"/>
+          </a:lnRef>
+          <a:fillRef idx="1">
+            <a:schemeClr val="lt1"/>
+          </a:fillRef>
+          <a:effectRef idx="0">
+            <a:schemeClr val="dk1"/>
+          </a:effectRef>
+          <a:fontRef idx="minor">
+            <a:schemeClr val="dk1"/>
+          </a:fontRef>
+        </p:style>
+        <p:txBody>
+          <a:bodyPr rtlCol="0" anchor="ctr"/>
+          <a:lstStyle/>
+          <a:p>
+            <a:pPr algn="ctr"/>
+            <a:endParaRPr lang="ko-KR" altLang="en-US"/>
+          </a:p>
+        </p:txBody>
+      </p:sp>
+      <mc:AlternateContent xmlns:mc="http://schemas.openxmlformats.org/markup-compatibility/2006">
+        <mc:Choice xmlns:a14="http://schemas.microsoft.com/office/drawing/2010/main" Requires="a14">
+          <p:sp>
+            <p:nvSpPr>
+              <p:cNvPr id="40" name="TextBox 39">
+                <a:extLst>
+                  <a:ext uri="{FF2B5EF4-FFF2-40B4-BE49-F238E27FC236}">
+                    <a16:creationId xmlns:a16="http://schemas.microsoft.com/office/drawing/2014/main" id="{9E9C3B19-EFDC-9D1A-6309-2FBB0044877A}"/>
+                  </a:ext>
+                </a:extLst>
+              </p:cNvPr>
+              <p:cNvSpPr txBox="1"/>
+              <p:nvPr/>
+            </p:nvSpPr>
+            <p:spPr>
+              <a:xfrm>
+                <a:off x="453523" y="9389776"/>
+                <a:ext cx="12202147" cy="374526"/>
+              </a:xfrm>
+              <a:prstGeom prst="rect">
+                <a:avLst/>
+              </a:prstGeom>
+              <a:noFill/>
+            </p:spPr>
+            <p:txBody>
+              <a:bodyPr wrap="square">
+                <a:spAutoFit/>
+              </a:bodyPr>
+              <a:lstStyle/>
+              <a:p>
+                <a:r>
+                  <a:rPr kumimoji="0" lang="en-US" altLang="ko-KR" sz="1800" b="0" i="0" u="none" strike="noStrike" kern="0" cap="none" spc="0" normalizeH="0" baseline="0" noProof="0">
+                    <a:ln>
+                      <a:noFill/>
+                    </a:ln>
+                    <a:solidFill>
+                      <a:sysClr val="windowText" lastClr="000000"/>
+                    </a:solidFill>
+                    <a:effectLst/>
+                    <a:uLnTx/>
+                    <a:uFillTx/>
+                    <a:latin typeface="Arial"/>
+                    <a:cs typeface="Arial"/>
+                    <a:sym typeface="Wingdings" panose="05000000000000000000" pitchFamily="2" charset="2"/>
+                  </a:rPr>
+                  <a:t></a:t>
+                </a:r>
+                <a:r>
+                  <a:rPr kumimoji="0" lang="en-US" altLang="ko-KR" sz="1800" b="0" i="0" u="none" strike="noStrike" kern="0" cap="none" spc="0" normalizeH="0" baseline="0" noProof="0">
+                    <a:ln>
+                      <a:noFill/>
+                    </a:ln>
+                    <a:solidFill>
+                      <a:sysClr val="windowText" lastClr="000000"/>
+                    </a:solidFill>
+                    <a:effectLst/>
+                    <a:uLnTx/>
+                    <a:uFillTx/>
+                    <a:latin typeface="Arial"/>
+                    <a:cs typeface="Arial"/>
+                  </a:rPr>
+                  <a:t>We use Bellman Optimality equation for </a:t>
+                </a:r>
+                <a:r>
+                  <a:rPr kumimoji="0" lang="en-US" altLang="ko-KR" sz="1800" b="1" i="0" u="none" strike="noStrike" kern="0" cap="none" spc="0" normalizeH="0" baseline="0" noProof="0">
+                    <a:ln>
+                      <a:noFill/>
+                    </a:ln>
+                    <a:solidFill>
+                      <a:sysClr val="windowText" lastClr="000000"/>
+                    </a:solidFill>
+                    <a:effectLst/>
+                    <a:uLnTx/>
+                    <a:uFillTx/>
+                    <a:latin typeface="Arial"/>
+                    <a:cs typeface="Arial"/>
+                  </a:rPr>
+                  <a:t>choosing the optimal policy </a:t>
+                </a:r>
+                <a14:m>
+                  <m:oMath xmlns:m="http://schemas.openxmlformats.org/officeDocument/2006/math">
+                    <m:sSup>
+                      <m:sSupPr>
+                        <m:ctrlPr>
+                          <a:rPr kumimoji="0" lang="en-US" altLang="ko-KR" sz="1800" b="1" i="1" u="none" strike="noStrike" kern="0" cap="none" spc="0" normalizeH="0" baseline="0" noProof="0" smtClean="0">
+                            <a:ln>
+                              <a:noFill/>
+                            </a:ln>
+                            <a:solidFill>
+                              <a:sysClr val="windowText" lastClr="000000"/>
+                            </a:solidFill>
+                            <a:effectLst/>
+                            <a:uLnTx/>
+                            <a:uFillTx/>
+                            <a:latin typeface="Cambria Math" panose="02040503050406030204" pitchFamily="18" charset="0"/>
+                            <a:cs typeface="Arial"/>
+                          </a:rPr>
+                        </m:ctrlPr>
+                      </m:sSupPr>
+                      <m:e>
+                        <m:r>
+                          <a:rPr kumimoji="0" lang="en-US" altLang="ko-KR" sz="1800" b="1" i="1" u="none" strike="noStrike" kern="0" cap="none" spc="0" normalizeH="0" baseline="0" noProof="0" smtClean="0">
+                            <a:ln>
+                              <a:noFill/>
+                            </a:ln>
+                            <a:solidFill>
+                              <a:sysClr val="windowText" lastClr="000000"/>
+                            </a:solidFill>
+                            <a:effectLst/>
+                            <a:uLnTx/>
+                            <a:uFillTx/>
+                            <a:latin typeface="Cambria Math" panose="02040503050406030204" pitchFamily="18" charset="0"/>
+                            <a:cs typeface="Arial"/>
+                          </a:rPr>
+                          <m:t>𝝅</m:t>
+                        </m:r>
+                      </m:e>
+                      <m:sup>
+                        <m:r>
+                          <a:rPr kumimoji="0" lang="en-US" altLang="ko-KR" sz="1800" b="1" i="1" u="none" strike="noStrike" kern="0" cap="none" spc="0" normalizeH="0" baseline="0" noProof="0" smtClean="0">
+                            <a:ln>
+                              <a:noFill/>
+                            </a:ln>
+                            <a:solidFill>
+                              <a:sysClr val="windowText" lastClr="000000"/>
+                            </a:solidFill>
+                            <a:effectLst/>
+                            <a:uLnTx/>
+                            <a:uFillTx/>
+                            <a:latin typeface="Cambria Math" panose="02040503050406030204" pitchFamily="18" charset="0"/>
+                            <a:cs typeface="Arial"/>
+                          </a:rPr>
+                          <m:t>∗</m:t>
+                        </m:r>
+                      </m:sup>
+                    </m:sSup>
+                  </m:oMath>
+                </a14:m>
+                <a:r>
+                  <a:rPr lang="ko-KR" altLang="en-US" b="1"/>
+                  <a:t> </a:t>
+                </a:r>
+                <a:r>
+                  <a:rPr lang="en-US" altLang="ko-KR" b="1"/>
+                  <a:t>which produces the maximum value </a:t>
+                </a:r>
+                <a:endParaRPr lang="ko-KR" altLang="en-US" b="1"/>
+              </a:p>
+            </p:txBody>
+          </p:sp>
+        </mc:Choice>
+        <mc:Fallback>
+          <p:sp>
+            <p:nvSpPr>
+              <p:cNvPr id="40" name="TextBox 39">
+                <a:extLst>
+                  <a:ext uri="{FF2B5EF4-FFF2-40B4-BE49-F238E27FC236}">
+                    <a16:creationId xmlns:a16="http://schemas.microsoft.com/office/drawing/2014/main" id="{9E9C3B19-EFDC-9D1A-6309-2FBB0044877A}"/>
+                  </a:ext>
+                </a:extLst>
+              </p:cNvPr>
+              <p:cNvSpPr txBox="1">
+                <a:spLocks noRot="1" noChangeAspect="1" noMove="1" noResize="1" noEditPoints="1" noAdjustHandles="1" noChangeArrowheads="1" noChangeShapeType="1" noTextEdit="1"/>
+              </p:cNvSpPr>
+              <p:nvPr/>
+            </p:nvSpPr>
+            <p:spPr>
+              <a:xfrm>
+                <a:off x="453523" y="9389776"/>
+                <a:ext cx="12202147" cy="374526"/>
+              </a:xfrm>
+              <a:prstGeom prst="rect">
+                <a:avLst/>
+              </a:prstGeom>
+              <a:blipFill>
+                <a:blip r:embed="rId12"/>
+                <a:stretch>
+                  <a:fillRect l="-400" t="-8065" b="-22581"/>
+                </a:stretch>
+              </a:blipFill>
+            </p:spPr>
+            <p:txBody>
+              <a:bodyPr/>
+              <a:lstStyle/>
+              <a:p>
+                <a:r>
+                  <a:rPr lang="ko-KR" altLang="en-US">
+                    <a:noFill/>
+                  </a:rPr>
+                  <a:t> </a:t>
+                </a:r>
+              </a:p>
+            </p:txBody>
+          </p:sp>
+        </mc:Fallback>
+      </mc:AlternateContent>
+      <mc:AlternateContent xmlns:mc="http://schemas.openxmlformats.org/markup-compatibility/2006">
+        <mc:Choice xmlns:a14="http://schemas.microsoft.com/office/drawing/2010/main" Requires="a14">
+          <p:sp>
+            <p:nvSpPr>
+              <p:cNvPr id="41" name="TextBox 40">
+                <a:extLst>
+                  <a:ext uri="{FF2B5EF4-FFF2-40B4-BE49-F238E27FC236}">
+                    <a16:creationId xmlns:a16="http://schemas.microsoft.com/office/drawing/2014/main" id="{13F6E9F2-10C7-B756-E19E-13899AF5620C}"/>
+                  </a:ext>
+                </a:extLst>
+              </p:cNvPr>
+              <p:cNvSpPr txBox="1"/>
+              <p:nvPr/>
+            </p:nvSpPr>
+            <p:spPr>
+              <a:xfrm>
+                <a:off x="416114" y="7606263"/>
+                <a:ext cx="5822748" cy="483209"/>
+              </a:xfrm>
+              <a:prstGeom prst="rect">
+                <a:avLst/>
+              </a:prstGeom>
+              <a:noFill/>
+            </p:spPr>
+            <p:txBody>
+              <a:bodyPr wrap="none" lIns="0" tIns="0" rIns="0" bIns="0" rtlCol="0">
+                <a:spAutoFit/>
+              </a:bodyPr>
+              <a:lstStyle/>
+              <a:p>
+                <a:pPr/>
+                <a14:m>
+                  <m:oMathPara xmlns:m="http://schemas.openxmlformats.org/officeDocument/2006/math">
+                    <m:oMathParaPr>
+                      <m:jc m:val="centerGroup"/>
+                    </m:oMathParaPr>
+                    <m:oMath xmlns:m="http://schemas.openxmlformats.org/officeDocument/2006/math">
+                      <m:sSub>
+                        <m:sSubPr>
+                          <m:ctrlPr>
+                            <a:rPr lang="en-US" altLang="ko-KR" sz="2400" b="0" i="1" smtClean="0">
+                              <a:latin typeface="Cambria Math" panose="02040503050406030204" pitchFamily="18" charset="0"/>
+                            </a:rPr>
+                          </m:ctrlPr>
+                        </m:sSubPr>
+                        <m:e>
+                          <m:r>
+                            <a:rPr lang="en-US" altLang="ko-KR" sz="2400" b="0" i="1" smtClean="0">
+                              <a:latin typeface="Cambria Math" panose="02040503050406030204" pitchFamily="18" charset="0"/>
+                            </a:rPr>
+                            <m:t>𝑉</m:t>
+                          </m:r>
+                        </m:e>
+                        <m:sub>
+                          <m:r>
+                            <a:rPr lang="en-US" altLang="ko-KR" sz="2400" b="0" i="1" smtClean="0">
+                              <a:latin typeface="Cambria Math" panose="02040503050406030204" pitchFamily="18" charset="0"/>
+                            </a:rPr>
+                            <m:t>∗</m:t>
+                          </m:r>
+                        </m:sub>
+                      </m:sSub>
+                      <m:d>
+                        <m:dPr>
+                          <m:ctrlPr>
+                            <a:rPr lang="en-US" altLang="ko-KR" sz="2400" b="0" i="1" smtClean="0">
+                              <a:latin typeface="Cambria Math" panose="02040503050406030204" pitchFamily="18" charset="0"/>
+                            </a:rPr>
+                          </m:ctrlPr>
+                        </m:dPr>
+                        <m:e>
+                          <m:r>
+                            <a:rPr lang="en-US" altLang="ko-KR" sz="2400" b="0" i="1" smtClean="0">
+                              <a:latin typeface="Cambria Math" panose="02040503050406030204" pitchFamily="18" charset="0"/>
+                            </a:rPr>
+                            <m:t>𝑠</m:t>
+                          </m:r>
+                        </m:e>
+                      </m:d>
+                      <m:r>
+                        <a:rPr lang="en-US" altLang="ko-KR" sz="2400" b="0" i="1" smtClean="0">
+                          <a:latin typeface="Cambria Math" panose="02040503050406030204" pitchFamily="18" charset="0"/>
+                        </a:rPr>
+                        <m:t>=</m:t>
+                      </m:r>
+                      <m:func>
+                        <m:funcPr>
+                          <m:ctrlPr>
+                            <a:rPr lang="en-US" altLang="ko-KR" sz="2400" b="0" i="1" smtClean="0">
+                              <a:latin typeface="Cambria Math" panose="02040503050406030204" pitchFamily="18" charset="0"/>
+                            </a:rPr>
+                          </m:ctrlPr>
+                        </m:funcPr>
+                        <m:fName>
+                          <m:limLow>
+                            <m:limLowPr>
+                              <m:ctrlPr>
+                                <a:rPr lang="en-US" altLang="ko-KR" sz="2400" b="0" i="1" smtClean="0">
+                                  <a:latin typeface="Cambria Math" panose="02040503050406030204" pitchFamily="18" charset="0"/>
+                                </a:rPr>
+                              </m:ctrlPr>
+                            </m:limLowPr>
+                            <m:e>
+                              <m:r>
+                                <m:rPr>
+                                  <m:sty m:val="p"/>
+                                </m:rPr>
+                                <a:rPr lang="en-US" altLang="ko-KR" sz="2400" b="0" i="0" smtClean="0">
+                                  <a:latin typeface="Cambria Math" panose="02040503050406030204" pitchFamily="18" charset="0"/>
+                                </a:rPr>
+                                <m:t>max</m:t>
+                              </m:r>
+                            </m:e>
+                            <m:lim>
+                              <m:r>
+                                <a:rPr lang="en-US" altLang="ko-KR" sz="2400" b="0" i="1" smtClean="0">
+                                  <a:latin typeface="Cambria Math" panose="02040503050406030204" pitchFamily="18" charset="0"/>
+                                </a:rPr>
+                                <m:t>𝜋</m:t>
+                              </m:r>
+                            </m:lim>
+                          </m:limLow>
+                        </m:fName>
+                        <m:e>
+                          <m:sSub>
+                            <m:sSubPr>
+                              <m:ctrlPr>
+                                <a:rPr lang="en-US" altLang="ko-KR" sz="2400" b="0" i="1" smtClean="0">
+                                  <a:latin typeface="Cambria Math" panose="02040503050406030204" pitchFamily="18" charset="0"/>
+                                </a:rPr>
+                              </m:ctrlPr>
+                            </m:sSubPr>
+                            <m:e>
+                              <m:r>
+                                <a:rPr lang="ko-KR" altLang="en-US" sz="2400" b="0" i="1" smtClean="0">
+                                  <a:latin typeface="Cambria Math" panose="02040503050406030204" pitchFamily="18" charset="0"/>
+                                </a:rPr>
+                                <m:t>𝔼</m:t>
+                              </m:r>
+                            </m:e>
+                            <m:sub>
+                              <m:r>
+                                <a:rPr lang="en-US" altLang="ko-KR" sz="2400" b="0" i="1" smtClean="0">
+                                  <a:latin typeface="Cambria Math" panose="02040503050406030204" pitchFamily="18" charset="0"/>
+                                </a:rPr>
+                                <m:t>𝜋</m:t>
+                              </m:r>
+                            </m:sub>
+                          </m:sSub>
+                          <m:d>
+                            <m:dPr>
+                              <m:begChr m:val="["/>
+                              <m:endChr m:val="]"/>
+                              <m:ctrlPr>
+                                <a:rPr lang="en-US" altLang="ko-KR" sz="2400" b="0" i="1" smtClean="0">
+                                  <a:latin typeface="Cambria Math" panose="02040503050406030204" pitchFamily="18" charset="0"/>
+                                </a:rPr>
+                              </m:ctrlPr>
+                            </m:dPr>
+                            <m:e>
+                              <m:r>
+                                <a:rPr lang="en-US" altLang="ko-KR" sz="2400" b="0" i="1" smtClean="0">
+                                  <a:latin typeface="Cambria Math" panose="02040503050406030204" pitchFamily="18" charset="0"/>
+                                </a:rPr>
+                                <m:t>𝑅</m:t>
+                              </m:r>
+                              <m:r>
+                                <a:rPr lang="en-US" altLang="ko-KR" sz="2400" b="0" i="1" smtClean="0">
+                                  <a:latin typeface="Cambria Math" panose="02040503050406030204" pitchFamily="18" charset="0"/>
+                                </a:rPr>
+                                <m:t>+</m:t>
+                              </m:r>
+                              <m:r>
+                                <a:rPr lang="en-US" altLang="ko-KR" sz="2400" b="0" i="1" smtClean="0">
+                                  <a:latin typeface="Cambria Math" panose="02040503050406030204" pitchFamily="18" charset="0"/>
+                                </a:rPr>
+                                <m:t>𝛾</m:t>
+                              </m:r>
+                              <m:sSub>
+                                <m:sSubPr>
+                                  <m:ctrlPr>
+                                    <a:rPr lang="en-US" altLang="ko-KR" sz="2400" b="0" i="1" smtClean="0">
+                                      <a:latin typeface="Cambria Math" panose="02040503050406030204" pitchFamily="18" charset="0"/>
+                                    </a:rPr>
+                                  </m:ctrlPr>
+                                </m:sSubPr>
+                                <m:e>
+                                  <m:r>
+                                    <a:rPr lang="en-US" altLang="ko-KR" sz="2400" b="0" i="1" smtClean="0">
+                                      <a:latin typeface="Cambria Math" panose="02040503050406030204" pitchFamily="18" charset="0"/>
+                                    </a:rPr>
+                                    <m:t>𝑉</m:t>
+                                  </m:r>
+                                </m:e>
+                                <m:sub>
+                                  <m:r>
+                                    <a:rPr lang="en-US" altLang="ko-KR" sz="2400" b="0" i="1" smtClean="0">
+                                      <a:latin typeface="Cambria Math" panose="02040503050406030204" pitchFamily="18" charset="0"/>
+                                    </a:rPr>
+                                    <m:t>∗</m:t>
+                                  </m:r>
+                                </m:sub>
+                              </m:sSub>
+                              <m:d>
+                                <m:dPr>
+                                  <m:ctrlPr>
+                                    <a:rPr lang="en-US" altLang="ko-KR" sz="2400" b="0" i="1" smtClean="0">
+                                      <a:latin typeface="Cambria Math" panose="02040503050406030204" pitchFamily="18" charset="0"/>
+                                    </a:rPr>
+                                  </m:ctrlPr>
+                                </m:dPr>
+                                <m:e>
+                                  <m:sSup>
+                                    <m:sSupPr>
+                                      <m:ctrlPr>
+                                        <a:rPr lang="en-US" altLang="ko-KR" sz="2400" b="0" i="1" smtClean="0">
+                                          <a:latin typeface="Cambria Math" panose="02040503050406030204" pitchFamily="18" charset="0"/>
+                                        </a:rPr>
+                                      </m:ctrlPr>
+                                    </m:sSupPr>
+                                    <m:e>
+                                      <m:r>
+                                        <a:rPr lang="en-US" altLang="ko-KR" sz="2400" b="0" i="1" smtClean="0">
+                                          <a:latin typeface="Cambria Math" panose="02040503050406030204" pitchFamily="18" charset="0"/>
+                                        </a:rPr>
+                                        <m:t>𝑠</m:t>
+                                      </m:r>
+                                    </m:e>
+                                    <m:sup>
+                                      <m:r>
+                                        <a:rPr lang="en-US" altLang="ko-KR" sz="2400" b="0" i="1" smtClean="0">
+                                          <a:latin typeface="Cambria Math" panose="02040503050406030204" pitchFamily="18" charset="0"/>
+                                        </a:rPr>
+                                        <m:t>′</m:t>
+                                      </m:r>
+                                    </m:sup>
+                                  </m:sSup>
+                                </m:e>
+                              </m:d>
+                              <m:r>
+                                <a:rPr lang="en-US" altLang="ko-KR" sz="2400" b="0" i="1" smtClean="0">
+                                  <a:latin typeface="Cambria Math" panose="02040503050406030204" pitchFamily="18" charset="0"/>
+                                </a:rPr>
+                                <m:t>|</m:t>
+                              </m:r>
+                              <m:sSub>
+                                <m:sSubPr>
+                                  <m:ctrlPr>
+                                    <a:rPr lang="en-US" altLang="ko-KR" sz="2400" b="0" i="1" smtClean="0">
+                                      <a:latin typeface="Cambria Math" panose="02040503050406030204" pitchFamily="18" charset="0"/>
+                                    </a:rPr>
+                                  </m:ctrlPr>
+                                </m:sSubPr>
+                                <m:e>
+                                  <m:r>
+                                    <a:rPr lang="en-US" altLang="ko-KR" sz="2400" b="0" i="1" smtClean="0">
+                                      <a:latin typeface="Cambria Math" panose="02040503050406030204" pitchFamily="18" charset="0"/>
+                                    </a:rPr>
+                                    <m:t>𝑠</m:t>
+                                  </m:r>
+                                </m:e>
+                                <m:sub>
+                                  <m:r>
+                                    <a:rPr lang="en-US" altLang="ko-KR" sz="2400" b="0" i="1" smtClean="0">
+                                      <a:latin typeface="Cambria Math" panose="02040503050406030204" pitchFamily="18" charset="0"/>
+                                    </a:rPr>
+                                    <m:t>𝑡</m:t>
+                                  </m:r>
+                                </m:sub>
+                              </m:sSub>
+                              <m:r>
+                                <a:rPr lang="en-US" altLang="ko-KR" sz="2400" b="0" i="1" smtClean="0">
+                                  <a:latin typeface="Cambria Math" panose="02040503050406030204" pitchFamily="18" charset="0"/>
+                                </a:rPr>
+                                <m:t>=</m:t>
+                              </m:r>
+                              <m:r>
+                                <a:rPr lang="en-US" altLang="ko-KR" sz="2400" b="0" i="1" smtClean="0">
+                                  <a:latin typeface="Cambria Math" panose="02040503050406030204" pitchFamily="18" charset="0"/>
+                                </a:rPr>
+                                <m:t>𝑠</m:t>
+                              </m:r>
+                              <m:r>
+                                <a:rPr lang="en-US" altLang="ko-KR" sz="2400" b="0" i="1" smtClean="0">
+                                  <a:latin typeface="Cambria Math" panose="02040503050406030204" pitchFamily="18" charset="0"/>
+                                </a:rPr>
+                                <m:t>, </m:t>
+                              </m:r>
+                              <m:sSub>
+                                <m:sSubPr>
+                                  <m:ctrlPr>
+                                    <a:rPr lang="en-US" altLang="ko-KR" sz="2400" b="0" i="1" smtClean="0">
+                                      <a:latin typeface="Cambria Math" panose="02040503050406030204" pitchFamily="18" charset="0"/>
+                                    </a:rPr>
+                                  </m:ctrlPr>
+                                </m:sSubPr>
+                                <m:e>
+                                  <m:r>
+                                    <a:rPr lang="en-US" altLang="ko-KR" sz="2400" b="0" i="1" smtClean="0">
+                                      <a:latin typeface="Cambria Math" panose="02040503050406030204" pitchFamily="18" charset="0"/>
+                                    </a:rPr>
+                                    <m:t>𝑎</m:t>
+                                  </m:r>
+                                </m:e>
+                                <m:sub>
+                                  <m:r>
+                                    <a:rPr lang="en-US" altLang="ko-KR" sz="2400" b="0" i="1" smtClean="0">
+                                      <a:latin typeface="Cambria Math" panose="02040503050406030204" pitchFamily="18" charset="0"/>
+                                    </a:rPr>
+                                    <m:t>𝑡</m:t>
+                                  </m:r>
+                                </m:sub>
+                              </m:sSub>
+                              <m:r>
+                                <a:rPr lang="en-US" altLang="ko-KR" sz="2400" b="0" i="1" smtClean="0">
+                                  <a:latin typeface="Cambria Math" panose="02040503050406030204" pitchFamily="18" charset="0"/>
+                                </a:rPr>
+                                <m:t>=</m:t>
+                              </m:r>
+                              <m:r>
+                                <a:rPr lang="en-US" altLang="ko-KR" sz="2400" b="0" i="1" smtClean="0">
+                                  <a:latin typeface="Cambria Math" panose="02040503050406030204" pitchFamily="18" charset="0"/>
+                                </a:rPr>
+                                <m:t>𝑎</m:t>
+                              </m:r>
+                            </m:e>
+                          </m:d>
+                          <m:r>
+                            <a:rPr lang="en-US" altLang="ko-KR" sz="2400" b="0" i="1" smtClean="0">
+                              <a:latin typeface="Cambria Math" panose="02040503050406030204" pitchFamily="18" charset="0"/>
+                            </a:rPr>
+                            <m:t> </m:t>
+                          </m:r>
+                        </m:e>
+                      </m:func>
+                    </m:oMath>
+                  </m:oMathPara>
+                </a14:m>
+                <a:endParaRPr lang="ko-KR" altLang="en-US" sz="2400"/>
+              </a:p>
+            </p:txBody>
+          </p:sp>
+        </mc:Choice>
+        <mc:Fallback>
+          <p:sp>
+            <p:nvSpPr>
+              <p:cNvPr id="41" name="TextBox 40">
+                <a:extLst>
+                  <a:ext uri="{FF2B5EF4-FFF2-40B4-BE49-F238E27FC236}">
+                    <a16:creationId xmlns:a16="http://schemas.microsoft.com/office/drawing/2014/main" id="{13F6E9F2-10C7-B756-E19E-13899AF5620C}"/>
+                  </a:ext>
+                </a:extLst>
+              </p:cNvPr>
+              <p:cNvSpPr txBox="1">
+                <a:spLocks noRot="1" noChangeAspect="1" noMove="1" noResize="1" noEditPoints="1" noAdjustHandles="1" noChangeArrowheads="1" noChangeShapeType="1" noTextEdit="1"/>
+              </p:cNvSpPr>
+              <p:nvPr/>
+            </p:nvSpPr>
+            <p:spPr>
+              <a:xfrm>
+                <a:off x="416114" y="7606263"/>
+                <a:ext cx="5822748" cy="483209"/>
+              </a:xfrm>
+              <a:prstGeom prst="rect">
+                <a:avLst/>
+              </a:prstGeom>
+              <a:blipFill>
+                <a:blip r:embed="rId13"/>
+                <a:stretch>
+                  <a:fillRect b="-10127"/>
+                </a:stretch>
+              </a:blipFill>
+            </p:spPr>
+            <p:txBody>
+              <a:bodyPr/>
+              <a:lstStyle/>
+              <a:p>
+                <a:r>
+                  <a:rPr lang="ko-KR" altLang="en-US">
+                    <a:noFill/>
+                  </a:rPr>
+                  <a:t> </a:t>
+                </a:r>
+              </a:p>
+            </p:txBody>
+          </p:sp>
+        </mc:Fallback>
+      </mc:AlternateContent>
+      <p:sp>
+        <p:nvSpPr>
+          <p:cNvPr id="42" name="화살표: 오른쪽 41">
+            <a:extLst>
+              <a:ext uri="{FF2B5EF4-FFF2-40B4-BE49-F238E27FC236}">
+                <a16:creationId xmlns:a16="http://schemas.microsoft.com/office/drawing/2014/main" id="{32D2E283-21E0-792E-72C1-9B74A894785C}"/>
+              </a:ext>
+            </a:extLst>
+          </p:cNvPr>
+          <p:cNvSpPr/>
+          <p:nvPr/>
+        </p:nvSpPr>
+        <p:spPr>
+          <a:xfrm>
+            <a:off x="116763" y="8422861"/>
+            <a:ext cx="330557" cy="275877"/>
+          </a:xfrm>
+          <a:prstGeom prst="rightArrow">
+            <a:avLst/>
+          </a:prstGeom>
+        </p:spPr>
+        <p:style>
+          <a:lnRef idx="2">
+            <a:schemeClr val="dk1"/>
+          </a:lnRef>
+          <a:fillRef idx="1">
+            <a:schemeClr val="lt1"/>
+          </a:fillRef>
+          <a:effectRef idx="0">
+            <a:schemeClr val="dk1"/>
+          </a:effectRef>
+          <a:fontRef idx="minor">
+            <a:schemeClr val="dk1"/>
+          </a:fontRef>
+        </p:style>
+        <p:txBody>
+          <a:bodyPr rtlCol="0" anchor="ctr"/>
+          <a:lstStyle/>
+          <a:p>
+            <a:pPr algn="ctr"/>
+            <a:endParaRPr lang="ko-KR" altLang="en-US"/>
+          </a:p>
+        </p:txBody>
+      </p:sp>
+      <p:sp>
+        <p:nvSpPr>
+          <p:cNvPr id="43" name="TextBox 42">
+            <a:extLst>
+              <a:ext uri="{FF2B5EF4-FFF2-40B4-BE49-F238E27FC236}">
+                <a16:creationId xmlns:a16="http://schemas.microsoft.com/office/drawing/2014/main" id="{23E387C2-9626-CA54-D81A-442F25446D8D}"/>
+              </a:ext>
+            </a:extLst>
+          </p:cNvPr>
+          <p:cNvSpPr txBox="1"/>
+          <p:nvPr/>
+        </p:nvSpPr>
+        <p:spPr>
+          <a:xfrm>
+            <a:off x="432590" y="6501686"/>
+            <a:ext cx="12202147" cy="374526"/>
+          </a:xfrm>
+          <a:prstGeom prst="rect">
+            <a:avLst/>
+          </a:prstGeom>
+          <a:noFill/>
+        </p:spPr>
+        <p:txBody>
+          <a:bodyPr wrap="square">
+            <a:spAutoFit/>
+          </a:bodyPr>
+          <a:lstStyle/>
+          <a:p>
+            <a:r>
+              <a:rPr kumimoji="0" lang="en-US" altLang="ko-KR" sz="1800" b="0" i="0" u="none" strike="noStrike" kern="0" cap="none" spc="0" normalizeH="0" baseline="0" noProof="0">
+                <a:ln>
+                  <a:noFill/>
+                </a:ln>
+                <a:solidFill>
+                  <a:sysClr val="windowText" lastClr="000000"/>
+                </a:solidFill>
+                <a:effectLst/>
+                <a:uLnTx/>
+                <a:uFillTx/>
+                <a:latin typeface="Arial"/>
+                <a:cs typeface="Arial"/>
+                <a:sym typeface="Wingdings" panose="05000000000000000000" pitchFamily="2" charset="2"/>
+              </a:rPr>
+              <a:t></a:t>
+            </a:r>
+            <a:r>
+              <a:rPr kumimoji="0" lang="en-US" altLang="ko-KR" sz="1800" b="0" i="0" u="none" strike="noStrike" kern="0" cap="none" spc="0" normalizeH="0" baseline="0" noProof="0">
+                <a:ln>
+                  <a:noFill/>
+                </a:ln>
+                <a:solidFill>
+                  <a:sysClr val="windowText" lastClr="000000"/>
+                </a:solidFill>
+                <a:effectLst/>
+                <a:uLnTx/>
+                <a:uFillTx/>
+                <a:latin typeface="Arial"/>
+                <a:cs typeface="Arial"/>
+              </a:rPr>
+              <a:t>We use Bellman Expectation equation for </a:t>
+            </a:r>
+            <a:r>
+              <a:rPr kumimoji="0" lang="en-US" altLang="ko-KR" sz="1800" b="1" i="0" u="none" strike="noStrike" kern="0" cap="none" spc="0" normalizeH="0" baseline="0" noProof="0">
+                <a:ln>
+                  <a:noFill/>
+                </a:ln>
+                <a:solidFill>
+                  <a:sysClr val="windowText" lastClr="000000"/>
+                </a:solidFill>
+                <a:effectLst/>
+                <a:uLnTx/>
+                <a:uFillTx/>
+                <a:latin typeface="Arial"/>
+                <a:cs typeface="Arial"/>
+              </a:rPr>
+              <a:t>evaluating a certain policy</a:t>
+            </a:r>
+            <a:endParaRPr lang="ko-KR" altLang="en-US" b="1"/>
+          </a:p>
+        </p:txBody>
+      </p:sp>
     </p:spTree>
     <p:extLst>
       <p:ext uri="{BB962C8B-B14F-4D97-AF65-F5344CB8AC3E}">
@@ -19612,7 +20032,7 @@
 </p:sld>
 </file>
 
-<file path=ppt/slides/slide8.xml><?xml version="1.0" encoding="utf-8"?>
+<file path=ppt/slides/slide7.xml><?xml version="1.0" encoding="utf-8"?>
 <p:sld xmlns:a="http://schemas.openxmlformats.org/drawingml/2006/main" xmlns:r="http://schemas.openxmlformats.org/officeDocument/2006/relationships" xmlns:p="http://schemas.openxmlformats.org/presentationml/2006/main">
   <p:cSld>
     <p:spTree>
@@ -19695,7 +20115,7 @@
           <a:p>
             <a:fld id="{B6F15528-21DE-4FAA-801E-634DDDAF4B2B}" type="slidenum">
               <a:rPr lang="en-US" altLang="ko-KR" smtClean="0"/>
-              <a:t>8</a:t>
+              <a:t>7</a:t>
             </a:fld>
             <a:endParaRPr lang="ko-KR" altLang="en-US"/>
           </a:p>
@@ -19812,7 +20232,14 @@
                 <a:latin typeface="Arial"/>
                 <a:cs typeface="Arial"/>
               </a:rPr>
-              <a:t>Refers to a collection of algorithms that can be used to compute optimal policies given a perfect model of the environment as a MDP</a:t>
+              <a:t>Refers to a collection of algorithms that can be used to compute optimal policies </a:t>
+            </a:r>
+            <a:r>
+              <a:rPr lang="en-US" altLang="ko-KR" sz="2100" b="1">
+                <a:latin typeface="Arial"/>
+                <a:cs typeface="Arial"/>
+              </a:rPr>
+              <a:t>given a perfect model of the environment as a MDP</a:t>
             </a:r>
           </a:p>
           <a:p>
@@ -20341,6 +20768,394 @@
 </p:sld>
 </file>
 
+<file path=ppt/slides/slide8.xml><?xml version="1.0" encoding="utf-8"?>
+<p:sld xmlns:a="http://schemas.openxmlformats.org/drawingml/2006/main" xmlns:r="http://schemas.openxmlformats.org/officeDocument/2006/relationships" xmlns:p="http://schemas.openxmlformats.org/presentationml/2006/main">
+  <p:cSld>
+    <p:spTree>
+      <p:nvGrpSpPr>
+        <p:cNvPr id="1" name=""/>
+        <p:cNvGrpSpPr/>
+        <p:nvPr/>
+      </p:nvGrpSpPr>
+      <p:grpSpPr>
+        <a:xfrm>
+          <a:off x="0" y="0"/>
+          <a:ext cx="0" cy="0"/>
+          <a:chOff x="0" y="0"/>
+          <a:chExt cx="0" cy="0"/>
+        </a:xfrm>
+      </p:grpSpPr>
+      <p:sp>
+        <p:nvSpPr>
+          <p:cNvPr id="2" name="object 2"/>
+          <p:cNvSpPr txBox="1"/>
+          <p:nvPr/>
+        </p:nvSpPr>
+        <p:spPr>
+          <a:xfrm>
+            <a:off x="143560" y="381000"/>
+            <a:ext cx="12454840" cy="382156"/>
+          </a:xfrm>
+          <a:prstGeom prst="rect">
+            <a:avLst/>
+          </a:prstGeom>
+        </p:spPr>
+        <p:txBody>
+          <a:bodyPr vert="horz" wrap="square" lIns="0" tIns="12700" rIns="0" bIns="0" rtlCol="0">
+            <a:spAutoFit/>
+          </a:bodyPr>
+          <a:lstStyle/>
+          <a:p>
+            <a:pPr marL="12700">
+              <a:lnSpc>
+                <a:spcPct val="100000"/>
+              </a:lnSpc>
+              <a:spcBef>
+                <a:spcPts val="100"/>
+              </a:spcBef>
+            </a:pPr>
+            <a:r>
+              <a:rPr lang="en-US" altLang="ko-KR" sz="2400" b="1" spc="95">
+                <a:latin typeface="Calibri"/>
+                <a:cs typeface="Calibri"/>
+              </a:rPr>
+              <a:t>Key Concepts in Reinforcement Learning</a:t>
+            </a:r>
+            <a:endParaRPr lang="en-US" altLang="ko-KR" sz="2400">
+              <a:latin typeface="Calibri"/>
+              <a:cs typeface="Calibri"/>
+            </a:endParaRPr>
+          </a:p>
+        </p:txBody>
+      </p:sp>
+      <p:sp>
+        <p:nvSpPr>
+          <p:cNvPr id="8" name="슬라이드 번호 개체 틀 7">
+            <a:extLst>
+              <a:ext uri="{FF2B5EF4-FFF2-40B4-BE49-F238E27FC236}">
+                <a16:creationId xmlns:a16="http://schemas.microsoft.com/office/drawing/2014/main" id="{ED6717D9-A3EE-6F93-BC15-282AAA9A66A6}"/>
+              </a:ext>
+            </a:extLst>
+          </p:cNvPr>
+          <p:cNvSpPr>
+            <a:spLocks noGrp="1"/>
+          </p:cNvSpPr>
+          <p:nvPr>
+            <p:ph type="sldNum" sz="quarter" idx="7"/>
+          </p:nvPr>
+        </p:nvSpPr>
+        <p:spPr>
+          <a:xfrm>
+            <a:off x="9363456" y="9067800"/>
+            <a:ext cx="2991104" cy="487680"/>
+          </a:xfrm>
+        </p:spPr>
+        <p:txBody>
+          <a:bodyPr/>
+          <a:lstStyle/>
+          <a:p>
+            <a:fld id="{B6F15528-21DE-4FAA-801E-634DDDAF4B2B}" type="slidenum">
+              <a:rPr lang="en-US" altLang="ko-KR" smtClean="0"/>
+              <a:t>8</a:t>
+            </a:fld>
+            <a:endParaRPr lang="ko-KR" altLang="en-US"/>
+          </a:p>
+        </p:txBody>
+      </p:sp>
+      <mc:AlternateContent xmlns:mc="http://schemas.openxmlformats.org/markup-compatibility/2006" xmlns:a14="http://schemas.microsoft.com/office/drawing/2010/main">
+        <mc:Choice Requires="a14">
+          <p:sp>
+            <p:nvSpPr>
+              <p:cNvPr id="13" name="TextBox 12">
+                <a:extLst>
+                  <a:ext uri="{FF2B5EF4-FFF2-40B4-BE49-F238E27FC236}">
+                    <a16:creationId xmlns:a16="http://schemas.microsoft.com/office/drawing/2014/main" id="{8E14BF28-7753-814B-4A45-F6C00A45AE4A}"/>
+                  </a:ext>
+                </a:extLst>
+              </p:cNvPr>
+              <p:cNvSpPr txBox="1"/>
+              <p:nvPr/>
+            </p:nvSpPr>
+            <p:spPr>
+              <a:xfrm>
+                <a:off x="255953" y="990600"/>
+                <a:ext cx="12190047" cy="2423740"/>
+              </a:xfrm>
+              <a:prstGeom prst="rect">
+                <a:avLst/>
+              </a:prstGeom>
+              <a:noFill/>
+            </p:spPr>
+            <p:txBody>
+              <a:bodyPr wrap="square">
+                <a:spAutoFit/>
+              </a:bodyPr>
+              <a:lstStyle/>
+              <a:p>
+                <a:pPr marL="12065" marR="0" lvl="0" indent="0" defTabSz="914400" eaLnBrk="1" fontAlgn="auto" latinLnBrk="0" hangingPunct="1">
+                  <a:lnSpc>
+                    <a:spcPct val="100000"/>
+                  </a:lnSpc>
+                  <a:spcBef>
+                    <a:spcPts val="910"/>
+                  </a:spcBef>
+                  <a:spcAft>
+                    <a:spcPts val="0"/>
+                  </a:spcAft>
+                  <a:buClrTx/>
+                  <a:buSzTx/>
+                  <a:buFontTx/>
+                  <a:buNone/>
+                  <a:tabLst>
+                    <a:tab pos="335280" algn="l"/>
+                    <a:tab pos="335915" algn="l"/>
+                  </a:tabLst>
+                  <a:defRPr/>
+                </a:pPr>
+                <a:r>
+                  <a:rPr kumimoji="0" lang="en-US" altLang="ko-KR" sz="2400" b="1" i="0" u="none" strike="noStrike" kern="0" cap="none" spc="0" normalizeH="0" baseline="0" noProof="0">
+                    <a:ln>
+                      <a:noFill/>
+                    </a:ln>
+                    <a:solidFill>
+                      <a:sysClr val="windowText" lastClr="000000"/>
+                    </a:solidFill>
+                    <a:effectLst/>
+                    <a:uLnTx/>
+                    <a:uFillTx/>
+                    <a:latin typeface="Arial"/>
+                    <a:cs typeface="Arial"/>
+                  </a:rPr>
+                  <a:t>Policy Iteration</a:t>
+                </a:r>
+              </a:p>
+              <a:p>
+                <a:pPr marL="469265" marR="0" lvl="0" indent="-457200" defTabSz="914400" eaLnBrk="1" fontAlgn="auto" latinLnBrk="0" hangingPunct="1">
+                  <a:lnSpc>
+                    <a:spcPct val="100000"/>
+                  </a:lnSpc>
+                  <a:spcBef>
+                    <a:spcPts val="910"/>
+                  </a:spcBef>
+                  <a:spcAft>
+                    <a:spcPts val="0"/>
+                  </a:spcAft>
+                  <a:buClrTx/>
+                  <a:buSzTx/>
+                  <a:buAutoNum type="arabicParenR"/>
+                  <a:tabLst>
+                    <a:tab pos="335280" algn="l"/>
+                    <a:tab pos="335915" algn="l"/>
+                  </a:tabLst>
+                  <a:defRPr/>
+                </a:pPr>
+                <a:r>
+                  <a:rPr lang="en-US" altLang="ko-KR" sz="2100" b="1">
+                    <a:latin typeface="Arial"/>
+                    <a:cs typeface="Arial"/>
+                  </a:rPr>
+                  <a:t>Policy Evaluation</a:t>
+                </a:r>
+                <a:br>
+                  <a:rPr lang="en-US" altLang="ko-KR" sz="2100">
+                    <a:latin typeface="Arial"/>
+                    <a:cs typeface="Arial"/>
+                  </a:rPr>
+                </a:br>
+                <a:r>
+                  <a:rPr lang="en-US" altLang="ko-KR" sz="2100">
+                    <a:latin typeface="Arial"/>
+                    <a:cs typeface="Arial"/>
+                  </a:rPr>
+                  <a:t>-Given an arbitrary policy, we calculate value function </a:t>
+                </a:r>
+                <a14:m>
+                  <m:oMath xmlns:m="http://schemas.openxmlformats.org/officeDocument/2006/math">
+                    <m:r>
+                      <a:rPr lang="en-US" altLang="ko-KR" sz="2100" b="0" i="1" smtClean="0">
+                        <a:latin typeface="Cambria Math" panose="02040503050406030204" pitchFamily="18" charset="0"/>
+                        <a:cs typeface="Arial"/>
+                      </a:rPr>
+                      <m:t>𝑉</m:t>
+                    </m:r>
+                  </m:oMath>
+                </a14:m>
+                <a:r>
+                  <a:rPr lang="en-US" altLang="ko-KR" sz="2100">
+                    <a:latin typeface="Arial"/>
+                    <a:cs typeface="Arial"/>
+                  </a:rPr>
+                  <a:t> for </a:t>
+                </a:r>
+                <a:r>
+                  <a:rPr lang="en-US" altLang="ko-KR" sz="2100" b="1">
+                    <a:latin typeface="Arial"/>
+                    <a:cs typeface="Arial"/>
+                  </a:rPr>
+                  <a:t>all states </a:t>
+                </a:r>
+                <a:r>
+                  <a:rPr lang="en-US" altLang="ko-KR" sz="2100">
+                    <a:latin typeface="Arial"/>
+                    <a:cs typeface="Arial"/>
+                  </a:rPr>
+                  <a:t>under this policy. We iterate through each state and update V until it converges. </a:t>
+                </a:r>
+                <a:r>
+                  <a:rPr lang="en-US" altLang="ko-KR" sz="2100">
+                    <a:latin typeface="Arial"/>
+                    <a:cs typeface="Arial"/>
+                    <a:sym typeface="Wingdings" panose="05000000000000000000" pitchFamily="2" charset="2"/>
+                  </a:rPr>
+                  <a:t> We find true value function with iteration</a:t>
+                </a:r>
+                <a:endParaRPr lang="en-US" altLang="ko-KR" sz="2100">
+                  <a:latin typeface="Arial"/>
+                  <a:cs typeface="Arial"/>
+                </a:endParaRPr>
+              </a:p>
+              <a:p>
+                <a:pPr marL="469265" marR="0" lvl="0" indent="-457200" defTabSz="914400" eaLnBrk="1" fontAlgn="auto" latinLnBrk="0" hangingPunct="1">
+                  <a:lnSpc>
+                    <a:spcPct val="100000"/>
+                  </a:lnSpc>
+                  <a:spcBef>
+                    <a:spcPts val="910"/>
+                  </a:spcBef>
+                  <a:spcAft>
+                    <a:spcPts val="0"/>
+                  </a:spcAft>
+                  <a:buClrTx/>
+                  <a:buSzTx/>
+                  <a:buAutoNum type="arabicParenR"/>
+                  <a:tabLst>
+                    <a:tab pos="335280" algn="l"/>
+                    <a:tab pos="335915" algn="l"/>
+                  </a:tabLst>
+                  <a:defRPr/>
+                </a:pPr>
+                <a:endParaRPr lang="en-US" altLang="ko-KR" sz="2100">
+                  <a:latin typeface="Arial"/>
+                  <a:cs typeface="Arial"/>
+                </a:endParaRPr>
+              </a:p>
+              <a:p>
+                <a:pPr marL="354965" marR="0" lvl="0" indent="-342900" defTabSz="914400" eaLnBrk="1" fontAlgn="auto" latinLnBrk="0" hangingPunct="1">
+                  <a:lnSpc>
+                    <a:spcPct val="100000"/>
+                  </a:lnSpc>
+                  <a:spcBef>
+                    <a:spcPts val="910"/>
+                  </a:spcBef>
+                  <a:spcAft>
+                    <a:spcPts val="0"/>
+                  </a:spcAft>
+                  <a:buClrTx/>
+                  <a:buSzTx/>
+                  <a:buFontTx/>
+                  <a:buChar char="-"/>
+                  <a:tabLst>
+                    <a:tab pos="335280" algn="l"/>
+                    <a:tab pos="335915" algn="l"/>
+                  </a:tabLst>
+                  <a:defRPr/>
+                </a:pPr>
+                <a:endParaRPr lang="en-US" altLang="ko-KR" sz="2100">
+                  <a:latin typeface="Arial"/>
+                  <a:cs typeface="Arial"/>
+                </a:endParaRPr>
+              </a:p>
+            </p:txBody>
+          </p:sp>
+        </mc:Choice>
+        <mc:Fallback xmlns="">
+          <p:sp>
+            <p:nvSpPr>
+              <p:cNvPr id="13" name="TextBox 12">
+                <a:extLst>
+                  <a:ext uri="{FF2B5EF4-FFF2-40B4-BE49-F238E27FC236}">
+                    <a16:creationId xmlns:a16="http://schemas.microsoft.com/office/drawing/2014/main" id="{8E14BF28-7753-814B-4A45-F6C00A45AE4A}"/>
+                  </a:ext>
+                </a:extLst>
+              </p:cNvPr>
+              <p:cNvSpPr txBox="1">
+                <a:spLocks noRot="1" noChangeAspect="1" noMove="1" noResize="1" noEditPoints="1" noAdjustHandles="1" noChangeArrowheads="1" noChangeShapeType="1" noTextEdit="1"/>
+              </p:cNvSpPr>
+              <p:nvPr/>
+            </p:nvSpPr>
+            <p:spPr>
+              <a:xfrm>
+                <a:off x="255953" y="990600"/>
+                <a:ext cx="12190047" cy="2423740"/>
+              </a:xfrm>
+              <a:prstGeom prst="rect">
+                <a:avLst/>
+              </a:prstGeom>
+              <a:blipFill>
+                <a:blip r:embed="rId3"/>
+                <a:stretch>
+                  <a:fillRect l="-700" t="-1763" r="-900"/>
+                </a:stretch>
+              </a:blipFill>
+            </p:spPr>
+            <p:txBody>
+              <a:bodyPr/>
+              <a:lstStyle/>
+              <a:p>
+                <a:r>
+                  <a:rPr lang="ko-KR" altLang="en-US">
+                    <a:noFill/>
+                  </a:rPr>
+                  <a:t> </a:t>
+                </a:r>
+              </a:p>
+            </p:txBody>
+          </p:sp>
+        </mc:Fallback>
+      </mc:AlternateContent>
+      <p:pic>
+        <p:nvPicPr>
+          <p:cNvPr id="5" name="그림 4">
+            <a:extLst>
+              <a:ext uri="{FF2B5EF4-FFF2-40B4-BE49-F238E27FC236}">
+                <a16:creationId xmlns:a16="http://schemas.microsoft.com/office/drawing/2014/main" id="{4C9A7A65-5E47-26AF-2012-A866D62D3BD5}"/>
+              </a:ext>
+            </a:extLst>
+          </p:cNvPr>
+          <p:cNvPicPr>
+            <a:picLocks noChangeAspect="1"/>
+          </p:cNvPicPr>
+          <p:nvPr/>
+        </p:nvPicPr>
+        <p:blipFill>
+          <a:blip r:embed="rId4"/>
+          <a:stretch>
+            <a:fillRect/>
+          </a:stretch>
+        </p:blipFill>
+        <p:spPr>
+          <a:xfrm>
+            <a:off x="1854200" y="3414340"/>
+            <a:ext cx="9667875" cy="4981575"/>
+          </a:xfrm>
+          <a:prstGeom prst="rect">
+            <a:avLst/>
+          </a:prstGeom>
+        </p:spPr>
+      </p:pic>
+    </p:spTree>
+    <p:extLst>
+      <p:ext uri="{BB962C8B-B14F-4D97-AF65-F5344CB8AC3E}">
+        <p14:creationId xmlns:p14="http://schemas.microsoft.com/office/powerpoint/2010/main" val="732816766"/>
+      </p:ext>
+    </p:extLst>
+  </p:cSld>
+  <p:clrMapOvr>
+    <a:masterClrMapping/>
+  </p:clrMapOvr>
+</p:sld>
+</file>
+
 <file path=ppt/slides/slide9.xml><?xml version="1.0" encoding="utf-8"?>
 <p:sld xmlns:a="http://schemas.openxmlformats.org/drawingml/2006/main" xmlns:r="http://schemas.openxmlformats.org/officeDocument/2006/relationships" xmlns:p="http://schemas.openxmlformats.org/presentationml/2006/main">
   <p:cSld>
@@ -20683,10 +21498,10 @@
       </mc:AlternateContent>
       <p:pic>
         <p:nvPicPr>
-          <p:cNvPr id="5" name="그림 4">
+          <p:cNvPr id="4" name="그림 3">
             <a:extLst>
               <a:ext uri="{FF2B5EF4-FFF2-40B4-BE49-F238E27FC236}">
-                <a16:creationId xmlns:a16="http://schemas.microsoft.com/office/drawing/2014/main" id="{4C9A7A65-5E47-26AF-2012-A866D62D3BD5}"/>
+                <a16:creationId xmlns:a16="http://schemas.microsoft.com/office/drawing/2014/main" id="{F4932AD5-5503-1D38-B5F2-C5BD4867DFCC}"/>
               </a:ext>
             </a:extLst>
           </p:cNvPr>
@@ -20703,18 +21518,838 @@
         </p:blipFill>
         <p:spPr>
           <a:xfrm>
-            <a:off x="1854200" y="3414340"/>
-            <a:ext cx="9667875" cy="4981575"/>
+            <a:off x="2741955" y="7899508"/>
+            <a:ext cx="7258050" cy="923925"/>
           </a:xfrm>
           <a:prstGeom prst="rect">
             <a:avLst/>
           </a:prstGeom>
         </p:spPr>
       </p:pic>
+      <p:pic>
+        <p:nvPicPr>
+          <p:cNvPr id="10" name="그림 9">
+            <a:extLst>
+              <a:ext uri="{FF2B5EF4-FFF2-40B4-BE49-F238E27FC236}">
+                <a16:creationId xmlns:a16="http://schemas.microsoft.com/office/drawing/2014/main" id="{BF3D5990-7E96-CA09-121E-9BDDDA0C3578}"/>
+              </a:ext>
+            </a:extLst>
+          </p:cNvPr>
+          <p:cNvPicPr>
+            <a:picLocks noChangeAspect="1"/>
+          </p:cNvPicPr>
+          <p:nvPr/>
+        </p:nvPicPr>
+        <p:blipFill>
+          <a:blip r:embed="rId5"/>
+          <a:stretch>
+            <a:fillRect/>
+          </a:stretch>
+        </p:blipFill>
+        <p:spPr>
+          <a:xfrm>
+            <a:off x="255952" y="2608754"/>
+            <a:ext cx="7829550" cy="3581400"/>
+          </a:xfrm>
+          <a:prstGeom prst="rect">
+            <a:avLst/>
+          </a:prstGeom>
+        </p:spPr>
+      </p:pic>
+      <mc:AlternateContent xmlns:mc="http://schemas.openxmlformats.org/markup-compatibility/2006" xmlns:a14="http://schemas.microsoft.com/office/drawing/2010/main">
+        <mc:Choice Requires="a14">
+          <p:sp>
+            <p:nvSpPr>
+              <p:cNvPr id="15" name="TextBox 14">
+                <a:extLst>
+                  <a:ext uri="{FF2B5EF4-FFF2-40B4-BE49-F238E27FC236}">
+                    <a16:creationId xmlns:a16="http://schemas.microsoft.com/office/drawing/2014/main" id="{756E69E4-AAE1-8AC5-EA79-1B00D78DD749}"/>
+                  </a:ext>
+                </a:extLst>
+              </p:cNvPr>
+              <p:cNvSpPr txBox="1"/>
+              <p:nvPr/>
+            </p:nvSpPr>
+            <p:spPr>
+              <a:xfrm>
+                <a:off x="255952" y="6313861"/>
+                <a:ext cx="12342447" cy="2262158"/>
+              </a:xfrm>
+              <a:prstGeom prst="rect">
+                <a:avLst/>
+              </a:prstGeom>
+              <a:noFill/>
+            </p:spPr>
+            <p:txBody>
+              <a:bodyPr wrap="square">
+                <a:spAutoFit/>
+              </a:bodyPr>
+              <a:lstStyle/>
+              <a:p>
+                <a:pPr marL="469265" marR="0" lvl="0" indent="-457200" defTabSz="914400" eaLnBrk="1" fontAlgn="auto" latinLnBrk="0" hangingPunct="1">
+                  <a:lnSpc>
+                    <a:spcPct val="100000"/>
+                  </a:lnSpc>
+                  <a:spcBef>
+                    <a:spcPts val="910"/>
+                  </a:spcBef>
+                  <a:spcAft>
+                    <a:spcPts val="0"/>
+                  </a:spcAft>
+                  <a:buClrTx/>
+                  <a:buSzTx/>
+                  <a:buFont typeface="+mj-lt"/>
+                  <a:buAutoNum type="arabicParenR" startAt="2"/>
+                  <a:tabLst>
+                    <a:tab pos="335280" algn="l"/>
+                    <a:tab pos="335915" algn="l"/>
+                  </a:tabLst>
+                  <a:defRPr/>
+                </a:pPr>
+                <a:r>
+                  <a:rPr kumimoji="0" lang="en-US" altLang="ko-KR" sz="2100" b="1" i="0" u="none" strike="noStrike" kern="0" cap="none" spc="0" normalizeH="0" baseline="0" noProof="0">
+                    <a:ln>
+                      <a:noFill/>
+                    </a:ln>
+                    <a:solidFill>
+                      <a:sysClr val="windowText" lastClr="000000"/>
+                    </a:solidFill>
+                    <a:effectLst/>
+                    <a:uLnTx/>
+                    <a:uFillTx/>
+                    <a:latin typeface="Arial"/>
+                    <a:cs typeface="Arial"/>
+                  </a:rPr>
+                  <a:t>Policy Improvement</a:t>
+                </a:r>
+                <a:br>
+                  <a:rPr kumimoji="0" lang="en-US" altLang="ko-KR" sz="2100" b="0" i="0" u="none" strike="noStrike" kern="0" cap="none" spc="0" normalizeH="0" baseline="0" noProof="0">
+                    <a:ln>
+                      <a:noFill/>
+                    </a:ln>
+                    <a:solidFill>
+                      <a:sysClr val="windowText" lastClr="000000"/>
+                    </a:solidFill>
+                    <a:effectLst/>
+                    <a:uLnTx/>
+                    <a:uFillTx/>
+                    <a:latin typeface="Arial"/>
+                    <a:cs typeface="Arial"/>
+                  </a:rPr>
+                </a:br>
+                <a:r>
+                  <a:rPr kumimoji="0" lang="en-US" altLang="ko-KR" sz="2100" b="0" i="0" u="none" strike="noStrike" kern="0" cap="none" spc="0" normalizeH="0" baseline="0" noProof="0">
+                    <a:ln>
+                      <a:noFill/>
+                    </a:ln>
+                    <a:solidFill>
+                      <a:sysClr val="windowText" lastClr="000000"/>
+                    </a:solidFill>
+                    <a:effectLst/>
+                    <a:uLnTx/>
+                    <a:uFillTx/>
+                    <a:latin typeface="Arial"/>
+                    <a:cs typeface="Arial"/>
+                  </a:rPr>
+                  <a:t>-For each state, we choose the action that gives the highest expected return using </a:t>
+                </a:r>
+                <a14:m>
+                  <m:oMath xmlns:m="http://schemas.openxmlformats.org/officeDocument/2006/math">
+                    <m:r>
+                      <a:rPr kumimoji="0" lang="en-US" altLang="ko-KR" sz="2100" b="0" i="1" u="none" strike="noStrike" kern="0" cap="none" spc="0" normalizeH="0" baseline="0" noProof="0" smtClean="0">
+                        <a:ln>
+                          <a:noFill/>
+                        </a:ln>
+                        <a:solidFill>
+                          <a:sysClr val="windowText" lastClr="000000"/>
+                        </a:solidFill>
+                        <a:effectLst/>
+                        <a:uLnTx/>
+                        <a:uFillTx/>
+                        <a:latin typeface="Cambria Math" panose="02040503050406030204" pitchFamily="18" charset="0"/>
+                        <a:cs typeface="Arial"/>
+                      </a:rPr>
+                      <m:t>𝑉</m:t>
+                    </m:r>
+                  </m:oMath>
+                </a14:m>
+                <a:r>
+                  <a:rPr kumimoji="0" lang="en-US" altLang="ko-KR" sz="2100" b="0" i="0" u="none" strike="noStrike" kern="0" cap="none" spc="0" normalizeH="0" baseline="0" noProof="0">
+                    <a:ln>
+                      <a:noFill/>
+                    </a:ln>
+                    <a:solidFill>
+                      <a:sysClr val="windowText" lastClr="000000"/>
+                    </a:solidFill>
+                    <a:effectLst/>
+                    <a:uLnTx/>
+                    <a:uFillTx/>
+                    <a:latin typeface="Arial"/>
+                    <a:cs typeface="Arial"/>
+                  </a:rPr>
+                  <a:t>. If this results in an improved policy, we repeat the process with the new policy.</a:t>
+                </a:r>
+                <a:br>
+                  <a:rPr kumimoji="0" lang="en-US" altLang="ko-KR" sz="2100" b="0" i="0" u="none" strike="noStrike" kern="0" cap="none" spc="0" normalizeH="0" baseline="0" noProof="0">
+                    <a:ln>
+                      <a:noFill/>
+                    </a:ln>
+                    <a:solidFill>
+                      <a:sysClr val="windowText" lastClr="000000"/>
+                    </a:solidFill>
+                    <a:effectLst/>
+                    <a:uLnTx/>
+                    <a:uFillTx/>
+                    <a:latin typeface="Arial"/>
+                    <a:cs typeface="Arial"/>
+                  </a:rPr>
+                </a:br>
+                <a:r>
+                  <a:rPr kumimoji="0" lang="en-US" altLang="ko-KR" sz="2100" b="0" i="0" u="none" strike="noStrike" kern="0" cap="none" spc="0" normalizeH="0" baseline="0" noProof="0">
+                    <a:ln>
+                      <a:noFill/>
+                    </a:ln>
+                    <a:solidFill>
+                      <a:sysClr val="windowText" lastClr="000000"/>
+                    </a:solidFill>
+                    <a:effectLst/>
+                    <a:uLnTx/>
+                    <a:uFillTx/>
+                    <a:latin typeface="Arial"/>
+                    <a:cs typeface="Arial"/>
+                  </a:rPr>
+                  <a:t>-Greedy policy improvement (pick</a:t>
+                </a:r>
+                <a:r>
+                  <a:rPr kumimoji="0" lang="en-US" altLang="ko-KR" sz="2100" b="0" i="0" u="none" strike="noStrike" kern="0" cap="none" spc="0" normalizeH="0" noProof="0">
+                    <a:ln>
+                      <a:noFill/>
+                    </a:ln>
+                    <a:solidFill>
+                      <a:sysClr val="windowText" lastClr="000000"/>
+                    </a:solidFill>
+                    <a:effectLst/>
+                    <a:uLnTx/>
+                    <a:uFillTx/>
+                    <a:latin typeface="Arial"/>
+                    <a:cs typeface="Arial"/>
+                  </a:rPr>
+                  <a:t> next state with max value)</a:t>
+                </a:r>
+                <a:endParaRPr kumimoji="0" lang="en-US" altLang="ko-KR" sz="2100" b="0" i="0" u="none" strike="noStrike" kern="0" cap="none" spc="0" normalizeH="0" baseline="0" noProof="0">
+                  <a:ln>
+                    <a:noFill/>
+                  </a:ln>
+                  <a:solidFill>
+                    <a:sysClr val="windowText" lastClr="000000"/>
+                  </a:solidFill>
+                  <a:effectLst/>
+                  <a:uLnTx/>
+                  <a:uFillTx/>
+                  <a:latin typeface="Arial"/>
+                  <a:cs typeface="Arial"/>
+                </a:endParaRPr>
+              </a:p>
+              <a:p>
+                <a:pPr marL="469265" marR="0" lvl="0" indent="-457200" defTabSz="914400" eaLnBrk="1" fontAlgn="auto" latinLnBrk="0" hangingPunct="1">
+                  <a:lnSpc>
+                    <a:spcPct val="100000"/>
+                  </a:lnSpc>
+                  <a:spcBef>
+                    <a:spcPts val="910"/>
+                  </a:spcBef>
+                  <a:spcAft>
+                    <a:spcPts val="0"/>
+                  </a:spcAft>
+                  <a:buClrTx/>
+                  <a:buSzTx/>
+                  <a:buFontTx/>
+                  <a:buAutoNum type="arabicParenR" startAt="2"/>
+                  <a:tabLst>
+                    <a:tab pos="335280" algn="l"/>
+                    <a:tab pos="335915" algn="l"/>
+                  </a:tabLst>
+                  <a:defRPr/>
+                </a:pPr>
+                <a:endParaRPr kumimoji="0" lang="en-US" altLang="ko-KR" sz="2100" b="0" i="0" u="none" strike="noStrike" kern="0" cap="none" spc="0" normalizeH="0" baseline="0" noProof="0">
+                  <a:ln>
+                    <a:noFill/>
+                  </a:ln>
+                  <a:solidFill>
+                    <a:sysClr val="windowText" lastClr="000000"/>
+                  </a:solidFill>
+                  <a:effectLst/>
+                  <a:uLnTx/>
+                  <a:uFillTx/>
+                  <a:latin typeface="Arial"/>
+                  <a:cs typeface="Arial"/>
+                </a:endParaRPr>
+              </a:p>
+              <a:p>
+                <a:pPr marL="354965" marR="0" lvl="0" indent="-342900" defTabSz="914400" eaLnBrk="1" fontAlgn="auto" latinLnBrk="0" hangingPunct="1">
+                  <a:lnSpc>
+                    <a:spcPct val="100000"/>
+                  </a:lnSpc>
+                  <a:spcBef>
+                    <a:spcPts val="910"/>
+                  </a:spcBef>
+                  <a:spcAft>
+                    <a:spcPts val="0"/>
+                  </a:spcAft>
+                  <a:buClrTx/>
+                  <a:buSzTx/>
+                  <a:buFontTx/>
+                  <a:buChar char="-"/>
+                  <a:tabLst>
+                    <a:tab pos="335280" algn="l"/>
+                    <a:tab pos="335915" algn="l"/>
+                  </a:tabLst>
+                  <a:defRPr/>
+                </a:pPr>
+                <a:endParaRPr kumimoji="0" lang="en-US" altLang="ko-KR" sz="2100" b="0" i="0" u="none" strike="noStrike" kern="0" cap="none" spc="0" normalizeH="0" baseline="0" noProof="0">
+                  <a:ln>
+                    <a:noFill/>
+                  </a:ln>
+                  <a:solidFill>
+                    <a:sysClr val="windowText" lastClr="000000"/>
+                  </a:solidFill>
+                  <a:effectLst/>
+                  <a:uLnTx/>
+                  <a:uFillTx/>
+                  <a:latin typeface="Arial"/>
+                  <a:cs typeface="Arial"/>
+                </a:endParaRPr>
+              </a:p>
+            </p:txBody>
+          </p:sp>
+        </mc:Choice>
+        <mc:Fallback xmlns="">
+          <p:sp>
+            <p:nvSpPr>
+              <p:cNvPr id="15" name="TextBox 14">
+                <a:extLst>
+                  <a:ext uri="{FF2B5EF4-FFF2-40B4-BE49-F238E27FC236}">
+                    <a16:creationId xmlns:a16="http://schemas.microsoft.com/office/drawing/2014/main" id="{756E69E4-AAE1-8AC5-EA79-1B00D78DD749}"/>
+                  </a:ext>
+                </a:extLst>
+              </p:cNvPr>
+              <p:cNvSpPr txBox="1">
+                <a:spLocks noRot="1" noChangeAspect="1" noMove="1" noResize="1" noEditPoints="1" noAdjustHandles="1" noChangeArrowheads="1" noChangeShapeType="1" noTextEdit="1"/>
+              </p:cNvSpPr>
+              <p:nvPr/>
+            </p:nvSpPr>
+            <p:spPr>
+              <a:xfrm>
+                <a:off x="255952" y="6313861"/>
+                <a:ext cx="12342447" cy="2262158"/>
+              </a:xfrm>
+              <a:prstGeom prst="rect">
+                <a:avLst/>
+              </a:prstGeom>
+              <a:blipFill>
+                <a:blip r:embed="rId6"/>
+                <a:stretch>
+                  <a:fillRect l="-395" t="-1887" r="-148"/>
+                </a:stretch>
+              </a:blipFill>
+            </p:spPr>
+            <p:txBody>
+              <a:bodyPr/>
+              <a:lstStyle/>
+              <a:p>
+                <a:r>
+                  <a:rPr lang="ko-KR" altLang="en-US">
+                    <a:noFill/>
+                  </a:rPr>
+                  <a:t> </a:t>
+                </a:r>
+              </a:p>
+            </p:txBody>
+          </p:sp>
+        </mc:Fallback>
+      </mc:AlternateContent>
+      <p:sp>
+        <p:nvSpPr>
+          <p:cNvPr id="17" name="TextBox 16">
+            <a:extLst>
+              <a:ext uri="{FF2B5EF4-FFF2-40B4-BE49-F238E27FC236}">
+                <a16:creationId xmlns:a16="http://schemas.microsoft.com/office/drawing/2014/main" id="{AD1BAEA7-8F04-96E4-A76A-7B7513EE7285}"/>
+              </a:ext>
+            </a:extLst>
+          </p:cNvPr>
+          <p:cNvSpPr txBox="1"/>
+          <p:nvPr/>
+        </p:nvSpPr>
+        <p:spPr>
+          <a:xfrm>
+            <a:off x="2528887" y="9070848"/>
+            <a:ext cx="8156575" cy="400110"/>
+          </a:xfrm>
+          <a:prstGeom prst="rect">
+            <a:avLst/>
+          </a:prstGeom>
+          <a:noFill/>
+        </p:spPr>
+        <p:txBody>
+          <a:bodyPr wrap="square">
+            <a:spAutoFit/>
+          </a:bodyPr>
+          <a:lstStyle/>
+          <a:p>
+            <a:r>
+              <a:rPr lang="en-US" altLang="ko-KR" sz="2000">
+                <a:latin typeface="Arial"/>
+                <a:cs typeface="Arial"/>
+              </a:rPr>
+              <a:t>We repeat the process of Evaluation </a:t>
+            </a:r>
+            <a:r>
+              <a:rPr lang="en-US" altLang="ko-KR" sz="2000">
+                <a:latin typeface="Arial"/>
+                <a:cs typeface="Arial"/>
+                <a:sym typeface="Wingdings" panose="05000000000000000000" pitchFamily="2" charset="2"/>
+              </a:rPr>
+              <a:t> Improvement  Evaluation ….</a:t>
+            </a:r>
+            <a:endParaRPr lang="ko-KR" altLang="en-US" sz="2000"/>
+          </a:p>
+        </p:txBody>
+      </p:sp>
+      <mc:AlternateContent xmlns:mc="http://schemas.openxmlformats.org/markup-compatibility/2006" xmlns:a14="http://schemas.microsoft.com/office/drawing/2010/main">
+        <mc:Choice Requires="a14">
+          <p:sp>
+            <p:nvSpPr>
+              <p:cNvPr id="19" name="TextBox 18">
+                <a:extLst>
+                  <a:ext uri="{FF2B5EF4-FFF2-40B4-BE49-F238E27FC236}">
+                    <a16:creationId xmlns:a16="http://schemas.microsoft.com/office/drawing/2014/main" id="{7F682645-335B-B32A-8069-3C1E55A9DA03}"/>
+                  </a:ext>
+                </a:extLst>
+              </p:cNvPr>
+              <p:cNvSpPr txBox="1"/>
+              <p:nvPr/>
+            </p:nvSpPr>
+            <p:spPr>
+              <a:xfrm>
+                <a:off x="7077930" y="3661755"/>
+                <a:ext cx="5952270" cy="896592"/>
+              </a:xfrm>
+              <a:prstGeom prst="rect">
+                <a:avLst/>
+              </a:prstGeom>
+              <a:noFill/>
+            </p:spPr>
+            <p:txBody>
+              <a:bodyPr wrap="none" lIns="0" tIns="0" rIns="0" bIns="0" rtlCol="0">
+                <a:spAutoFit/>
+              </a:bodyPr>
+              <a:lstStyle/>
+              <a:p>
+                <a:pPr/>
+                <a14:m>
+                  <m:oMathPara xmlns:m="http://schemas.openxmlformats.org/officeDocument/2006/math">
+                    <m:oMathParaPr>
+                      <m:jc m:val="centerGroup"/>
+                    </m:oMathParaPr>
+                    <m:oMath xmlns:m="http://schemas.openxmlformats.org/officeDocument/2006/math">
+                      <m:sSub>
+                        <m:sSubPr>
+                          <m:ctrlPr>
+                            <a:rPr lang="en-US" altLang="ko-KR" sz="2400" b="0" i="1" smtClean="0">
+                              <a:latin typeface="Cambria Math" panose="02040503050406030204" pitchFamily="18" charset="0"/>
+                            </a:rPr>
+                          </m:ctrlPr>
+                        </m:sSubPr>
+                        <m:e>
+                          <m:r>
+                            <a:rPr lang="en-US" altLang="ko-KR" sz="2400" b="0" i="1" smtClean="0">
+                              <a:latin typeface="Cambria Math" panose="02040503050406030204" pitchFamily="18" charset="0"/>
+                            </a:rPr>
+                            <m:t>𝑉</m:t>
+                          </m:r>
+                        </m:e>
+                        <m:sub>
+                          <m:r>
+                            <a:rPr lang="en-US" altLang="ko-KR" sz="2400" b="0" i="1" smtClean="0">
+                              <a:latin typeface="Cambria Math" panose="02040503050406030204" pitchFamily="18" charset="0"/>
+                            </a:rPr>
+                            <m:t>𝑘</m:t>
+                          </m:r>
+                          <m:r>
+                            <a:rPr lang="en-US" altLang="ko-KR" sz="2400" b="0" i="1" smtClean="0">
+                              <a:latin typeface="Cambria Math" panose="02040503050406030204" pitchFamily="18" charset="0"/>
+                            </a:rPr>
+                            <m:t>+1</m:t>
+                          </m:r>
+                        </m:sub>
+                      </m:sSub>
+                      <m:d>
+                        <m:dPr>
+                          <m:ctrlPr>
+                            <a:rPr lang="en-US" altLang="ko-KR" sz="2400" b="0" i="1" smtClean="0">
+                              <a:latin typeface="Cambria Math" panose="02040503050406030204" pitchFamily="18" charset="0"/>
+                            </a:rPr>
+                          </m:ctrlPr>
+                        </m:dPr>
+                        <m:e>
+                          <m:r>
+                            <a:rPr lang="en-US" altLang="ko-KR" sz="2400" b="0" i="1" smtClean="0">
+                              <a:latin typeface="Cambria Math" panose="02040503050406030204" pitchFamily="18" charset="0"/>
+                            </a:rPr>
+                            <m:t>𝑠</m:t>
+                          </m:r>
+                        </m:e>
+                      </m:d>
+                      <m:r>
+                        <a:rPr lang="en-US" altLang="ko-KR" sz="2400" b="0" i="1" smtClean="0">
+                          <a:latin typeface="Cambria Math" panose="02040503050406030204" pitchFamily="18" charset="0"/>
+                        </a:rPr>
+                        <m:t>=</m:t>
+                      </m:r>
+                      <m:nary>
+                        <m:naryPr>
+                          <m:chr m:val="∑"/>
+                          <m:supHide m:val="on"/>
+                          <m:ctrlPr>
+                            <a:rPr lang="en-US" altLang="ko-KR" sz="2400" b="0" i="1" smtClean="0">
+                              <a:latin typeface="Cambria Math" panose="02040503050406030204" pitchFamily="18" charset="0"/>
+                            </a:rPr>
+                          </m:ctrlPr>
+                        </m:naryPr>
+                        <m:sub>
+                          <m:r>
+                            <m:rPr>
+                              <m:brk m:alnAt="7"/>
+                            </m:rPr>
+                            <a:rPr lang="en-US" altLang="ko-KR" sz="2400" b="0" i="1" smtClean="0">
+                              <a:latin typeface="Cambria Math" panose="02040503050406030204" pitchFamily="18" charset="0"/>
+                            </a:rPr>
+                            <m:t>𝑎</m:t>
+                          </m:r>
+                          <m:r>
+                            <a:rPr lang="en-US" altLang="ko-KR" sz="2400" b="0" i="1" smtClean="0">
+                              <a:latin typeface="Cambria Math" panose="02040503050406030204" pitchFamily="18" charset="0"/>
+                            </a:rPr>
+                            <m:t>∈</m:t>
+                          </m:r>
+                          <m:r>
+                            <a:rPr lang="en-US" altLang="ko-KR" sz="2400" b="0" i="1" smtClean="0">
+                              <a:latin typeface="Cambria Math" panose="02040503050406030204" pitchFamily="18" charset="0"/>
+                            </a:rPr>
+                            <m:t>𝐴</m:t>
+                          </m:r>
+                        </m:sub>
+                        <m:sup/>
+                        <m:e>
+                          <m:r>
+                            <a:rPr lang="en-US" altLang="ko-KR" sz="2400" b="0" i="1" smtClean="0">
+                              <a:latin typeface="Cambria Math" panose="02040503050406030204" pitchFamily="18" charset="0"/>
+                            </a:rPr>
+                            <m:t>𝜋</m:t>
+                          </m:r>
+                          <m:r>
+                            <a:rPr lang="en-US" altLang="ko-KR" sz="2400" b="0" i="1" smtClean="0">
+                              <a:latin typeface="Cambria Math" panose="02040503050406030204" pitchFamily="18" charset="0"/>
+                            </a:rPr>
+                            <m:t>(</m:t>
+                          </m:r>
+                          <m:r>
+                            <a:rPr lang="en-US" altLang="ko-KR" sz="2400" b="0" i="1" smtClean="0">
+                              <a:latin typeface="Cambria Math" panose="02040503050406030204" pitchFamily="18" charset="0"/>
+                            </a:rPr>
+                            <m:t>𝑎</m:t>
+                          </m:r>
+                          <m:r>
+                            <a:rPr lang="en-US" altLang="ko-KR" sz="2400" b="0" i="1" smtClean="0">
+                              <a:latin typeface="Cambria Math" panose="02040503050406030204" pitchFamily="18" charset="0"/>
+                            </a:rPr>
+                            <m:t>|</m:t>
+                          </m:r>
+                          <m:r>
+                            <a:rPr lang="en-US" altLang="ko-KR" sz="2400" b="0" i="1" smtClean="0">
+                              <a:latin typeface="Cambria Math" panose="02040503050406030204" pitchFamily="18" charset="0"/>
+                            </a:rPr>
+                            <m:t>𝑠</m:t>
+                          </m:r>
+                          <m:r>
+                            <a:rPr lang="en-US" altLang="ko-KR" sz="2400" b="0" i="1" smtClean="0">
+                              <a:latin typeface="Cambria Math" panose="02040503050406030204" pitchFamily="18" charset="0"/>
+                            </a:rPr>
+                            <m:t>)(</m:t>
+                          </m:r>
+                          <m:sSubSup>
+                            <m:sSubSupPr>
+                              <m:ctrlPr>
+                                <a:rPr lang="en-US" altLang="ko-KR" sz="2400" b="0" i="1" smtClean="0">
+                                  <a:latin typeface="Cambria Math" panose="02040503050406030204" pitchFamily="18" charset="0"/>
+                                </a:rPr>
+                              </m:ctrlPr>
+                            </m:sSubSupPr>
+                            <m:e>
+                              <m:r>
+                                <a:rPr lang="en-US" altLang="ko-KR" sz="2400" b="0" i="1" smtClean="0">
+                                  <a:latin typeface="Cambria Math" panose="02040503050406030204" pitchFamily="18" charset="0"/>
+                                </a:rPr>
+                                <m:t>𝑅</m:t>
+                              </m:r>
+                            </m:e>
+                            <m:sub>
+                              <m:r>
+                                <a:rPr lang="en-US" altLang="ko-KR" sz="2400" b="0" i="1" smtClean="0">
+                                  <a:latin typeface="Cambria Math" panose="02040503050406030204" pitchFamily="18" charset="0"/>
+                                </a:rPr>
+                                <m:t>𝑠</m:t>
+                              </m:r>
+                            </m:sub>
+                            <m:sup>
+                              <m:r>
+                                <a:rPr lang="en-US" altLang="ko-KR" sz="2400" b="0" i="1" smtClean="0">
+                                  <a:latin typeface="Cambria Math" panose="02040503050406030204" pitchFamily="18" charset="0"/>
+                                </a:rPr>
+                                <m:t>𝑎</m:t>
+                              </m:r>
+                            </m:sup>
+                          </m:sSubSup>
+                          <m:r>
+                            <a:rPr lang="en-US" altLang="ko-KR" sz="2400" b="0" i="1" smtClean="0">
+                              <a:latin typeface="Cambria Math" panose="02040503050406030204" pitchFamily="18" charset="0"/>
+                            </a:rPr>
+                            <m:t>+</m:t>
+                          </m:r>
+                          <m:r>
+                            <a:rPr lang="en-US" altLang="ko-KR" sz="2400" b="0" i="1" smtClean="0">
+                              <a:latin typeface="Cambria Math" panose="02040503050406030204" pitchFamily="18" charset="0"/>
+                            </a:rPr>
+                            <m:t>𝛾</m:t>
+                          </m:r>
+                          <m:nary>
+                            <m:naryPr>
+                              <m:chr m:val="∑"/>
+                              <m:supHide m:val="on"/>
+                              <m:ctrlPr>
+                                <a:rPr lang="en-US" altLang="ko-KR" sz="2400" b="0" i="1" smtClean="0">
+                                  <a:latin typeface="Cambria Math" panose="02040503050406030204" pitchFamily="18" charset="0"/>
+                                </a:rPr>
+                              </m:ctrlPr>
+                            </m:naryPr>
+                            <m:sub>
+                              <m:r>
+                                <m:rPr>
+                                  <m:brk m:alnAt="7"/>
+                                </m:rPr>
+                                <a:rPr lang="en-US" altLang="ko-KR" sz="2400" b="0" i="1" smtClean="0">
+                                  <a:latin typeface="Cambria Math" panose="02040503050406030204" pitchFamily="18" charset="0"/>
+                                </a:rPr>
+                                <m:t>𝑠</m:t>
+                              </m:r>
+                              <m:r>
+                                <a:rPr lang="en-US" altLang="ko-KR" sz="2400" b="0" i="1" smtClean="0">
+                                  <a:latin typeface="Cambria Math" panose="02040503050406030204" pitchFamily="18" charset="0"/>
+                                </a:rPr>
+                                <m:t>∈</m:t>
+                              </m:r>
+                              <m:r>
+                                <a:rPr lang="en-US" altLang="ko-KR" sz="2400" b="0" i="1" smtClean="0">
+                                  <a:latin typeface="Cambria Math" panose="02040503050406030204" pitchFamily="18" charset="0"/>
+                                </a:rPr>
+                                <m:t>𝑆</m:t>
+                              </m:r>
+                            </m:sub>
+                            <m:sup/>
+                            <m:e>
+                              <m:r>
+                                <a:rPr lang="en-US" altLang="ko-KR" sz="2400" b="0" i="1" smtClean="0">
+                                  <a:latin typeface="Cambria Math" panose="02040503050406030204" pitchFamily="18" charset="0"/>
+                                </a:rPr>
+                                <m:t>𝑃</m:t>
+                              </m:r>
+                              <m:sSubSup>
+                                <m:sSubSupPr>
+                                  <m:ctrlPr>
+                                    <a:rPr lang="en-US" altLang="ko-KR" sz="2400" b="0" i="1" smtClean="0">
+                                      <a:latin typeface="Cambria Math" panose="02040503050406030204" pitchFamily="18" charset="0"/>
+                                    </a:rPr>
+                                  </m:ctrlPr>
+                                </m:sSubSupPr>
+                                <m:e>
+                                  <m:r>
+                                    <a:rPr lang="en-US" altLang="ko-KR" sz="2400" b="0" i="1" smtClean="0">
+                                      <a:latin typeface="Cambria Math" panose="02040503050406030204" pitchFamily="18" charset="0"/>
+                                    </a:rPr>
+                                    <m:t>𝑟</m:t>
+                                  </m:r>
+                                </m:e>
+                                <m:sub>
+                                  <m:r>
+                                    <a:rPr lang="en-US" altLang="ko-KR" sz="2400" b="0" i="1" smtClean="0">
+                                      <a:latin typeface="Cambria Math" panose="02040503050406030204" pitchFamily="18" charset="0"/>
+                                    </a:rPr>
+                                    <m:t>𝑠</m:t>
+                                  </m:r>
+                                  <m:sSup>
+                                    <m:sSupPr>
+                                      <m:ctrlPr>
+                                        <a:rPr lang="en-US" altLang="ko-KR" sz="2400" b="0" i="1" smtClean="0">
+                                          <a:latin typeface="Cambria Math" panose="02040503050406030204" pitchFamily="18" charset="0"/>
+                                        </a:rPr>
+                                      </m:ctrlPr>
+                                    </m:sSupPr>
+                                    <m:e>
+                                      <m:r>
+                                        <a:rPr lang="en-US" altLang="ko-KR" sz="2400" b="0" i="1" smtClean="0">
+                                          <a:latin typeface="Cambria Math" panose="02040503050406030204" pitchFamily="18" charset="0"/>
+                                        </a:rPr>
+                                        <m:t>𝑠</m:t>
+                                      </m:r>
+                                    </m:e>
+                                    <m:sup>
+                                      <m:r>
+                                        <a:rPr lang="en-US" altLang="ko-KR" sz="2400" b="0" i="1" smtClean="0">
+                                          <a:latin typeface="Cambria Math" panose="02040503050406030204" pitchFamily="18" charset="0"/>
+                                        </a:rPr>
+                                        <m:t>′</m:t>
+                                      </m:r>
+                                    </m:sup>
+                                  </m:sSup>
+                                </m:sub>
+                                <m:sup>
+                                  <m:r>
+                                    <a:rPr lang="en-US" altLang="ko-KR" sz="2400" b="0" i="1" smtClean="0">
+                                      <a:latin typeface="Cambria Math" panose="02040503050406030204" pitchFamily="18" charset="0"/>
+                                    </a:rPr>
+                                    <m:t>𝑎</m:t>
+                                  </m:r>
+                                </m:sup>
+                              </m:sSubSup>
+                              <m:sSub>
+                                <m:sSubPr>
+                                  <m:ctrlPr>
+                                    <a:rPr lang="en-US" altLang="ko-KR" sz="2400" b="0" i="1" smtClean="0">
+                                      <a:latin typeface="Cambria Math" panose="02040503050406030204" pitchFamily="18" charset="0"/>
+                                    </a:rPr>
+                                  </m:ctrlPr>
+                                </m:sSubPr>
+                                <m:e>
+                                  <m:r>
+                                    <a:rPr lang="en-US" altLang="ko-KR" sz="2400" b="0" i="1" smtClean="0">
+                                      <a:latin typeface="Cambria Math" panose="02040503050406030204" pitchFamily="18" charset="0"/>
+                                    </a:rPr>
+                                    <m:t>𝑉</m:t>
+                                  </m:r>
+                                </m:e>
+                                <m:sub>
+                                  <m:r>
+                                    <a:rPr lang="en-US" altLang="ko-KR" sz="2400" b="0" i="1" smtClean="0">
+                                      <a:latin typeface="Cambria Math" panose="02040503050406030204" pitchFamily="18" charset="0"/>
+                                    </a:rPr>
+                                    <m:t>𝜋</m:t>
+                                  </m:r>
+                                </m:sub>
+                              </m:sSub>
+                              <m:r>
+                                <a:rPr lang="en-US" altLang="ko-KR" sz="2400" b="0" i="1" smtClean="0">
+                                  <a:latin typeface="Cambria Math" panose="02040503050406030204" pitchFamily="18" charset="0"/>
+                                </a:rPr>
+                                <m:t>(</m:t>
+                              </m:r>
+                              <m:sSup>
+                                <m:sSupPr>
+                                  <m:ctrlPr>
+                                    <a:rPr lang="en-US" altLang="ko-KR" sz="2400" b="0" i="1" smtClean="0">
+                                      <a:latin typeface="Cambria Math" panose="02040503050406030204" pitchFamily="18" charset="0"/>
+                                    </a:rPr>
+                                  </m:ctrlPr>
+                                </m:sSupPr>
+                                <m:e>
+                                  <m:r>
+                                    <a:rPr lang="en-US" altLang="ko-KR" sz="2400" b="0" i="1" smtClean="0">
+                                      <a:latin typeface="Cambria Math" panose="02040503050406030204" pitchFamily="18" charset="0"/>
+                                    </a:rPr>
+                                    <m:t>𝑠</m:t>
+                                  </m:r>
+                                </m:e>
+                                <m:sup>
+                                  <m:r>
+                                    <a:rPr lang="en-US" altLang="ko-KR" sz="2400" b="0" i="1" smtClean="0">
+                                      <a:latin typeface="Cambria Math" panose="02040503050406030204" pitchFamily="18" charset="0"/>
+                                    </a:rPr>
+                                    <m:t>′</m:t>
+                                  </m:r>
+                                </m:sup>
+                              </m:sSup>
+                              <m:r>
+                                <a:rPr lang="en-US" altLang="ko-KR" sz="2400" b="0" i="1" smtClean="0">
+                                  <a:latin typeface="Cambria Math" panose="02040503050406030204" pitchFamily="18" charset="0"/>
+                                </a:rPr>
+                                <m:t>)</m:t>
+                              </m:r>
+                            </m:e>
+                          </m:nary>
+                          <m:r>
+                            <a:rPr lang="en-US" altLang="ko-KR" sz="2400" b="0" i="1" smtClean="0">
+                              <a:latin typeface="Cambria Math" panose="02040503050406030204" pitchFamily="18" charset="0"/>
+                            </a:rPr>
+                            <m:t>)</m:t>
+                          </m:r>
+                        </m:e>
+                      </m:nary>
+                    </m:oMath>
+                  </m:oMathPara>
+                </a14:m>
+                <a:endParaRPr lang="ko-KR" altLang="en-US" sz="2400"/>
+              </a:p>
+            </p:txBody>
+          </p:sp>
+        </mc:Choice>
+        <mc:Fallback xmlns="">
+          <p:sp>
+            <p:nvSpPr>
+              <p:cNvPr id="19" name="TextBox 18">
+                <a:extLst>
+                  <a:ext uri="{FF2B5EF4-FFF2-40B4-BE49-F238E27FC236}">
+                    <a16:creationId xmlns:a16="http://schemas.microsoft.com/office/drawing/2014/main" id="{7F682645-335B-B32A-8069-3C1E55A9DA03}"/>
+                  </a:ext>
+                </a:extLst>
+              </p:cNvPr>
+              <p:cNvSpPr txBox="1">
+                <a:spLocks noRot="1" noChangeAspect="1" noMove="1" noResize="1" noEditPoints="1" noAdjustHandles="1" noChangeArrowheads="1" noChangeShapeType="1" noTextEdit="1"/>
+              </p:cNvSpPr>
+              <p:nvPr/>
+            </p:nvSpPr>
+            <p:spPr>
+              <a:xfrm>
+                <a:off x="7077930" y="3661755"/>
+                <a:ext cx="5952270" cy="896592"/>
+              </a:xfrm>
+              <a:prstGeom prst="rect">
+                <a:avLst/>
+              </a:prstGeom>
+              <a:blipFill>
+                <a:blip r:embed="rId7"/>
+                <a:stretch>
+                  <a:fillRect/>
+                </a:stretch>
+              </a:blipFill>
+            </p:spPr>
+            <p:txBody>
+              <a:bodyPr/>
+              <a:lstStyle/>
+              <a:p>
+                <a:r>
+                  <a:rPr lang="ko-KR" altLang="en-US">
+                    <a:noFill/>
+                  </a:rPr>
+                  <a:t> </a:t>
+                </a:r>
+              </a:p>
+            </p:txBody>
+          </p:sp>
+        </mc:Fallback>
+      </mc:AlternateContent>
     </p:spTree>
     <p:extLst>
       <p:ext uri="{BB962C8B-B14F-4D97-AF65-F5344CB8AC3E}">
-        <p14:creationId xmlns:p14="http://schemas.microsoft.com/office/powerpoint/2010/main" val="732816766"/>
+        <p14:creationId xmlns:p14="http://schemas.microsoft.com/office/powerpoint/2010/main" val="2404218619"/>
       </p:ext>
     </p:extLst>
   </p:cSld>
